--- a/Latex/Models figures.pptx
+++ b/Latex/Models figures.pptx
@@ -2,18 +2,20 @@
 <file path=ppt/presentation.xml><?xml version="1.0" encoding="utf-8"?>
 <p:presentation xmlns:a="http://schemas.openxmlformats.org/drawingml/2006/main" xmlns:r="http://schemas.openxmlformats.org/officeDocument/2006/relationships" xmlns:p="http://schemas.openxmlformats.org/presentationml/2006/main" saveSubsetFonts="1">
   <p:sldMasterIdLst>
-    <p:sldMasterId id="2147483648" r:id="rId1"/>
+    <p:sldMasterId id="2147483660" r:id="rId1"/>
   </p:sldMasterIdLst>
   <p:sldIdLst>
     <p:sldId id="256" r:id="rId2"/>
+    <p:sldId id="257" r:id="rId3"/>
+    <p:sldId id="258" r:id="rId4"/>
   </p:sldIdLst>
-  <p:sldSz cx="12192000" cy="6858000"/>
+  <p:sldSz cx="12192000" cy="10007600"/>
   <p:notesSz cx="6858000" cy="9144000"/>
   <p:defaultTextStyle>
     <a:defPPr>
       <a:defRPr lang="en-US"/>
     </a:defPPr>
-    <a:lvl1pPr marL="0" algn="l" defTabSz="914400" rtl="0" eaLnBrk="1" latinLnBrk="0" hangingPunct="1">
+    <a:lvl1pPr marL="0" algn="l" defTabSz="457200" rtl="0" eaLnBrk="1" latinLnBrk="0" hangingPunct="1">
       <a:defRPr sz="1800" kern="1200">
         <a:solidFill>
           <a:schemeClr val="tx1"/>
@@ -23,7 +25,7 @@
         <a:cs typeface="+mn-cs"/>
       </a:defRPr>
     </a:lvl1pPr>
-    <a:lvl2pPr marL="457200" algn="l" defTabSz="914400" rtl="0" eaLnBrk="1" latinLnBrk="0" hangingPunct="1">
+    <a:lvl2pPr marL="457200" algn="l" defTabSz="457200" rtl="0" eaLnBrk="1" latinLnBrk="0" hangingPunct="1">
       <a:defRPr sz="1800" kern="1200">
         <a:solidFill>
           <a:schemeClr val="tx1"/>
@@ -33,7 +35,7 @@
         <a:cs typeface="+mn-cs"/>
       </a:defRPr>
     </a:lvl2pPr>
-    <a:lvl3pPr marL="914400" algn="l" defTabSz="914400" rtl="0" eaLnBrk="1" latinLnBrk="0" hangingPunct="1">
+    <a:lvl3pPr marL="914400" algn="l" defTabSz="457200" rtl="0" eaLnBrk="1" latinLnBrk="0" hangingPunct="1">
       <a:defRPr sz="1800" kern="1200">
         <a:solidFill>
           <a:schemeClr val="tx1"/>
@@ -43,7 +45,7 @@
         <a:cs typeface="+mn-cs"/>
       </a:defRPr>
     </a:lvl3pPr>
-    <a:lvl4pPr marL="1371600" algn="l" defTabSz="914400" rtl="0" eaLnBrk="1" latinLnBrk="0" hangingPunct="1">
+    <a:lvl4pPr marL="1371600" algn="l" defTabSz="457200" rtl="0" eaLnBrk="1" latinLnBrk="0" hangingPunct="1">
       <a:defRPr sz="1800" kern="1200">
         <a:solidFill>
           <a:schemeClr val="tx1"/>
@@ -53,7 +55,7 @@
         <a:cs typeface="+mn-cs"/>
       </a:defRPr>
     </a:lvl4pPr>
-    <a:lvl5pPr marL="1828800" algn="l" defTabSz="914400" rtl="0" eaLnBrk="1" latinLnBrk="0" hangingPunct="1">
+    <a:lvl5pPr marL="1828800" algn="l" defTabSz="457200" rtl="0" eaLnBrk="1" latinLnBrk="0" hangingPunct="1">
       <a:defRPr sz="1800" kern="1200">
         <a:solidFill>
           <a:schemeClr val="tx1"/>
@@ -63,7 +65,7 @@
         <a:cs typeface="+mn-cs"/>
       </a:defRPr>
     </a:lvl5pPr>
-    <a:lvl6pPr marL="2286000" algn="l" defTabSz="914400" rtl="0" eaLnBrk="1" latinLnBrk="0" hangingPunct="1">
+    <a:lvl6pPr marL="2286000" algn="l" defTabSz="457200" rtl="0" eaLnBrk="1" latinLnBrk="0" hangingPunct="1">
       <a:defRPr sz="1800" kern="1200">
         <a:solidFill>
           <a:schemeClr val="tx1"/>
@@ -73,7 +75,7 @@
         <a:cs typeface="+mn-cs"/>
       </a:defRPr>
     </a:lvl6pPr>
-    <a:lvl7pPr marL="2743200" algn="l" defTabSz="914400" rtl="0" eaLnBrk="1" latinLnBrk="0" hangingPunct="1">
+    <a:lvl7pPr marL="2743200" algn="l" defTabSz="457200" rtl="0" eaLnBrk="1" latinLnBrk="0" hangingPunct="1">
       <a:defRPr sz="1800" kern="1200">
         <a:solidFill>
           <a:schemeClr val="tx1"/>
@@ -83,7 +85,7 @@
         <a:cs typeface="+mn-cs"/>
       </a:defRPr>
     </a:lvl7pPr>
-    <a:lvl8pPr marL="3200400" algn="l" defTabSz="914400" rtl="0" eaLnBrk="1" latinLnBrk="0" hangingPunct="1">
+    <a:lvl8pPr marL="3200400" algn="l" defTabSz="457200" rtl="0" eaLnBrk="1" latinLnBrk="0" hangingPunct="1">
       <a:defRPr sz="1800" kern="1200">
         <a:solidFill>
           <a:schemeClr val="tx1"/>
@@ -93,7 +95,7 @@
         <a:cs typeface="+mn-cs"/>
       </a:defRPr>
     </a:lvl8pPr>
-    <a:lvl9pPr marL="3657600" algn="l" defTabSz="914400" rtl="0" eaLnBrk="1" latinLnBrk="0" hangingPunct="1">
+    <a:lvl9pPr marL="3657600" algn="l" defTabSz="457200" rtl="0" eaLnBrk="1" latinLnBrk="0" hangingPunct="1">
       <a:defRPr sz="1800" kern="1200">
         <a:solidFill>
           <a:schemeClr val="tx1"/>
@@ -104,6 +106,11 @@
       </a:defRPr>
     </a:lvl9pPr>
   </p:defaultTextStyle>
+  <p:extLst>
+    <p:ext uri="{EFAFB233-063F-42B5-8137-9DF3F51BA10A}">
+      <p15:sldGuideLst xmlns:p15="http://schemas.microsoft.com/office/powerpoint/2012/main"/>
+    </p:ext>
+  </p:extLst>
 </p:presentation>
 </file>
 
@@ -126,13 +133,7 @@
       </p:grpSpPr>
       <p:sp>
         <p:nvSpPr>
-          <p:cNvPr id="2" name="Titolo 1">
-            <a:extLst>
-              <a:ext uri="{FF2B5EF4-FFF2-40B4-BE49-F238E27FC236}">
-                <a16:creationId xmlns:a16="http://schemas.microsoft.com/office/drawing/2014/main" id="{A8F2F00A-D88E-4407-BCE7-B930F277E785}"/>
-              </a:ext>
-            </a:extLst>
-          </p:cNvPr>
+          <p:cNvPr id="2" name="Title 1"/>
           <p:cNvSpPr>
             <a:spLocks noGrp="1"/>
           </p:cNvSpPr>
@@ -142,15 +143,15 @@
         </p:nvSpPr>
         <p:spPr>
           <a:xfrm>
-            <a:off x="1524000" y="1122363"/>
-            <a:ext cx="9144000" cy="2387600"/>
+            <a:off x="914400" y="1637819"/>
+            <a:ext cx="10363200" cy="3484127"/>
           </a:xfrm>
         </p:spPr>
         <p:txBody>
           <a:bodyPr anchor="b"/>
           <a:lstStyle>
             <a:lvl1pPr algn="ctr">
-              <a:defRPr sz="6000"/>
+              <a:defRPr sz="8000"/>
             </a:lvl1pPr>
           </a:lstStyle>
           <a:p>
@@ -158,19 +159,13 @@
               <a:rPr lang="it-IT"/>
               <a:t>Fare clic per modificare lo stile del titolo dello schema</a:t>
             </a:r>
-            <a:endParaRPr lang="en-US"/>
+            <a:endParaRPr lang="en-US" dirty="0"/>
           </a:p>
         </p:txBody>
       </p:sp>
       <p:sp>
         <p:nvSpPr>
-          <p:cNvPr id="3" name="Sottotitolo 2">
-            <a:extLst>
-              <a:ext uri="{FF2B5EF4-FFF2-40B4-BE49-F238E27FC236}">
-                <a16:creationId xmlns:a16="http://schemas.microsoft.com/office/drawing/2014/main" id="{46FDF924-133C-DD16-6480-71A07A241F8E}"/>
-              </a:ext>
-            </a:extLst>
-          </p:cNvPr>
+          <p:cNvPr id="3" name="Subtitle 2"/>
           <p:cNvSpPr>
             <a:spLocks noGrp="1"/>
           </p:cNvSpPr>
@@ -180,8 +175,8 @@
         </p:nvSpPr>
         <p:spPr>
           <a:xfrm>
-            <a:off x="1524000" y="3602038"/>
-            <a:ext cx="9144000" cy="1655762"/>
+            <a:off x="1524000" y="5256307"/>
+            <a:ext cx="9144000" cy="2416186"/>
           </a:xfrm>
         </p:spPr>
         <p:txBody>
@@ -189,39 +184,39 @@
           <a:lstStyle>
             <a:lvl1pPr marL="0" indent="0" algn="ctr">
               <a:buNone/>
+              <a:defRPr sz="3200"/>
+            </a:lvl1pPr>
+            <a:lvl2pPr marL="609585" indent="0" algn="ctr">
+              <a:buNone/>
+              <a:defRPr sz="2667"/>
+            </a:lvl2pPr>
+            <a:lvl3pPr marL="1219170" indent="0" algn="ctr">
+              <a:buNone/>
               <a:defRPr sz="2400"/>
-            </a:lvl1pPr>
-            <a:lvl2pPr marL="457200" indent="0" algn="ctr">
+            </a:lvl3pPr>
+            <a:lvl4pPr marL="1828754" indent="0" algn="ctr">
               <a:buNone/>
-              <a:defRPr sz="2000"/>
-            </a:lvl2pPr>
-            <a:lvl3pPr marL="914400" indent="0" algn="ctr">
+              <a:defRPr sz="2133"/>
+            </a:lvl4pPr>
+            <a:lvl5pPr marL="2438339" indent="0" algn="ctr">
               <a:buNone/>
-              <a:defRPr sz="1800"/>
-            </a:lvl3pPr>
-            <a:lvl4pPr marL="1371600" indent="0" algn="ctr">
+              <a:defRPr sz="2133"/>
+            </a:lvl5pPr>
+            <a:lvl6pPr marL="3047924" indent="0" algn="ctr">
               <a:buNone/>
-              <a:defRPr sz="1600"/>
-            </a:lvl4pPr>
-            <a:lvl5pPr marL="1828800" indent="0" algn="ctr">
+              <a:defRPr sz="2133"/>
+            </a:lvl6pPr>
+            <a:lvl7pPr marL="3657509" indent="0" algn="ctr">
               <a:buNone/>
-              <a:defRPr sz="1600"/>
-            </a:lvl5pPr>
-            <a:lvl6pPr marL="2286000" indent="0" algn="ctr">
+              <a:defRPr sz="2133"/>
+            </a:lvl7pPr>
+            <a:lvl8pPr marL="4267093" indent="0" algn="ctr">
               <a:buNone/>
-              <a:defRPr sz="1600"/>
-            </a:lvl6pPr>
-            <a:lvl7pPr marL="2743200" indent="0" algn="ctr">
+              <a:defRPr sz="2133"/>
+            </a:lvl8pPr>
+            <a:lvl9pPr marL="4876678" indent="0" algn="ctr">
               <a:buNone/>
-              <a:defRPr sz="1600"/>
-            </a:lvl7pPr>
-            <a:lvl8pPr marL="3200400" indent="0" algn="ctr">
-              <a:buNone/>
-              <a:defRPr sz="1600"/>
-            </a:lvl8pPr>
-            <a:lvl9pPr marL="3657600" indent="0" algn="ctr">
-              <a:buNone/>
-              <a:defRPr sz="1600"/>
+              <a:defRPr sz="2133"/>
             </a:lvl9pPr>
           </a:lstStyle>
           <a:p>
@@ -229,19 +224,13 @@
               <a:rPr lang="it-IT"/>
               <a:t>Fare clic per modificare lo stile del sottotitolo dello schema</a:t>
             </a:r>
-            <a:endParaRPr lang="en-US"/>
+            <a:endParaRPr lang="en-US" dirty="0"/>
           </a:p>
         </p:txBody>
       </p:sp>
       <p:sp>
         <p:nvSpPr>
-          <p:cNvPr id="4" name="Segnaposto data 3">
-            <a:extLst>
-              <a:ext uri="{FF2B5EF4-FFF2-40B4-BE49-F238E27FC236}">
-                <a16:creationId xmlns:a16="http://schemas.microsoft.com/office/drawing/2014/main" id="{91D3DB04-64E9-4A6E-715D-6652894448C6}"/>
-              </a:ext>
-            </a:extLst>
-          </p:cNvPr>
+          <p:cNvPr id="4" name="Date Placeholder 3"/>
           <p:cNvSpPr>
             <a:spLocks noGrp="1"/>
           </p:cNvSpPr>
@@ -256,7 +245,7 @@
           <a:p>
             <a:fld id="{E6EF3D39-A4D6-4D22-BD54-AF83829FA753}" type="datetimeFigureOut">
               <a:rPr lang="en-US" smtClean="0"/>
-              <a:t>10/23/2024</a:t>
+              <a:t>11/24/2024</a:t>
             </a:fld>
             <a:endParaRPr lang="en-US"/>
           </a:p>
@@ -264,13 +253,7 @@
       </p:sp>
       <p:sp>
         <p:nvSpPr>
-          <p:cNvPr id="5" name="Segnaposto piè di pagina 4">
-            <a:extLst>
-              <a:ext uri="{FF2B5EF4-FFF2-40B4-BE49-F238E27FC236}">
-                <a16:creationId xmlns:a16="http://schemas.microsoft.com/office/drawing/2014/main" id="{2B75DAD3-5E21-444F-33A5-59A33A0B2339}"/>
-              </a:ext>
-            </a:extLst>
-          </p:cNvPr>
+          <p:cNvPr id="5" name="Footer Placeholder 4"/>
           <p:cNvSpPr>
             <a:spLocks noGrp="1"/>
           </p:cNvSpPr>
@@ -289,13 +272,7 @@
       </p:sp>
       <p:sp>
         <p:nvSpPr>
-          <p:cNvPr id="6" name="Segnaposto numero diapositiva 5">
-            <a:extLst>
-              <a:ext uri="{FF2B5EF4-FFF2-40B4-BE49-F238E27FC236}">
-                <a16:creationId xmlns:a16="http://schemas.microsoft.com/office/drawing/2014/main" id="{3CEF0815-834A-EC42-A6C0-F41A6E26C101}"/>
-              </a:ext>
-            </a:extLst>
-          </p:cNvPr>
+          <p:cNvPr id="6" name="Slide Number Placeholder 5"/>
           <p:cNvSpPr>
             <a:spLocks noGrp="1"/>
           </p:cNvSpPr>
@@ -319,7 +296,7 @@
     </p:spTree>
     <p:extLst>
       <p:ext uri="{BB962C8B-B14F-4D97-AF65-F5344CB8AC3E}">
-        <p14:creationId xmlns:p14="http://schemas.microsoft.com/office/powerpoint/2010/main" val="3743845049"/>
+        <p14:creationId xmlns:p14="http://schemas.microsoft.com/office/powerpoint/2010/main" val="3454154105"/>
       </p:ext>
     </p:extLst>
   </p:cSld>
@@ -348,13 +325,7 @@
       </p:grpSpPr>
       <p:sp>
         <p:nvSpPr>
-          <p:cNvPr id="2" name="Titolo 1">
-            <a:extLst>
-              <a:ext uri="{FF2B5EF4-FFF2-40B4-BE49-F238E27FC236}">
-                <a16:creationId xmlns:a16="http://schemas.microsoft.com/office/drawing/2014/main" id="{0E8BA0FC-EDD4-9779-B110-47B180309521}"/>
-              </a:ext>
-            </a:extLst>
-          </p:cNvPr>
+          <p:cNvPr id="2" name="Title 1"/>
           <p:cNvSpPr>
             <a:spLocks noGrp="1"/>
           </p:cNvSpPr>
@@ -371,19 +342,13 @@
               <a:rPr lang="it-IT"/>
               <a:t>Fare clic per modificare lo stile del titolo dello schema</a:t>
             </a:r>
-            <a:endParaRPr lang="en-US"/>
+            <a:endParaRPr lang="en-US" dirty="0"/>
           </a:p>
         </p:txBody>
       </p:sp>
       <p:sp>
         <p:nvSpPr>
-          <p:cNvPr id="3" name="Segnaposto testo verticale 2">
-            <a:extLst>
-              <a:ext uri="{FF2B5EF4-FFF2-40B4-BE49-F238E27FC236}">
-                <a16:creationId xmlns:a16="http://schemas.microsoft.com/office/drawing/2014/main" id="{AE2F93E0-63BD-17F7-DAC8-5B04FDDF101A}"/>
-              </a:ext>
-            </a:extLst>
-          </p:cNvPr>
+          <p:cNvPr id="3" name="Vertical Text Placeholder 2"/>
           <p:cNvSpPr>
             <a:spLocks noGrp="1"/>
           </p:cNvSpPr>
@@ -429,19 +394,13 @@
               <a:rPr lang="it-IT"/>
               <a:t>Quinto livello</a:t>
             </a:r>
-            <a:endParaRPr lang="en-US"/>
+            <a:endParaRPr lang="en-US" dirty="0"/>
           </a:p>
         </p:txBody>
       </p:sp>
       <p:sp>
         <p:nvSpPr>
-          <p:cNvPr id="4" name="Segnaposto data 3">
-            <a:extLst>
-              <a:ext uri="{FF2B5EF4-FFF2-40B4-BE49-F238E27FC236}">
-                <a16:creationId xmlns:a16="http://schemas.microsoft.com/office/drawing/2014/main" id="{5B8CE4B8-E88C-3057-D7F0-CA6463816298}"/>
-              </a:ext>
-            </a:extLst>
-          </p:cNvPr>
+          <p:cNvPr id="4" name="Date Placeholder 3"/>
           <p:cNvSpPr>
             <a:spLocks noGrp="1"/>
           </p:cNvSpPr>
@@ -456,7 +415,7 @@
           <a:p>
             <a:fld id="{E6EF3D39-A4D6-4D22-BD54-AF83829FA753}" type="datetimeFigureOut">
               <a:rPr lang="en-US" smtClean="0"/>
-              <a:t>10/23/2024</a:t>
+              <a:t>11/24/2024</a:t>
             </a:fld>
             <a:endParaRPr lang="en-US"/>
           </a:p>
@@ -464,13 +423,7 @@
       </p:sp>
       <p:sp>
         <p:nvSpPr>
-          <p:cNvPr id="5" name="Segnaposto piè di pagina 4">
-            <a:extLst>
-              <a:ext uri="{FF2B5EF4-FFF2-40B4-BE49-F238E27FC236}">
-                <a16:creationId xmlns:a16="http://schemas.microsoft.com/office/drawing/2014/main" id="{9A9E49D0-F368-A67F-6F53-71BB612B62FE}"/>
-              </a:ext>
-            </a:extLst>
-          </p:cNvPr>
+          <p:cNvPr id="5" name="Footer Placeholder 4"/>
           <p:cNvSpPr>
             <a:spLocks noGrp="1"/>
           </p:cNvSpPr>
@@ -489,13 +442,7 @@
       </p:sp>
       <p:sp>
         <p:nvSpPr>
-          <p:cNvPr id="6" name="Segnaposto numero diapositiva 5">
-            <a:extLst>
-              <a:ext uri="{FF2B5EF4-FFF2-40B4-BE49-F238E27FC236}">
-                <a16:creationId xmlns:a16="http://schemas.microsoft.com/office/drawing/2014/main" id="{5552D158-4551-0EEE-C9D8-BDC9C1B7E368}"/>
-              </a:ext>
-            </a:extLst>
-          </p:cNvPr>
+          <p:cNvPr id="6" name="Slide Number Placeholder 5"/>
           <p:cNvSpPr>
             <a:spLocks noGrp="1"/>
           </p:cNvSpPr>
@@ -519,7 +466,7 @@
     </p:spTree>
     <p:extLst>
       <p:ext uri="{BB962C8B-B14F-4D97-AF65-F5344CB8AC3E}">
-        <p14:creationId xmlns:p14="http://schemas.microsoft.com/office/powerpoint/2010/main" val="2672016249"/>
+        <p14:creationId xmlns:p14="http://schemas.microsoft.com/office/powerpoint/2010/main" val="1583051154"/>
       </p:ext>
     </p:extLst>
   </p:cSld>
@@ -548,13 +495,7 @@
       </p:grpSpPr>
       <p:sp>
         <p:nvSpPr>
-          <p:cNvPr id="2" name="Titolo verticale 1">
-            <a:extLst>
-              <a:ext uri="{FF2B5EF4-FFF2-40B4-BE49-F238E27FC236}">
-                <a16:creationId xmlns:a16="http://schemas.microsoft.com/office/drawing/2014/main" id="{B6666F73-A652-8377-3CDE-AF41390D3785}"/>
-              </a:ext>
-            </a:extLst>
-          </p:cNvPr>
+          <p:cNvPr id="2" name="Vertical Title 1"/>
           <p:cNvSpPr>
             <a:spLocks noGrp="1"/>
           </p:cNvSpPr>
@@ -564,8 +505,8 @@
         </p:nvSpPr>
         <p:spPr>
           <a:xfrm>
-            <a:off x="8724900" y="365125"/>
-            <a:ext cx="2628900" cy="5811838"/>
+            <a:off x="8724901" y="532812"/>
+            <a:ext cx="2628900" cy="8480978"/>
           </a:xfrm>
         </p:spPr>
         <p:txBody>
@@ -576,19 +517,13 @@
               <a:rPr lang="it-IT"/>
               <a:t>Fare clic per modificare lo stile del titolo dello schema</a:t>
             </a:r>
-            <a:endParaRPr lang="en-US"/>
+            <a:endParaRPr lang="en-US" dirty="0"/>
           </a:p>
         </p:txBody>
       </p:sp>
       <p:sp>
         <p:nvSpPr>
-          <p:cNvPr id="3" name="Segnaposto testo verticale 2">
-            <a:extLst>
-              <a:ext uri="{FF2B5EF4-FFF2-40B4-BE49-F238E27FC236}">
-                <a16:creationId xmlns:a16="http://schemas.microsoft.com/office/drawing/2014/main" id="{1C7DE997-B7B6-0BA0-58A9-6FB1C4A88987}"/>
-              </a:ext>
-            </a:extLst>
-          </p:cNvPr>
+          <p:cNvPr id="3" name="Vertical Text Placeholder 2"/>
           <p:cNvSpPr>
             <a:spLocks noGrp="1"/>
           </p:cNvSpPr>
@@ -598,8 +533,8 @@
         </p:nvSpPr>
         <p:spPr>
           <a:xfrm>
-            <a:off x="838200" y="365125"/>
-            <a:ext cx="7734300" cy="5811838"/>
+            <a:off x="838201" y="532812"/>
+            <a:ext cx="7734300" cy="8480978"/>
           </a:xfrm>
         </p:spPr>
         <p:txBody>
@@ -639,19 +574,13 @@
               <a:rPr lang="it-IT"/>
               <a:t>Quinto livello</a:t>
             </a:r>
-            <a:endParaRPr lang="en-US"/>
+            <a:endParaRPr lang="en-US" dirty="0"/>
           </a:p>
         </p:txBody>
       </p:sp>
       <p:sp>
         <p:nvSpPr>
-          <p:cNvPr id="4" name="Segnaposto data 3">
-            <a:extLst>
-              <a:ext uri="{FF2B5EF4-FFF2-40B4-BE49-F238E27FC236}">
-                <a16:creationId xmlns:a16="http://schemas.microsoft.com/office/drawing/2014/main" id="{FE05C9A1-48D5-AECF-CBA0-637CFA93264B}"/>
-              </a:ext>
-            </a:extLst>
-          </p:cNvPr>
+          <p:cNvPr id="4" name="Date Placeholder 3"/>
           <p:cNvSpPr>
             <a:spLocks noGrp="1"/>
           </p:cNvSpPr>
@@ -666,7 +595,7 @@
           <a:p>
             <a:fld id="{E6EF3D39-A4D6-4D22-BD54-AF83829FA753}" type="datetimeFigureOut">
               <a:rPr lang="en-US" smtClean="0"/>
-              <a:t>10/23/2024</a:t>
+              <a:t>11/24/2024</a:t>
             </a:fld>
             <a:endParaRPr lang="en-US"/>
           </a:p>
@@ -674,13 +603,7 @@
       </p:sp>
       <p:sp>
         <p:nvSpPr>
-          <p:cNvPr id="5" name="Segnaposto piè di pagina 4">
-            <a:extLst>
-              <a:ext uri="{FF2B5EF4-FFF2-40B4-BE49-F238E27FC236}">
-                <a16:creationId xmlns:a16="http://schemas.microsoft.com/office/drawing/2014/main" id="{5E10B95D-1993-F7EA-69CC-A307DFFD35AF}"/>
-              </a:ext>
-            </a:extLst>
-          </p:cNvPr>
+          <p:cNvPr id="5" name="Footer Placeholder 4"/>
           <p:cNvSpPr>
             <a:spLocks noGrp="1"/>
           </p:cNvSpPr>
@@ -699,13 +622,7 @@
       </p:sp>
       <p:sp>
         <p:nvSpPr>
-          <p:cNvPr id="6" name="Segnaposto numero diapositiva 5">
-            <a:extLst>
-              <a:ext uri="{FF2B5EF4-FFF2-40B4-BE49-F238E27FC236}">
-                <a16:creationId xmlns:a16="http://schemas.microsoft.com/office/drawing/2014/main" id="{6021DBA4-6D6C-75D0-FD2A-6C54BF6B9263}"/>
-              </a:ext>
-            </a:extLst>
-          </p:cNvPr>
+          <p:cNvPr id="6" name="Slide Number Placeholder 5"/>
           <p:cNvSpPr>
             <a:spLocks noGrp="1"/>
           </p:cNvSpPr>
@@ -729,7 +646,7 @@
     </p:spTree>
     <p:extLst>
       <p:ext uri="{BB962C8B-B14F-4D97-AF65-F5344CB8AC3E}">
-        <p14:creationId xmlns:p14="http://schemas.microsoft.com/office/powerpoint/2010/main" val="3306732748"/>
+        <p14:creationId xmlns:p14="http://schemas.microsoft.com/office/powerpoint/2010/main" val="3356418631"/>
       </p:ext>
     </p:extLst>
   </p:cSld>
@@ -758,13 +675,7 @@
       </p:grpSpPr>
       <p:sp>
         <p:nvSpPr>
-          <p:cNvPr id="2" name="Titolo 1">
-            <a:extLst>
-              <a:ext uri="{FF2B5EF4-FFF2-40B4-BE49-F238E27FC236}">
-                <a16:creationId xmlns:a16="http://schemas.microsoft.com/office/drawing/2014/main" id="{53C46A3D-8D98-4CC6-F744-462A84CA2EED}"/>
-              </a:ext>
-            </a:extLst>
-          </p:cNvPr>
+          <p:cNvPr id="2" name="Title 1"/>
           <p:cNvSpPr>
             <a:spLocks noGrp="1"/>
           </p:cNvSpPr>
@@ -781,19 +692,13 @@
               <a:rPr lang="it-IT"/>
               <a:t>Fare clic per modificare lo stile del titolo dello schema</a:t>
             </a:r>
-            <a:endParaRPr lang="en-US"/>
+            <a:endParaRPr lang="en-US" dirty="0"/>
           </a:p>
         </p:txBody>
       </p:sp>
       <p:sp>
         <p:nvSpPr>
-          <p:cNvPr id="3" name="Segnaposto contenuto 2">
-            <a:extLst>
-              <a:ext uri="{FF2B5EF4-FFF2-40B4-BE49-F238E27FC236}">
-                <a16:creationId xmlns:a16="http://schemas.microsoft.com/office/drawing/2014/main" id="{393BF463-D19B-E512-9074-7A61E2916FB4}"/>
-              </a:ext>
-            </a:extLst>
-          </p:cNvPr>
+          <p:cNvPr id="3" name="Content Placeholder 2"/>
           <p:cNvSpPr>
             <a:spLocks noGrp="1"/>
           </p:cNvSpPr>
@@ -839,19 +744,13 @@
               <a:rPr lang="it-IT"/>
               <a:t>Quinto livello</a:t>
             </a:r>
-            <a:endParaRPr lang="en-US"/>
+            <a:endParaRPr lang="en-US" dirty="0"/>
           </a:p>
         </p:txBody>
       </p:sp>
       <p:sp>
         <p:nvSpPr>
-          <p:cNvPr id="4" name="Segnaposto data 3">
-            <a:extLst>
-              <a:ext uri="{FF2B5EF4-FFF2-40B4-BE49-F238E27FC236}">
-                <a16:creationId xmlns:a16="http://schemas.microsoft.com/office/drawing/2014/main" id="{A3D3D394-E283-3B85-BC40-473120AC314B}"/>
-              </a:ext>
-            </a:extLst>
-          </p:cNvPr>
+          <p:cNvPr id="4" name="Date Placeholder 3"/>
           <p:cNvSpPr>
             <a:spLocks noGrp="1"/>
           </p:cNvSpPr>
@@ -866,7 +765,7 @@
           <a:p>
             <a:fld id="{E6EF3D39-A4D6-4D22-BD54-AF83829FA753}" type="datetimeFigureOut">
               <a:rPr lang="en-US" smtClean="0"/>
-              <a:t>10/23/2024</a:t>
+              <a:t>11/24/2024</a:t>
             </a:fld>
             <a:endParaRPr lang="en-US"/>
           </a:p>
@@ -874,13 +773,7 @@
       </p:sp>
       <p:sp>
         <p:nvSpPr>
-          <p:cNvPr id="5" name="Segnaposto piè di pagina 4">
-            <a:extLst>
-              <a:ext uri="{FF2B5EF4-FFF2-40B4-BE49-F238E27FC236}">
-                <a16:creationId xmlns:a16="http://schemas.microsoft.com/office/drawing/2014/main" id="{D8537561-5B54-6E3B-1934-C02FC5A89117}"/>
-              </a:ext>
-            </a:extLst>
-          </p:cNvPr>
+          <p:cNvPr id="5" name="Footer Placeholder 4"/>
           <p:cNvSpPr>
             <a:spLocks noGrp="1"/>
           </p:cNvSpPr>
@@ -899,13 +792,7 @@
       </p:sp>
       <p:sp>
         <p:nvSpPr>
-          <p:cNvPr id="6" name="Segnaposto numero diapositiva 5">
-            <a:extLst>
-              <a:ext uri="{FF2B5EF4-FFF2-40B4-BE49-F238E27FC236}">
-                <a16:creationId xmlns:a16="http://schemas.microsoft.com/office/drawing/2014/main" id="{A748D269-84BF-0C2F-95DE-02EE913FDB67}"/>
-              </a:ext>
-            </a:extLst>
-          </p:cNvPr>
+          <p:cNvPr id="6" name="Slide Number Placeholder 5"/>
           <p:cNvSpPr>
             <a:spLocks noGrp="1"/>
           </p:cNvSpPr>
@@ -929,7 +816,7 @@
     </p:spTree>
     <p:extLst>
       <p:ext uri="{BB962C8B-B14F-4D97-AF65-F5344CB8AC3E}">
-        <p14:creationId xmlns:p14="http://schemas.microsoft.com/office/powerpoint/2010/main" val="2497498603"/>
+        <p14:creationId xmlns:p14="http://schemas.microsoft.com/office/powerpoint/2010/main" val="2561555945"/>
       </p:ext>
     </p:extLst>
   </p:cSld>
@@ -958,13 +845,7 @@
       </p:grpSpPr>
       <p:sp>
         <p:nvSpPr>
-          <p:cNvPr id="2" name="Titolo 1">
-            <a:extLst>
-              <a:ext uri="{FF2B5EF4-FFF2-40B4-BE49-F238E27FC236}">
-                <a16:creationId xmlns:a16="http://schemas.microsoft.com/office/drawing/2014/main" id="{80F17AF2-C2CB-3703-A7EC-1519180159BB}"/>
-              </a:ext>
-            </a:extLst>
-          </p:cNvPr>
+          <p:cNvPr id="2" name="Title 1"/>
           <p:cNvSpPr>
             <a:spLocks noGrp="1"/>
           </p:cNvSpPr>
@@ -974,15 +855,15 @@
         </p:nvSpPr>
         <p:spPr>
           <a:xfrm>
-            <a:off x="831850" y="1709738"/>
-            <a:ext cx="10515600" cy="2852737"/>
+            <a:off x="831851" y="2494953"/>
+            <a:ext cx="10515600" cy="4162883"/>
           </a:xfrm>
         </p:spPr>
         <p:txBody>
           <a:bodyPr anchor="b"/>
           <a:lstStyle>
             <a:lvl1pPr>
-              <a:defRPr sz="6000"/>
+              <a:defRPr sz="8000"/>
             </a:lvl1pPr>
           </a:lstStyle>
           <a:p>
@@ -990,19 +871,13 @@
               <a:rPr lang="it-IT"/>
               <a:t>Fare clic per modificare lo stile del titolo dello schema</a:t>
             </a:r>
-            <a:endParaRPr lang="en-US"/>
+            <a:endParaRPr lang="en-US" dirty="0"/>
           </a:p>
         </p:txBody>
       </p:sp>
       <p:sp>
         <p:nvSpPr>
-          <p:cNvPr id="3" name="Segnaposto testo 2">
-            <a:extLst>
-              <a:ext uri="{FF2B5EF4-FFF2-40B4-BE49-F238E27FC236}">
-                <a16:creationId xmlns:a16="http://schemas.microsoft.com/office/drawing/2014/main" id="{74602A67-F15F-0318-A41C-430A1F9269B1}"/>
-              </a:ext>
-            </a:extLst>
-          </p:cNvPr>
+          <p:cNvPr id="3" name="Text Placeholder 2"/>
           <p:cNvSpPr>
             <a:spLocks noGrp="1"/>
           </p:cNvSpPr>
@@ -1012,14 +887,34 @@
         </p:nvSpPr>
         <p:spPr>
           <a:xfrm>
-            <a:off x="831850" y="4589463"/>
-            <a:ext cx="10515600" cy="1500187"/>
+            <a:off x="831851" y="6697218"/>
+            <a:ext cx="10515600" cy="2189162"/>
           </a:xfrm>
         </p:spPr>
         <p:txBody>
           <a:bodyPr/>
           <a:lstStyle>
             <a:lvl1pPr marL="0" indent="0">
+              <a:buNone/>
+              <a:defRPr sz="3200">
+                <a:solidFill>
+                  <a:schemeClr val="tx1">
+                    <a:tint val="82000"/>
+                  </a:schemeClr>
+                </a:solidFill>
+              </a:defRPr>
+            </a:lvl1pPr>
+            <a:lvl2pPr marL="609585" indent="0">
+              <a:buNone/>
+              <a:defRPr sz="2667">
+                <a:solidFill>
+                  <a:schemeClr val="tx1">
+                    <a:tint val="82000"/>
+                  </a:schemeClr>
+                </a:solidFill>
+              </a:defRPr>
+            </a:lvl2pPr>
+            <a:lvl3pPr marL="1219170" indent="0">
               <a:buNone/>
               <a:defRPr sz="2400">
                 <a:solidFill>
@@ -1028,30 +923,10 @@
                   </a:schemeClr>
                 </a:solidFill>
               </a:defRPr>
-            </a:lvl1pPr>
-            <a:lvl2pPr marL="457200" indent="0">
+            </a:lvl3pPr>
+            <a:lvl4pPr marL="1828754" indent="0">
               <a:buNone/>
-              <a:defRPr sz="2000">
-                <a:solidFill>
-                  <a:schemeClr val="tx1">
-                    <a:tint val="82000"/>
-                  </a:schemeClr>
-                </a:solidFill>
-              </a:defRPr>
-            </a:lvl2pPr>
-            <a:lvl3pPr marL="914400" indent="0">
-              <a:buNone/>
-              <a:defRPr sz="1800">
-                <a:solidFill>
-                  <a:schemeClr val="tx1">
-                    <a:tint val="82000"/>
-                  </a:schemeClr>
-                </a:solidFill>
-              </a:defRPr>
-            </a:lvl3pPr>
-            <a:lvl4pPr marL="1371600" indent="0">
-              <a:buNone/>
-              <a:defRPr sz="1600">
+              <a:defRPr sz="2133">
                 <a:solidFill>
                   <a:schemeClr val="tx1">
                     <a:tint val="82000"/>
@@ -1059,9 +934,9 @@
                 </a:solidFill>
               </a:defRPr>
             </a:lvl4pPr>
-            <a:lvl5pPr marL="1828800" indent="0">
+            <a:lvl5pPr marL="2438339" indent="0">
               <a:buNone/>
-              <a:defRPr sz="1600">
+              <a:defRPr sz="2133">
                 <a:solidFill>
                   <a:schemeClr val="tx1">
                     <a:tint val="82000"/>
@@ -1069,9 +944,9 @@
                 </a:solidFill>
               </a:defRPr>
             </a:lvl5pPr>
-            <a:lvl6pPr marL="2286000" indent="0">
+            <a:lvl6pPr marL="3047924" indent="0">
               <a:buNone/>
-              <a:defRPr sz="1600">
+              <a:defRPr sz="2133">
                 <a:solidFill>
                   <a:schemeClr val="tx1">
                     <a:tint val="82000"/>
@@ -1079,9 +954,9 @@
                 </a:solidFill>
               </a:defRPr>
             </a:lvl6pPr>
-            <a:lvl7pPr marL="2743200" indent="0">
+            <a:lvl7pPr marL="3657509" indent="0">
               <a:buNone/>
-              <a:defRPr sz="1600">
+              <a:defRPr sz="2133">
                 <a:solidFill>
                   <a:schemeClr val="tx1">
                     <a:tint val="82000"/>
@@ -1089,9 +964,9 @@
                 </a:solidFill>
               </a:defRPr>
             </a:lvl7pPr>
-            <a:lvl8pPr marL="3200400" indent="0">
+            <a:lvl8pPr marL="4267093" indent="0">
               <a:buNone/>
-              <a:defRPr sz="1600">
+              <a:defRPr sz="2133">
                 <a:solidFill>
                   <a:schemeClr val="tx1">
                     <a:tint val="82000"/>
@@ -1099,9 +974,9 @@
                 </a:solidFill>
               </a:defRPr>
             </a:lvl8pPr>
-            <a:lvl9pPr marL="3657600" indent="0">
+            <a:lvl9pPr marL="4876678" indent="0">
               <a:buNone/>
-              <a:defRPr sz="1600">
+              <a:defRPr sz="2133">
                 <a:solidFill>
                   <a:schemeClr val="tx1">
                     <a:tint val="82000"/>
@@ -1121,13 +996,7 @@
       </p:sp>
       <p:sp>
         <p:nvSpPr>
-          <p:cNvPr id="4" name="Segnaposto data 3">
-            <a:extLst>
-              <a:ext uri="{FF2B5EF4-FFF2-40B4-BE49-F238E27FC236}">
-                <a16:creationId xmlns:a16="http://schemas.microsoft.com/office/drawing/2014/main" id="{B8874019-1DF7-1944-8473-3753C0B69775}"/>
-              </a:ext>
-            </a:extLst>
-          </p:cNvPr>
+          <p:cNvPr id="4" name="Date Placeholder 3"/>
           <p:cNvSpPr>
             <a:spLocks noGrp="1"/>
           </p:cNvSpPr>
@@ -1142,7 +1011,7 @@
           <a:p>
             <a:fld id="{E6EF3D39-A4D6-4D22-BD54-AF83829FA753}" type="datetimeFigureOut">
               <a:rPr lang="en-US" smtClean="0"/>
-              <a:t>10/23/2024</a:t>
+              <a:t>11/24/2024</a:t>
             </a:fld>
             <a:endParaRPr lang="en-US"/>
           </a:p>
@@ -1150,13 +1019,7 @@
       </p:sp>
       <p:sp>
         <p:nvSpPr>
-          <p:cNvPr id="5" name="Segnaposto piè di pagina 4">
-            <a:extLst>
-              <a:ext uri="{FF2B5EF4-FFF2-40B4-BE49-F238E27FC236}">
-                <a16:creationId xmlns:a16="http://schemas.microsoft.com/office/drawing/2014/main" id="{162EEE72-BFC3-5A06-D168-20CB007FE5C1}"/>
-              </a:ext>
-            </a:extLst>
-          </p:cNvPr>
+          <p:cNvPr id="5" name="Footer Placeholder 4"/>
           <p:cNvSpPr>
             <a:spLocks noGrp="1"/>
           </p:cNvSpPr>
@@ -1175,13 +1038,7 @@
       </p:sp>
       <p:sp>
         <p:nvSpPr>
-          <p:cNvPr id="6" name="Segnaposto numero diapositiva 5">
-            <a:extLst>
-              <a:ext uri="{FF2B5EF4-FFF2-40B4-BE49-F238E27FC236}">
-                <a16:creationId xmlns:a16="http://schemas.microsoft.com/office/drawing/2014/main" id="{2C390164-3C3E-C3D4-9289-434D92816E35}"/>
-              </a:ext>
-            </a:extLst>
-          </p:cNvPr>
+          <p:cNvPr id="6" name="Slide Number Placeholder 5"/>
           <p:cNvSpPr>
             <a:spLocks noGrp="1"/>
           </p:cNvSpPr>
@@ -1205,7 +1062,7 @@
     </p:spTree>
     <p:extLst>
       <p:ext uri="{BB962C8B-B14F-4D97-AF65-F5344CB8AC3E}">
-        <p14:creationId xmlns:p14="http://schemas.microsoft.com/office/powerpoint/2010/main" val="916561743"/>
+        <p14:creationId xmlns:p14="http://schemas.microsoft.com/office/powerpoint/2010/main" val="3154566719"/>
       </p:ext>
     </p:extLst>
   </p:cSld>
@@ -1234,13 +1091,7 @@
       </p:grpSpPr>
       <p:sp>
         <p:nvSpPr>
-          <p:cNvPr id="2" name="Titolo 1">
-            <a:extLst>
-              <a:ext uri="{FF2B5EF4-FFF2-40B4-BE49-F238E27FC236}">
-                <a16:creationId xmlns:a16="http://schemas.microsoft.com/office/drawing/2014/main" id="{3FF1955A-DA70-743A-EE8A-BB55BCC31AB1}"/>
-              </a:ext>
-            </a:extLst>
-          </p:cNvPr>
+          <p:cNvPr id="2" name="Title 1"/>
           <p:cNvSpPr>
             <a:spLocks noGrp="1"/>
           </p:cNvSpPr>
@@ -1257,19 +1108,13 @@
               <a:rPr lang="it-IT"/>
               <a:t>Fare clic per modificare lo stile del titolo dello schema</a:t>
             </a:r>
-            <a:endParaRPr lang="en-US"/>
+            <a:endParaRPr lang="en-US" dirty="0"/>
           </a:p>
         </p:txBody>
       </p:sp>
       <p:sp>
         <p:nvSpPr>
-          <p:cNvPr id="3" name="Segnaposto contenuto 2">
-            <a:extLst>
-              <a:ext uri="{FF2B5EF4-FFF2-40B4-BE49-F238E27FC236}">
-                <a16:creationId xmlns:a16="http://schemas.microsoft.com/office/drawing/2014/main" id="{03D08714-224D-9E1E-D14E-54B6847F3F10}"/>
-              </a:ext>
-            </a:extLst>
-          </p:cNvPr>
+          <p:cNvPr id="3" name="Content Placeholder 2"/>
           <p:cNvSpPr>
             <a:spLocks noGrp="1"/>
           </p:cNvSpPr>
@@ -1279,8 +1124,8 @@
         </p:nvSpPr>
         <p:spPr>
           <a:xfrm>
-            <a:off x="838200" y="1825625"/>
-            <a:ext cx="5181600" cy="4351338"/>
+            <a:off x="838200" y="2664060"/>
+            <a:ext cx="5181600" cy="6349730"/>
           </a:xfrm>
         </p:spPr>
         <p:txBody>
@@ -1320,19 +1165,13 @@
               <a:rPr lang="it-IT"/>
               <a:t>Quinto livello</a:t>
             </a:r>
-            <a:endParaRPr lang="en-US"/>
+            <a:endParaRPr lang="en-US" dirty="0"/>
           </a:p>
         </p:txBody>
       </p:sp>
       <p:sp>
         <p:nvSpPr>
-          <p:cNvPr id="4" name="Segnaposto contenuto 3">
-            <a:extLst>
-              <a:ext uri="{FF2B5EF4-FFF2-40B4-BE49-F238E27FC236}">
-                <a16:creationId xmlns:a16="http://schemas.microsoft.com/office/drawing/2014/main" id="{402B84E9-BB6E-9841-913D-20E0106FB20D}"/>
-              </a:ext>
-            </a:extLst>
-          </p:cNvPr>
+          <p:cNvPr id="4" name="Content Placeholder 3"/>
           <p:cNvSpPr>
             <a:spLocks noGrp="1"/>
           </p:cNvSpPr>
@@ -1342,8 +1181,8 @@
         </p:nvSpPr>
         <p:spPr>
           <a:xfrm>
-            <a:off x="6172200" y="1825625"/>
-            <a:ext cx="5181600" cy="4351338"/>
+            <a:off x="6172200" y="2664060"/>
+            <a:ext cx="5181600" cy="6349730"/>
           </a:xfrm>
         </p:spPr>
         <p:txBody>
@@ -1383,19 +1222,13 @@
               <a:rPr lang="it-IT"/>
               <a:t>Quinto livello</a:t>
             </a:r>
-            <a:endParaRPr lang="en-US"/>
+            <a:endParaRPr lang="en-US" dirty="0"/>
           </a:p>
         </p:txBody>
       </p:sp>
       <p:sp>
         <p:nvSpPr>
-          <p:cNvPr id="5" name="Segnaposto data 4">
-            <a:extLst>
-              <a:ext uri="{FF2B5EF4-FFF2-40B4-BE49-F238E27FC236}">
-                <a16:creationId xmlns:a16="http://schemas.microsoft.com/office/drawing/2014/main" id="{FE0656CC-144D-0941-8AAF-EC895DEE7257}"/>
-              </a:ext>
-            </a:extLst>
-          </p:cNvPr>
+          <p:cNvPr id="5" name="Date Placeholder 4"/>
           <p:cNvSpPr>
             <a:spLocks noGrp="1"/>
           </p:cNvSpPr>
@@ -1410,7 +1243,7 @@
           <a:p>
             <a:fld id="{E6EF3D39-A4D6-4D22-BD54-AF83829FA753}" type="datetimeFigureOut">
               <a:rPr lang="en-US" smtClean="0"/>
-              <a:t>10/23/2024</a:t>
+              <a:t>11/24/2024</a:t>
             </a:fld>
             <a:endParaRPr lang="en-US"/>
           </a:p>
@@ -1418,13 +1251,7 @@
       </p:sp>
       <p:sp>
         <p:nvSpPr>
-          <p:cNvPr id="6" name="Segnaposto piè di pagina 5">
-            <a:extLst>
-              <a:ext uri="{FF2B5EF4-FFF2-40B4-BE49-F238E27FC236}">
-                <a16:creationId xmlns:a16="http://schemas.microsoft.com/office/drawing/2014/main" id="{954C365B-4A5E-510E-A05C-31E03B2D8BFE}"/>
-              </a:ext>
-            </a:extLst>
-          </p:cNvPr>
+          <p:cNvPr id="6" name="Footer Placeholder 5"/>
           <p:cNvSpPr>
             <a:spLocks noGrp="1"/>
           </p:cNvSpPr>
@@ -1443,13 +1270,7 @@
       </p:sp>
       <p:sp>
         <p:nvSpPr>
-          <p:cNvPr id="7" name="Segnaposto numero diapositiva 6">
-            <a:extLst>
-              <a:ext uri="{FF2B5EF4-FFF2-40B4-BE49-F238E27FC236}">
-                <a16:creationId xmlns:a16="http://schemas.microsoft.com/office/drawing/2014/main" id="{7783FA8B-6EF1-9E4A-A416-4286AFB16353}"/>
-              </a:ext>
-            </a:extLst>
-          </p:cNvPr>
+          <p:cNvPr id="7" name="Slide Number Placeholder 6"/>
           <p:cNvSpPr>
             <a:spLocks noGrp="1"/>
           </p:cNvSpPr>
@@ -1473,7 +1294,7 @@
     </p:spTree>
     <p:extLst>
       <p:ext uri="{BB962C8B-B14F-4D97-AF65-F5344CB8AC3E}">
-        <p14:creationId xmlns:p14="http://schemas.microsoft.com/office/powerpoint/2010/main" val="2629748492"/>
+        <p14:creationId xmlns:p14="http://schemas.microsoft.com/office/powerpoint/2010/main" val="2458543113"/>
       </p:ext>
     </p:extLst>
   </p:cSld>
@@ -1502,13 +1323,7 @@
       </p:grpSpPr>
       <p:sp>
         <p:nvSpPr>
-          <p:cNvPr id="2" name="Titolo 1">
-            <a:extLst>
-              <a:ext uri="{FF2B5EF4-FFF2-40B4-BE49-F238E27FC236}">
-                <a16:creationId xmlns:a16="http://schemas.microsoft.com/office/drawing/2014/main" id="{7180904F-3CBE-CE29-943E-20A381A67F2D}"/>
-              </a:ext>
-            </a:extLst>
-          </p:cNvPr>
+          <p:cNvPr id="2" name="Title 1"/>
           <p:cNvSpPr>
             <a:spLocks noGrp="1"/>
           </p:cNvSpPr>
@@ -1518,8 +1333,8 @@
         </p:nvSpPr>
         <p:spPr>
           <a:xfrm>
-            <a:off x="839788" y="365125"/>
-            <a:ext cx="10515600" cy="1325563"/>
+            <a:off x="839788" y="532814"/>
+            <a:ext cx="10515600" cy="1934340"/>
           </a:xfrm>
         </p:spPr>
         <p:txBody>
@@ -1530,19 +1345,13 @@
               <a:rPr lang="it-IT"/>
               <a:t>Fare clic per modificare lo stile del titolo dello schema</a:t>
             </a:r>
-            <a:endParaRPr lang="en-US"/>
+            <a:endParaRPr lang="en-US" dirty="0"/>
           </a:p>
         </p:txBody>
       </p:sp>
       <p:sp>
         <p:nvSpPr>
-          <p:cNvPr id="3" name="Segnaposto testo 2">
-            <a:extLst>
-              <a:ext uri="{FF2B5EF4-FFF2-40B4-BE49-F238E27FC236}">
-                <a16:creationId xmlns:a16="http://schemas.microsoft.com/office/drawing/2014/main" id="{D90B9DC7-8138-CCD4-7729-916D6BAD3280}"/>
-              </a:ext>
-            </a:extLst>
-          </p:cNvPr>
+          <p:cNvPr id="3" name="Text Placeholder 2"/>
           <p:cNvSpPr>
             <a:spLocks noGrp="1"/>
           </p:cNvSpPr>
@@ -1552,8 +1361,8 @@
         </p:nvSpPr>
         <p:spPr>
           <a:xfrm>
-            <a:off x="839788" y="1681163"/>
-            <a:ext cx="5157787" cy="823912"/>
+            <a:off x="839789" y="2453253"/>
+            <a:ext cx="5157787" cy="1202301"/>
           </a:xfrm>
         </p:spPr>
         <p:txBody>
@@ -1561,39 +1370,39 @@
           <a:lstStyle>
             <a:lvl1pPr marL="0" indent="0">
               <a:buNone/>
+              <a:defRPr sz="3200" b="1"/>
+            </a:lvl1pPr>
+            <a:lvl2pPr marL="609585" indent="0">
+              <a:buNone/>
+              <a:defRPr sz="2667" b="1"/>
+            </a:lvl2pPr>
+            <a:lvl3pPr marL="1219170" indent="0">
+              <a:buNone/>
               <a:defRPr sz="2400" b="1"/>
-            </a:lvl1pPr>
-            <a:lvl2pPr marL="457200" indent="0">
+            </a:lvl3pPr>
+            <a:lvl4pPr marL="1828754" indent="0">
               <a:buNone/>
-              <a:defRPr sz="2000" b="1"/>
-            </a:lvl2pPr>
-            <a:lvl3pPr marL="914400" indent="0">
+              <a:defRPr sz="2133" b="1"/>
+            </a:lvl4pPr>
+            <a:lvl5pPr marL="2438339" indent="0">
               <a:buNone/>
-              <a:defRPr sz="1800" b="1"/>
-            </a:lvl3pPr>
-            <a:lvl4pPr marL="1371600" indent="0">
+              <a:defRPr sz="2133" b="1"/>
+            </a:lvl5pPr>
+            <a:lvl6pPr marL="3047924" indent="0">
               <a:buNone/>
-              <a:defRPr sz="1600" b="1"/>
-            </a:lvl4pPr>
-            <a:lvl5pPr marL="1828800" indent="0">
+              <a:defRPr sz="2133" b="1"/>
+            </a:lvl6pPr>
+            <a:lvl7pPr marL="3657509" indent="0">
               <a:buNone/>
-              <a:defRPr sz="1600" b="1"/>
-            </a:lvl5pPr>
-            <a:lvl6pPr marL="2286000" indent="0">
+              <a:defRPr sz="2133" b="1"/>
+            </a:lvl7pPr>
+            <a:lvl8pPr marL="4267093" indent="0">
               <a:buNone/>
-              <a:defRPr sz="1600" b="1"/>
-            </a:lvl6pPr>
-            <a:lvl7pPr marL="2743200" indent="0">
+              <a:defRPr sz="2133" b="1"/>
+            </a:lvl8pPr>
+            <a:lvl9pPr marL="4876678" indent="0">
               <a:buNone/>
-              <a:defRPr sz="1600" b="1"/>
-            </a:lvl7pPr>
-            <a:lvl8pPr marL="3200400" indent="0">
-              <a:buNone/>
-              <a:defRPr sz="1600" b="1"/>
-            </a:lvl8pPr>
-            <a:lvl9pPr marL="3657600" indent="0">
-              <a:buNone/>
-              <a:defRPr sz="1600" b="1"/>
+              <a:defRPr sz="2133" b="1"/>
             </a:lvl9pPr>
           </a:lstStyle>
           <a:p>
@@ -1607,13 +1416,7 @@
       </p:sp>
       <p:sp>
         <p:nvSpPr>
-          <p:cNvPr id="4" name="Segnaposto contenuto 3">
-            <a:extLst>
-              <a:ext uri="{FF2B5EF4-FFF2-40B4-BE49-F238E27FC236}">
-                <a16:creationId xmlns:a16="http://schemas.microsoft.com/office/drawing/2014/main" id="{AAFFDB0C-CF69-0765-2259-3AAE09C81805}"/>
-              </a:ext>
-            </a:extLst>
-          </p:cNvPr>
+          <p:cNvPr id="4" name="Content Placeholder 3"/>
           <p:cNvSpPr>
             <a:spLocks noGrp="1"/>
           </p:cNvSpPr>
@@ -1623,8 +1426,8 @@
         </p:nvSpPr>
         <p:spPr>
           <a:xfrm>
-            <a:off x="839788" y="2505075"/>
-            <a:ext cx="5157787" cy="3684588"/>
+            <a:off x="839789" y="3655554"/>
+            <a:ext cx="5157787" cy="5376769"/>
           </a:xfrm>
         </p:spPr>
         <p:txBody>
@@ -1664,19 +1467,13 @@
               <a:rPr lang="it-IT"/>
               <a:t>Quinto livello</a:t>
             </a:r>
-            <a:endParaRPr lang="en-US"/>
+            <a:endParaRPr lang="en-US" dirty="0"/>
           </a:p>
         </p:txBody>
       </p:sp>
       <p:sp>
         <p:nvSpPr>
-          <p:cNvPr id="5" name="Segnaposto testo 4">
-            <a:extLst>
-              <a:ext uri="{FF2B5EF4-FFF2-40B4-BE49-F238E27FC236}">
-                <a16:creationId xmlns:a16="http://schemas.microsoft.com/office/drawing/2014/main" id="{B1E21593-D46F-F391-5884-53C354752291}"/>
-              </a:ext>
-            </a:extLst>
-          </p:cNvPr>
+          <p:cNvPr id="5" name="Text Placeholder 4"/>
           <p:cNvSpPr>
             <a:spLocks noGrp="1"/>
           </p:cNvSpPr>
@@ -1686,8 +1483,8 @@
         </p:nvSpPr>
         <p:spPr>
           <a:xfrm>
-            <a:off x="6172200" y="1681163"/>
-            <a:ext cx="5183188" cy="823912"/>
+            <a:off x="6172201" y="2453253"/>
+            <a:ext cx="5183188" cy="1202301"/>
           </a:xfrm>
         </p:spPr>
         <p:txBody>
@@ -1695,39 +1492,39 @@
           <a:lstStyle>
             <a:lvl1pPr marL="0" indent="0">
               <a:buNone/>
+              <a:defRPr sz="3200" b="1"/>
+            </a:lvl1pPr>
+            <a:lvl2pPr marL="609585" indent="0">
+              <a:buNone/>
+              <a:defRPr sz="2667" b="1"/>
+            </a:lvl2pPr>
+            <a:lvl3pPr marL="1219170" indent="0">
+              <a:buNone/>
               <a:defRPr sz="2400" b="1"/>
-            </a:lvl1pPr>
-            <a:lvl2pPr marL="457200" indent="0">
+            </a:lvl3pPr>
+            <a:lvl4pPr marL="1828754" indent="0">
               <a:buNone/>
-              <a:defRPr sz="2000" b="1"/>
-            </a:lvl2pPr>
-            <a:lvl3pPr marL="914400" indent="0">
+              <a:defRPr sz="2133" b="1"/>
+            </a:lvl4pPr>
+            <a:lvl5pPr marL="2438339" indent="0">
               <a:buNone/>
-              <a:defRPr sz="1800" b="1"/>
-            </a:lvl3pPr>
-            <a:lvl4pPr marL="1371600" indent="0">
+              <a:defRPr sz="2133" b="1"/>
+            </a:lvl5pPr>
+            <a:lvl6pPr marL="3047924" indent="0">
               <a:buNone/>
-              <a:defRPr sz="1600" b="1"/>
-            </a:lvl4pPr>
-            <a:lvl5pPr marL="1828800" indent="0">
+              <a:defRPr sz="2133" b="1"/>
+            </a:lvl6pPr>
+            <a:lvl7pPr marL="3657509" indent="0">
               <a:buNone/>
-              <a:defRPr sz="1600" b="1"/>
-            </a:lvl5pPr>
-            <a:lvl6pPr marL="2286000" indent="0">
+              <a:defRPr sz="2133" b="1"/>
+            </a:lvl7pPr>
+            <a:lvl8pPr marL="4267093" indent="0">
               <a:buNone/>
-              <a:defRPr sz="1600" b="1"/>
-            </a:lvl6pPr>
-            <a:lvl7pPr marL="2743200" indent="0">
+              <a:defRPr sz="2133" b="1"/>
+            </a:lvl8pPr>
+            <a:lvl9pPr marL="4876678" indent="0">
               <a:buNone/>
-              <a:defRPr sz="1600" b="1"/>
-            </a:lvl7pPr>
-            <a:lvl8pPr marL="3200400" indent="0">
-              <a:buNone/>
-              <a:defRPr sz="1600" b="1"/>
-            </a:lvl8pPr>
-            <a:lvl9pPr marL="3657600" indent="0">
-              <a:buNone/>
-              <a:defRPr sz="1600" b="1"/>
+              <a:defRPr sz="2133" b="1"/>
             </a:lvl9pPr>
           </a:lstStyle>
           <a:p>
@@ -1741,13 +1538,7 @@
       </p:sp>
       <p:sp>
         <p:nvSpPr>
-          <p:cNvPr id="6" name="Segnaposto contenuto 5">
-            <a:extLst>
-              <a:ext uri="{FF2B5EF4-FFF2-40B4-BE49-F238E27FC236}">
-                <a16:creationId xmlns:a16="http://schemas.microsoft.com/office/drawing/2014/main" id="{E86BAFDE-C1A3-28BB-D6B3-09AF07943B33}"/>
-              </a:ext>
-            </a:extLst>
-          </p:cNvPr>
+          <p:cNvPr id="6" name="Content Placeholder 5"/>
           <p:cNvSpPr>
             <a:spLocks noGrp="1"/>
           </p:cNvSpPr>
@@ -1757,8 +1548,8 @@
         </p:nvSpPr>
         <p:spPr>
           <a:xfrm>
-            <a:off x="6172200" y="2505075"/>
-            <a:ext cx="5183188" cy="3684588"/>
+            <a:off x="6172201" y="3655554"/>
+            <a:ext cx="5183188" cy="5376769"/>
           </a:xfrm>
         </p:spPr>
         <p:txBody>
@@ -1798,19 +1589,13 @@
               <a:rPr lang="it-IT"/>
               <a:t>Quinto livello</a:t>
             </a:r>
-            <a:endParaRPr lang="en-US"/>
+            <a:endParaRPr lang="en-US" dirty="0"/>
           </a:p>
         </p:txBody>
       </p:sp>
       <p:sp>
         <p:nvSpPr>
-          <p:cNvPr id="7" name="Segnaposto data 6">
-            <a:extLst>
-              <a:ext uri="{FF2B5EF4-FFF2-40B4-BE49-F238E27FC236}">
-                <a16:creationId xmlns:a16="http://schemas.microsoft.com/office/drawing/2014/main" id="{ED2EBE13-DB73-8F1C-E833-3978DA321DD8}"/>
-              </a:ext>
-            </a:extLst>
-          </p:cNvPr>
+          <p:cNvPr id="7" name="Date Placeholder 6"/>
           <p:cNvSpPr>
             <a:spLocks noGrp="1"/>
           </p:cNvSpPr>
@@ -1825,7 +1610,7 @@
           <a:p>
             <a:fld id="{E6EF3D39-A4D6-4D22-BD54-AF83829FA753}" type="datetimeFigureOut">
               <a:rPr lang="en-US" smtClean="0"/>
-              <a:t>10/23/2024</a:t>
+              <a:t>11/24/2024</a:t>
             </a:fld>
             <a:endParaRPr lang="en-US"/>
           </a:p>
@@ -1833,13 +1618,7 @@
       </p:sp>
       <p:sp>
         <p:nvSpPr>
-          <p:cNvPr id="8" name="Segnaposto piè di pagina 7">
-            <a:extLst>
-              <a:ext uri="{FF2B5EF4-FFF2-40B4-BE49-F238E27FC236}">
-                <a16:creationId xmlns:a16="http://schemas.microsoft.com/office/drawing/2014/main" id="{14E34BA8-837F-3EFD-0E8B-17316434473D}"/>
-              </a:ext>
-            </a:extLst>
-          </p:cNvPr>
+          <p:cNvPr id="8" name="Footer Placeholder 7"/>
           <p:cNvSpPr>
             <a:spLocks noGrp="1"/>
           </p:cNvSpPr>
@@ -1858,13 +1637,7 @@
       </p:sp>
       <p:sp>
         <p:nvSpPr>
-          <p:cNvPr id="9" name="Segnaposto numero diapositiva 8">
-            <a:extLst>
-              <a:ext uri="{FF2B5EF4-FFF2-40B4-BE49-F238E27FC236}">
-                <a16:creationId xmlns:a16="http://schemas.microsoft.com/office/drawing/2014/main" id="{9C3C9719-333E-53B2-F3FE-57B78A789EC5}"/>
-              </a:ext>
-            </a:extLst>
-          </p:cNvPr>
+          <p:cNvPr id="9" name="Slide Number Placeholder 8"/>
           <p:cNvSpPr>
             <a:spLocks noGrp="1"/>
           </p:cNvSpPr>
@@ -1888,7 +1661,7 @@
     </p:spTree>
     <p:extLst>
       <p:ext uri="{BB962C8B-B14F-4D97-AF65-F5344CB8AC3E}">
-        <p14:creationId xmlns:p14="http://schemas.microsoft.com/office/powerpoint/2010/main" val="413195831"/>
+        <p14:creationId xmlns:p14="http://schemas.microsoft.com/office/powerpoint/2010/main" val="3188051523"/>
       </p:ext>
     </p:extLst>
   </p:cSld>
@@ -1917,13 +1690,7 @@
       </p:grpSpPr>
       <p:sp>
         <p:nvSpPr>
-          <p:cNvPr id="2" name="Titolo 1">
-            <a:extLst>
-              <a:ext uri="{FF2B5EF4-FFF2-40B4-BE49-F238E27FC236}">
-                <a16:creationId xmlns:a16="http://schemas.microsoft.com/office/drawing/2014/main" id="{E6392D44-31F7-2F0F-D77E-F59711F06AA7}"/>
-              </a:ext>
-            </a:extLst>
-          </p:cNvPr>
+          <p:cNvPr id="2" name="Title 1"/>
           <p:cNvSpPr>
             <a:spLocks noGrp="1"/>
           </p:cNvSpPr>
@@ -1940,19 +1707,13 @@
               <a:rPr lang="it-IT"/>
               <a:t>Fare clic per modificare lo stile del titolo dello schema</a:t>
             </a:r>
-            <a:endParaRPr lang="en-US"/>
+            <a:endParaRPr lang="en-US" dirty="0"/>
           </a:p>
         </p:txBody>
       </p:sp>
       <p:sp>
         <p:nvSpPr>
-          <p:cNvPr id="3" name="Segnaposto data 2">
-            <a:extLst>
-              <a:ext uri="{FF2B5EF4-FFF2-40B4-BE49-F238E27FC236}">
-                <a16:creationId xmlns:a16="http://schemas.microsoft.com/office/drawing/2014/main" id="{209C47C6-FE7F-7CCD-8E25-465DBFC412B0}"/>
-              </a:ext>
-            </a:extLst>
-          </p:cNvPr>
+          <p:cNvPr id="3" name="Date Placeholder 2"/>
           <p:cNvSpPr>
             <a:spLocks noGrp="1"/>
           </p:cNvSpPr>
@@ -1967,7 +1728,7 @@
           <a:p>
             <a:fld id="{E6EF3D39-A4D6-4D22-BD54-AF83829FA753}" type="datetimeFigureOut">
               <a:rPr lang="en-US" smtClean="0"/>
-              <a:t>10/23/2024</a:t>
+              <a:t>11/24/2024</a:t>
             </a:fld>
             <a:endParaRPr lang="en-US"/>
           </a:p>
@@ -1975,13 +1736,7 @@
       </p:sp>
       <p:sp>
         <p:nvSpPr>
-          <p:cNvPr id="4" name="Segnaposto piè di pagina 3">
-            <a:extLst>
-              <a:ext uri="{FF2B5EF4-FFF2-40B4-BE49-F238E27FC236}">
-                <a16:creationId xmlns:a16="http://schemas.microsoft.com/office/drawing/2014/main" id="{5BBD8EE4-AE14-AE75-0927-C07D911F1116}"/>
-              </a:ext>
-            </a:extLst>
-          </p:cNvPr>
+          <p:cNvPr id="4" name="Footer Placeholder 3"/>
           <p:cNvSpPr>
             <a:spLocks noGrp="1"/>
           </p:cNvSpPr>
@@ -2000,13 +1755,7 @@
       </p:sp>
       <p:sp>
         <p:nvSpPr>
-          <p:cNvPr id="5" name="Segnaposto numero diapositiva 4">
-            <a:extLst>
-              <a:ext uri="{FF2B5EF4-FFF2-40B4-BE49-F238E27FC236}">
-                <a16:creationId xmlns:a16="http://schemas.microsoft.com/office/drawing/2014/main" id="{E82CC02C-D26B-3A81-03B2-9CA11477336B}"/>
-              </a:ext>
-            </a:extLst>
-          </p:cNvPr>
+          <p:cNvPr id="5" name="Slide Number Placeholder 4"/>
           <p:cNvSpPr>
             <a:spLocks noGrp="1"/>
           </p:cNvSpPr>
@@ -2030,7 +1779,7 @@
     </p:spTree>
     <p:extLst>
       <p:ext uri="{BB962C8B-B14F-4D97-AF65-F5344CB8AC3E}">
-        <p14:creationId xmlns:p14="http://schemas.microsoft.com/office/powerpoint/2010/main" val="651977152"/>
+        <p14:creationId xmlns:p14="http://schemas.microsoft.com/office/powerpoint/2010/main" val="1918245648"/>
       </p:ext>
     </p:extLst>
   </p:cSld>
@@ -2059,13 +1808,7 @@
       </p:grpSpPr>
       <p:sp>
         <p:nvSpPr>
-          <p:cNvPr id="2" name="Segnaposto data 1">
-            <a:extLst>
-              <a:ext uri="{FF2B5EF4-FFF2-40B4-BE49-F238E27FC236}">
-                <a16:creationId xmlns:a16="http://schemas.microsoft.com/office/drawing/2014/main" id="{98ECC1C7-B06F-0A53-AE41-F4058ADD1565}"/>
-              </a:ext>
-            </a:extLst>
-          </p:cNvPr>
+          <p:cNvPr id="2" name="Date Placeholder 1"/>
           <p:cNvSpPr>
             <a:spLocks noGrp="1"/>
           </p:cNvSpPr>
@@ -2080,7 +1823,7 @@
           <a:p>
             <a:fld id="{E6EF3D39-A4D6-4D22-BD54-AF83829FA753}" type="datetimeFigureOut">
               <a:rPr lang="en-US" smtClean="0"/>
-              <a:t>10/23/2024</a:t>
+              <a:t>11/24/2024</a:t>
             </a:fld>
             <a:endParaRPr lang="en-US"/>
           </a:p>
@@ -2088,13 +1831,7 @@
       </p:sp>
       <p:sp>
         <p:nvSpPr>
-          <p:cNvPr id="3" name="Segnaposto piè di pagina 2">
-            <a:extLst>
-              <a:ext uri="{FF2B5EF4-FFF2-40B4-BE49-F238E27FC236}">
-                <a16:creationId xmlns:a16="http://schemas.microsoft.com/office/drawing/2014/main" id="{400E8F03-2D1C-6AD3-9925-341788267D75}"/>
-              </a:ext>
-            </a:extLst>
-          </p:cNvPr>
+          <p:cNvPr id="3" name="Footer Placeholder 2"/>
           <p:cNvSpPr>
             <a:spLocks noGrp="1"/>
           </p:cNvSpPr>
@@ -2113,13 +1850,7 @@
       </p:sp>
       <p:sp>
         <p:nvSpPr>
-          <p:cNvPr id="4" name="Segnaposto numero diapositiva 3">
-            <a:extLst>
-              <a:ext uri="{FF2B5EF4-FFF2-40B4-BE49-F238E27FC236}">
-                <a16:creationId xmlns:a16="http://schemas.microsoft.com/office/drawing/2014/main" id="{4DF27002-F6E9-328B-D21D-1CC8E35E812E}"/>
-              </a:ext>
-            </a:extLst>
-          </p:cNvPr>
+          <p:cNvPr id="4" name="Slide Number Placeholder 3"/>
           <p:cNvSpPr>
             <a:spLocks noGrp="1"/>
           </p:cNvSpPr>
@@ -2143,7 +1874,7 @@
     </p:spTree>
     <p:extLst>
       <p:ext uri="{BB962C8B-B14F-4D97-AF65-F5344CB8AC3E}">
-        <p14:creationId xmlns:p14="http://schemas.microsoft.com/office/powerpoint/2010/main" val="3151020644"/>
+        <p14:creationId xmlns:p14="http://schemas.microsoft.com/office/powerpoint/2010/main" val="1318294641"/>
       </p:ext>
     </p:extLst>
   </p:cSld>
@@ -2172,13 +1903,7 @@
       </p:grpSpPr>
       <p:sp>
         <p:nvSpPr>
-          <p:cNvPr id="2" name="Titolo 1">
-            <a:extLst>
-              <a:ext uri="{FF2B5EF4-FFF2-40B4-BE49-F238E27FC236}">
-                <a16:creationId xmlns:a16="http://schemas.microsoft.com/office/drawing/2014/main" id="{5F065D01-CF28-2F38-1AAB-68E444837CFB}"/>
-              </a:ext>
-            </a:extLst>
-          </p:cNvPr>
+          <p:cNvPr id="2" name="Title 1"/>
           <p:cNvSpPr>
             <a:spLocks noGrp="1"/>
           </p:cNvSpPr>
@@ -2188,15 +1913,15 @@
         </p:nvSpPr>
         <p:spPr>
           <a:xfrm>
-            <a:off x="839788" y="457200"/>
-            <a:ext cx="3932237" cy="1600200"/>
+            <a:off x="839788" y="667173"/>
+            <a:ext cx="3932237" cy="2335107"/>
           </a:xfrm>
         </p:spPr>
         <p:txBody>
           <a:bodyPr anchor="b"/>
           <a:lstStyle>
             <a:lvl1pPr>
-              <a:defRPr sz="3200"/>
+              <a:defRPr sz="4267"/>
             </a:lvl1pPr>
           </a:lstStyle>
           <a:p>
@@ -2204,19 +1929,13 @@
               <a:rPr lang="it-IT"/>
               <a:t>Fare clic per modificare lo stile del titolo dello schema</a:t>
             </a:r>
-            <a:endParaRPr lang="en-US"/>
+            <a:endParaRPr lang="en-US" dirty="0"/>
           </a:p>
         </p:txBody>
       </p:sp>
       <p:sp>
         <p:nvSpPr>
-          <p:cNvPr id="3" name="Segnaposto contenuto 2">
-            <a:extLst>
-              <a:ext uri="{FF2B5EF4-FFF2-40B4-BE49-F238E27FC236}">
-                <a16:creationId xmlns:a16="http://schemas.microsoft.com/office/drawing/2014/main" id="{A3C5A628-CF3E-C46C-E5F6-3C515AB8662F}"/>
-              </a:ext>
-            </a:extLst>
-          </p:cNvPr>
+          <p:cNvPr id="3" name="Content Placeholder 2"/>
           <p:cNvSpPr>
             <a:spLocks noGrp="1"/>
           </p:cNvSpPr>
@@ -2226,39 +1945,39 @@
         </p:nvSpPr>
         <p:spPr>
           <a:xfrm>
-            <a:off x="5183188" y="987425"/>
-            <a:ext cx="6172200" cy="4873625"/>
+            <a:off x="5183188" y="1440911"/>
+            <a:ext cx="6172200" cy="7111882"/>
           </a:xfrm>
         </p:spPr>
         <p:txBody>
           <a:bodyPr/>
           <a:lstStyle>
             <a:lvl1pPr>
-              <a:defRPr sz="3200"/>
+              <a:defRPr sz="4267"/>
             </a:lvl1pPr>
             <a:lvl2pPr>
-              <a:defRPr sz="2800"/>
+              <a:defRPr sz="3733"/>
             </a:lvl2pPr>
             <a:lvl3pPr>
-              <a:defRPr sz="2400"/>
+              <a:defRPr sz="3200"/>
             </a:lvl3pPr>
             <a:lvl4pPr>
-              <a:defRPr sz="2000"/>
+              <a:defRPr sz="2667"/>
             </a:lvl4pPr>
             <a:lvl5pPr>
-              <a:defRPr sz="2000"/>
+              <a:defRPr sz="2667"/>
             </a:lvl5pPr>
             <a:lvl6pPr>
-              <a:defRPr sz="2000"/>
+              <a:defRPr sz="2667"/>
             </a:lvl6pPr>
             <a:lvl7pPr>
-              <a:defRPr sz="2000"/>
+              <a:defRPr sz="2667"/>
             </a:lvl7pPr>
             <a:lvl8pPr>
-              <a:defRPr sz="2000"/>
+              <a:defRPr sz="2667"/>
             </a:lvl8pPr>
             <a:lvl9pPr>
-              <a:defRPr sz="2000"/>
+              <a:defRPr sz="2667"/>
             </a:lvl9pPr>
           </a:lstStyle>
           <a:p>
@@ -2295,19 +2014,13 @@
               <a:rPr lang="it-IT"/>
               <a:t>Quinto livello</a:t>
             </a:r>
-            <a:endParaRPr lang="en-US"/>
+            <a:endParaRPr lang="en-US" dirty="0"/>
           </a:p>
         </p:txBody>
       </p:sp>
       <p:sp>
         <p:nvSpPr>
-          <p:cNvPr id="4" name="Segnaposto testo 3">
-            <a:extLst>
-              <a:ext uri="{FF2B5EF4-FFF2-40B4-BE49-F238E27FC236}">
-                <a16:creationId xmlns:a16="http://schemas.microsoft.com/office/drawing/2014/main" id="{1AEB9671-94E9-39E9-5929-70F7020E4DE5}"/>
-              </a:ext>
-            </a:extLst>
-          </p:cNvPr>
+          <p:cNvPr id="4" name="Text Placeholder 3"/>
           <p:cNvSpPr>
             <a:spLocks noGrp="1"/>
           </p:cNvSpPr>
@@ -2317,8 +2030,8 @@
         </p:nvSpPr>
         <p:spPr>
           <a:xfrm>
-            <a:off x="839788" y="2057400"/>
-            <a:ext cx="3932237" cy="3811588"/>
+            <a:off x="839788" y="3002280"/>
+            <a:ext cx="3932237" cy="5562095"/>
           </a:xfrm>
         </p:spPr>
         <p:txBody>
@@ -2326,39 +2039,39 @@
           <a:lstStyle>
             <a:lvl1pPr marL="0" indent="0">
               <a:buNone/>
+              <a:defRPr sz="2133"/>
+            </a:lvl1pPr>
+            <a:lvl2pPr marL="609585" indent="0">
+              <a:buNone/>
+              <a:defRPr sz="1867"/>
+            </a:lvl2pPr>
+            <a:lvl3pPr marL="1219170" indent="0">
+              <a:buNone/>
               <a:defRPr sz="1600"/>
-            </a:lvl1pPr>
-            <a:lvl2pPr marL="457200" indent="0">
+            </a:lvl3pPr>
+            <a:lvl4pPr marL="1828754" indent="0">
               <a:buNone/>
-              <a:defRPr sz="1400"/>
-            </a:lvl2pPr>
-            <a:lvl3pPr marL="914400" indent="0">
+              <a:defRPr sz="1333"/>
+            </a:lvl4pPr>
+            <a:lvl5pPr marL="2438339" indent="0">
               <a:buNone/>
-              <a:defRPr sz="1200"/>
-            </a:lvl3pPr>
-            <a:lvl4pPr marL="1371600" indent="0">
+              <a:defRPr sz="1333"/>
+            </a:lvl5pPr>
+            <a:lvl6pPr marL="3047924" indent="0">
               <a:buNone/>
-              <a:defRPr sz="1000"/>
-            </a:lvl4pPr>
-            <a:lvl5pPr marL="1828800" indent="0">
+              <a:defRPr sz="1333"/>
+            </a:lvl6pPr>
+            <a:lvl7pPr marL="3657509" indent="0">
               <a:buNone/>
-              <a:defRPr sz="1000"/>
-            </a:lvl5pPr>
-            <a:lvl6pPr marL="2286000" indent="0">
+              <a:defRPr sz="1333"/>
+            </a:lvl7pPr>
+            <a:lvl8pPr marL="4267093" indent="0">
               <a:buNone/>
-              <a:defRPr sz="1000"/>
-            </a:lvl6pPr>
-            <a:lvl7pPr marL="2743200" indent="0">
+              <a:defRPr sz="1333"/>
+            </a:lvl8pPr>
+            <a:lvl9pPr marL="4876678" indent="0">
               <a:buNone/>
-              <a:defRPr sz="1000"/>
-            </a:lvl7pPr>
-            <a:lvl8pPr marL="3200400" indent="0">
-              <a:buNone/>
-              <a:defRPr sz="1000"/>
-            </a:lvl8pPr>
-            <a:lvl9pPr marL="3657600" indent="0">
-              <a:buNone/>
-              <a:defRPr sz="1000"/>
+              <a:defRPr sz="1333"/>
             </a:lvl9pPr>
           </a:lstStyle>
           <a:p>
@@ -2372,13 +2085,7 @@
       </p:sp>
       <p:sp>
         <p:nvSpPr>
-          <p:cNvPr id="5" name="Segnaposto data 4">
-            <a:extLst>
-              <a:ext uri="{FF2B5EF4-FFF2-40B4-BE49-F238E27FC236}">
-                <a16:creationId xmlns:a16="http://schemas.microsoft.com/office/drawing/2014/main" id="{03529148-874D-3016-01F6-AB08C60A3894}"/>
-              </a:ext>
-            </a:extLst>
-          </p:cNvPr>
+          <p:cNvPr id="5" name="Date Placeholder 4"/>
           <p:cNvSpPr>
             <a:spLocks noGrp="1"/>
           </p:cNvSpPr>
@@ -2393,7 +2100,7 @@
           <a:p>
             <a:fld id="{E6EF3D39-A4D6-4D22-BD54-AF83829FA753}" type="datetimeFigureOut">
               <a:rPr lang="en-US" smtClean="0"/>
-              <a:t>10/23/2024</a:t>
+              <a:t>11/24/2024</a:t>
             </a:fld>
             <a:endParaRPr lang="en-US"/>
           </a:p>
@@ -2401,13 +2108,7 @@
       </p:sp>
       <p:sp>
         <p:nvSpPr>
-          <p:cNvPr id="6" name="Segnaposto piè di pagina 5">
-            <a:extLst>
-              <a:ext uri="{FF2B5EF4-FFF2-40B4-BE49-F238E27FC236}">
-                <a16:creationId xmlns:a16="http://schemas.microsoft.com/office/drawing/2014/main" id="{2C67E338-EC64-FB13-7BAA-3EADACBB74B6}"/>
-              </a:ext>
-            </a:extLst>
-          </p:cNvPr>
+          <p:cNvPr id="6" name="Footer Placeholder 5"/>
           <p:cNvSpPr>
             <a:spLocks noGrp="1"/>
           </p:cNvSpPr>
@@ -2426,13 +2127,7 @@
       </p:sp>
       <p:sp>
         <p:nvSpPr>
-          <p:cNvPr id="7" name="Segnaposto numero diapositiva 6">
-            <a:extLst>
-              <a:ext uri="{FF2B5EF4-FFF2-40B4-BE49-F238E27FC236}">
-                <a16:creationId xmlns:a16="http://schemas.microsoft.com/office/drawing/2014/main" id="{2EA6AC09-4BE1-E859-EAC1-EDD921D487D0}"/>
-              </a:ext>
-            </a:extLst>
-          </p:cNvPr>
+          <p:cNvPr id="7" name="Slide Number Placeholder 6"/>
           <p:cNvSpPr>
             <a:spLocks noGrp="1"/>
           </p:cNvSpPr>
@@ -2456,7 +2151,7 @@
     </p:spTree>
     <p:extLst>
       <p:ext uri="{BB962C8B-B14F-4D97-AF65-F5344CB8AC3E}">
-        <p14:creationId xmlns:p14="http://schemas.microsoft.com/office/powerpoint/2010/main" val="2917513665"/>
+        <p14:creationId xmlns:p14="http://schemas.microsoft.com/office/powerpoint/2010/main" val="3231822886"/>
       </p:ext>
     </p:extLst>
   </p:cSld>
@@ -2485,13 +2180,7 @@
       </p:grpSpPr>
       <p:sp>
         <p:nvSpPr>
-          <p:cNvPr id="2" name="Titolo 1">
-            <a:extLst>
-              <a:ext uri="{FF2B5EF4-FFF2-40B4-BE49-F238E27FC236}">
-                <a16:creationId xmlns:a16="http://schemas.microsoft.com/office/drawing/2014/main" id="{20101A28-AE91-FABE-0D85-F803B1365F82}"/>
-              </a:ext>
-            </a:extLst>
-          </p:cNvPr>
+          <p:cNvPr id="2" name="Title 1"/>
           <p:cNvSpPr>
             <a:spLocks noGrp="1"/>
           </p:cNvSpPr>
@@ -2501,15 +2190,15 @@
         </p:nvSpPr>
         <p:spPr>
           <a:xfrm>
-            <a:off x="839788" y="457200"/>
-            <a:ext cx="3932237" cy="1600200"/>
+            <a:off x="839788" y="667173"/>
+            <a:ext cx="3932237" cy="2335107"/>
           </a:xfrm>
         </p:spPr>
         <p:txBody>
           <a:bodyPr anchor="b"/>
           <a:lstStyle>
             <a:lvl1pPr>
-              <a:defRPr sz="3200"/>
+              <a:defRPr sz="4267"/>
             </a:lvl1pPr>
           </a:lstStyle>
           <a:p>
@@ -2517,21 +2206,15 @@
               <a:rPr lang="it-IT"/>
               <a:t>Fare clic per modificare lo stile del titolo dello schema</a:t>
             </a:r>
-            <a:endParaRPr lang="en-US"/>
+            <a:endParaRPr lang="en-US" dirty="0"/>
           </a:p>
         </p:txBody>
       </p:sp>
       <p:sp>
         <p:nvSpPr>
-          <p:cNvPr id="3" name="Segnaposto immagine 2">
-            <a:extLst>
-              <a:ext uri="{FF2B5EF4-FFF2-40B4-BE49-F238E27FC236}">
-                <a16:creationId xmlns:a16="http://schemas.microsoft.com/office/drawing/2014/main" id="{C71A027F-D9EC-A64A-0354-011BB15E2AF8}"/>
-              </a:ext>
-            </a:extLst>
-          </p:cNvPr>
+          <p:cNvPr id="3" name="Picture Placeholder 2"/>
           <p:cNvSpPr>
-            <a:spLocks noGrp="1"/>
+            <a:spLocks noGrp="1" noChangeAspect="1"/>
           </p:cNvSpPr>
           <p:nvPr>
             <p:ph type="pic" idx="1"/>
@@ -2539,64 +2222,62 @@
         </p:nvSpPr>
         <p:spPr>
           <a:xfrm>
-            <a:off x="5183188" y="987425"/>
-            <a:ext cx="6172200" cy="4873625"/>
+            <a:off x="5183188" y="1440911"/>
+            <a:ext cx="6172200" cy="7111882"/>
           </a:xfrm>
         </p:spPr>
         <p:txBody>
-          <a:bodyPr/>
+          <a:bodyPr anchor="t"/>
           <a:lstStyle>
             <a:lvl1pPr marL="0" indent="0">
               <a:buNone/>
+              <a:defRPr sz="4267"/>
+            </a:lvl1pPr>
+            <a:lvl2pPr marL="609585" indent="0">
+              <a:buNone/>
+              <a:defRPr sz="3733"/>
+            </a:lvl2pPr>
+            <a:lvl3pPr marL="1219170" indent="0">
+              <a:buNone/>
               <a:defRPr sz="3200"/>
-            </a:lvl1pPr>
-            <a:lvl2pPr marL="457200" indent="0">
+            </a:lvl3pPr>
+            <a:lvl4pPr marL="1828754" indent="0">
               <a:buNone/>
-              <a:defRPr sz="2800"/>
-            </a:lvl2pPr>
-            <a:lvl3pPr marL="914400" indent="0">
+              <a:defRPr sz="2667"/>
+            </a:lvl4pPr>
+            <a:lvl5pPr marL="2438339" indent="0">
               <a:buNone/>
-              <a:defRPr sz="2400"/>
-            </a:lvl3pPr>
-            <a:lvl4pPr marL="1371600" indent="0">
+              <a:defRPr sz="2667"/>
+            </a:lvl5pPr>
+            <a:lvl6pPr marL="3047924" indent="0">
               <a:buNone/>
-              <a:defRPr sz="2000"/>
-            </a:lvl4pPr>
-            <a:lvl5pPr marL="1828800" indent="0">
+              <a:defRPr sz="2667"/>
+            </a:lvl6pPr>
+            <a:lvl7pPr marL="3657509" indent="0">
               <a:buNone/>
-              <a:defRPr sz="2000"/>
-            </a:lvl5pPr>
-            <a:lvl6pPr marL="2286000" indent="0">
+              <a:defRPr sz="2667"/>
+            </a:lvl7pPr>
+            <a:lvl8pPr marL="4267093" indent="0">
               <a:buNone/>
-              <a:defRPr sz="2000"/>
-            </a:lvl6pPr>
-            <a:lvl7pPr marL="2743200" indent="0">
+              <a:defRPr sz="2667"/>
+            </a:lvl8pPr>
+            <a:lvl9pPr marL="4876678" indent="0">
               <a:buNone/>
-              <a:defRPr sz="2000"/>
-            </a:lvl7pPr>
-            <a:lvl8pPr marL="3200400" indent="0">
-              <a:buNone/>
-              <a:defRPr sz="2000"/>
-            </a:lvl8pPr>
-            <a:lvl9pPr marL="3657600" indent="0">
-              <a:buNone/>
-              <a:defRPr sz="2000"/>
+              <a:defRPr sz="2667"/>
             </a:lvl9pPr>
           </a:lstStyle>
           <a:p>
-            <a:endParaRPr lang="en-US"/>
+            <a:r>
+              <a:rPr lang="it-IT"/>
+              <a:t>Fare clic sull'icona per inserire un'immagine</a:t>
+            </a:r>
+            <a:endParaRPr lang="en-US" dirty="0"/>
           </a:p>
         </p:txBody>
       </p:sp>
       <p:sp>
         <p:nvSpPr>
-          <p:cNvPr id="4" name="Segnaposto testo 3">
-            <a:extLst>
-              <a:ext uri="{FF2B5EF4-FFF2-40B4-BE49-F238E27FC236}">
-                <a16:creationId xmlns:a16="http://schemas.microsoft.com/office/drawing/2014/main" id="{F6C3104F-4C67-422F-A218-4CED851D41FC}"/>
-              </a:ext>
-            </a:extLst>
-          </p:cNvPr>
+          <p:cNvPr id="4" name="Text Placeholder 3"/>
           <p:cNvSpPr>
             <a:spLocks noGrp="1"/>
           </p:cNvSpPr>
@@ -2606,8 +2287,8 @@
         </p:nvSpPr>
         <p:spPr>
           <a:xfrm>
-            <a:off x="839788" y="2057400"/>
-            <a:ext cx="3932237" cy="3811588"/>
+            <a:off x="839788" y="3002280"/>
+            <a:ext cx="3932237" cy="5562095"/>
           </a:xfrm>
         </p:spPr>
         <p:txBody>
@@ -2615,39 +2296,39 @@
           <a:lstStyle>
             <a:lvl1pPr marL="0" indent="0">
               <a:buNone/>
+              <a:defRPr sz="2133"/>
+            </a:lvl1pPr>
+            <a:lvl2pPr marL="609585" indent="0">
+              <a:buNone/>
+              <a:defRPr sz="1867"/>
+            </a:lvl2pPr>
+            <a:lvl3pPr marL="1219170" indent="0">
+              <a:buNone/>
               <a:defRPr sz="1600"/>
-            </a:lvl1pPr>
-            <a:lvl2pPr marL="457200" indent="0">
+            </a:lvl3pPr>
+            <a:lvl4pPr marL="1828754" indent="0">
               <a:buNone/>
-              <a:defRPr sz="1400"/>
-            </a:lvl2pPr>
-            <a:lvl3pPr marL="914400" indent="0">
+              <a:defRPr sz="1333"/>
+            </a:lvl4pPr>
+            <a:lvl5pPr marL="2438339" indent="0">
               <a:buNone/>
-              <a:defRPr sz="1200"/>
-            </a:lvl3pPr>
-            <a:lvl4pPr marL="1371600" indent="0">
+              <a:defRPr sz="1333"/>
+            </a:lvl5pPr>
+            <a:lvl6pPr marL="3047924" indent="0">
               <a:buNone/>
-              <a:defRPr sz="1000"/>
-            </a:lvl4pPr>
-            <a:lvl5pPr marL="1828800" indent="0">
+              <a:defRPr sz="1333"/>
+            </a:lvl6pPr>
+            <a:lvl7pPr marL="3657509" indent="0">
               <a:buNone/>
-              <a:defRPr sz="1000"/>
-            </a:lvl5pPr>
-            <a:lvl6pPr marL="2286000" indent="0">
+              <a:defRPr sz="1333"/>
+            </a:lvl7pPr>
+            <a:lvl8pPr marL="4267093" indent="0">
               <a:buNone/>
-              <a:defRPr sz="1000"/>
-            </a:lvl6pPr>
-            <a:lvl7pPr marL="2743200" indent="0">
+              <a:defRPr sz="1333"/>
+            </a:lvl8pPr>
+            <a:lvl9pPr marL="4876678" indent="0">
               <a:buNone/>
-              <a:defRPr sz="1000"/>
-            </a:lvl7pPr>
-            <a:lvl8pPr marL="3200400" indent="0">
-              <a:buNone/>
-              <a:defRPr sz="1000"/>
-            </a:lvl8pPr>
-            <a:lvl9pPr marL="3657600" indent="0">
-              <a:buNone/>
-              <a:defRPr sz="1000"/>
+              <a:defRPr sz="1333"/>
             </a:lvl9pPr>
           </a:lstStyle>
           <a:p>
@@ -2661,13 +2342,7 @@
       </p:sp>
       <p:sp>
         <p:nvSpPr>
-          <p:cNvPr id="5" name="Segnaposto data 4">
-            <a:extLst>
-              <a:ext uri="{FF2B5EF4-FFF2-40B4-BE49-F238E27FC236}">
-                <a16:creationId xmlns:a16="http://schemas.microsoft.com/office/drawing/2014/main" id="{A7BC7322-9A5D-50A5-6B5F-ED5D35C0EF18}"/>
-              </a:ext>
-            </a:extLst>
-          </p:cNvPr>
+          <p:cNvPr id="5" name="Date Placeholder 4"/>
           <p:cNvSpPr>
             <a:spLocks noGrp="1"/>
           </p:cNvSpPr>
@@ -2682,7 +2357,7 @@
           <a:p>
             <a:fld id="{E6EF3D39-A4D6-4D22-BD54-AF83829FA753}" type="datetimeFigureOut">
               <a:rPr lang="en-US" smtClean="0"/>
-              <a:t>10/23/2024</a:t>
+              <a:t>11/24/2024</a:t>
             </a:fld>
             <a:endParaRPr lang="en-US"/>
           </a:p>
@@ -2690,13 +2365,7 @@
       </p:sp>
       <p:sp>
         <p:nvSpPr>
-          <p:cNvPr id="6" name="Segnaposto piè di pagina 5">
-            <a:extLst>
-              <a:ext uri="{FF2B5EF4-FFF2-40B4-BE49-F238E27FC236}">
-                <a16:creationId xmlns:a16="http://schemas.microsoft.com/office/drawing/2014/main" id="{1F9C295F-E438-4506-C87E-5EB8DE801173}"/>
-              </a:ext>
-            </a:extLst>
-          </p:cNvPr>
+          <p:cNvPr id="6" name="Footer Placeholder 5"/>
           <p:cNvSpPr>
             <a:spLocks noGrp="1"/>
           </p:cNvSpPr>
@@ -2715,13 +2384,7 @@
       </p:sp>
       <p:sp>
         <p:nvSpPr>
-          <p:cNvPr id="7" name="Segnaposto numero diapositiva 6">
-            <a:extLst>
-              <a:ext uri="{FF2B5EF4-FFF2-40B4-BE49-F238E27FC236}">
-                <a16:creationId xmlns:a16="http://schemas.microsoft.com/office/drawing/2014/main" id="{B8C74783-D7D1-7408-B7D2-75688D2E465C}"/>
-              </a:ext>
-            </a:extLst>
-          </p:cNvPr>
+          <p:cNvPr id="7" name="Slide Number Placeholder 6"/>
           <p:cNvSpPr>
             <a:spLocks noGrp="1"/>
           </p:cNvSpPr>
@@ -2745,7 +2408,7 @@
     </p:spTree>
     <p:extLst>
       <p:ext uri="{BB962C8B-B14F-4D97-AF65-F5344CB8AC3E}">
-        <p14:creationId xmlns:p14="http://schemas.microsoft.com/office/powerpoint/2010/main" val="1477165863"/>
+        <p14:creationId xmlns:p14="http://schemas.microsoft.com/office/powerpoint/2010/main" val="3624666205"/>
       </p:ext>
     </p:extLst>
   </p:cSld>
@@ -2779,13 +2442,7 @@
       </p:grpSpPr>
       <p:sp>
         <p:nvSpPr>
-          <p:cNvPr id="2" name="Segnaposto titolo 1">
-            <a:extLst>
-              <a:ext uri="{FF2B5EF4-FFF2-40B4-BE49-F238E27FC236}">
-                <a16:creationId xmlns:a16="http://schemas.microsoft.com/office/drawing/2014/main" id="{2B124212-CFAF-29BE-7194-5A5140C2B1EC}"/>
-              </a:ext>
-            </a:extLst>
-          </p:cNvPr>
+          <p:cNvPr id="2" name="Title Placeholder 1"/>
           <p:cNvSpPr>
             <a:spLocks noGrp="1"/>
           </p:cNvSpPr>
@@ -2795,8 +2452,8 @@
         </p:nvSpPr>
         <p:spPr>
           <a:xfrm>
-            <a:off x="838200" y="365125"/>
-            <a:ext cx="10515600" cy="1325563"/>
+            <a:off x="838200" y="532814"/>
+            <a:ext cx="10515600" cy="1934340"/>
           </a:xfrm>
           <a:prstGeom prst="rect">
             <a:avLst/>
@@ -2812,19 +2469,13 @@
               <a:rPr lang="it-IT"/>
               <a:t>Fare clic per modificare lo stile del titolo dello schema</a:t>
             </a:r>
-            <a:endParaRPr lang="en-US"/>
+            <a:endParaRPr lang="en-US" dirty="0"/>
           </a:p>
         </p:txBody>
       </p:sp>
       <p:sp>
         <p:nvSpPr>
-          <p:cNvPr id="3" name="Segnaposto testo 2">
-            <a:extLst>
-              <a:ext uri="{FF2B5EF4-FFF2-40B4-BE49-F238E27FC236}">
-                <a16:creationId xmlns:a16="http://schemas.microsoft.com/office/drawing/2014/main" id="{CB436CE0-9D41-5722-BA85-2581B6C437C3}"/>
-              </a:ext>
-            </a:extLst>
-          </p:cNvPr>
+          <p:cNvPr id="3" name="Text Placeholder 2"/>
           <p:cNvSpPr>
             <a:spLocks noGrp="1"/>
           </p:cNvSpPr>
@@ -2834,8 +2485,8 @@
         </p:nvSpPr>
         <p:spPr>
           <a:xfrm>
-            <a:off x="838200" y="1825625"/>
-            <a:ext cx="10515600" cy="4351338"/>
+            <a:off x="838200" y="2664060"/>
+            <a:ext cx="10515600" cy="6349730"/>
           </a:xfrm>
           <a:prstGeom prst="rect">
             <a:avLst/>
@@ -2880,19 +2531,13 @@
               <a:rPr lang="it-IT"/>
               <a:t>Quinto livello</a:t>
             </a:r>
-            <a:endParaRPr lang="en-US"/>
+            <a:endParaRPr lang="en-US" dirty="0"/>
           </a:p>
         </p:txBody>
       </p:sp>
       <p:sp>
         <p:nvSpPr>
-          <p:cNvPr id="4" name="Segnaposto data 3">
-            <a:extLst>
-              <a:ext uri="{FF2B5EF4-FFF2-40B4-BE49-F238E27FC236}">
-                <a16:creationId xmlns:a16="http://schemas.microsoft.com/office/drawing/2014/main" id="{3148161C-1A13-8AC4-013D-EADF69C8F082}"/>
-              </a:ext>
-            </a:extLst>
-          </p:cNvPr>
+          <p:cNvPr id="4" name="Date Placeholder 3"/>
           <p:cNvSpPr>
             <a:spLocks noGrp="1"/>
           </p:cNvSpPr>
@@ -2902,8 +2547,8 @@
         </p:nvSpPr>
         <p:spPr>
           <a:xfrm>
-            <a:off x="838200" y="6356350"/>
-            <a:ext cx="2743200" cy="365125"/>
+            <a:off x="838200" y="9275565"/>
+            <a:ext cx="2743200" cy="532812"/>
           </a:xfrm>
           <a:prstGeom prst="rect">
             <a:avLst/>
@@ -2913,7 +2558,7 @@
           <a:bodyPr vert="horz" lIns="91440" tIns="45720" rIns="91440" bIns="45720" rtlCol="0" anchor="ctr"/>
           <a:lstStyle>
             <a:lvl1pPr algn="l">
-              <a:defRPr sz="1200">
+              <a:defRPr sz="1600">
                 <a:solidFill>
                   <a:schemeClr val="tx1">
                     <a:tint val="82000"/>
@@ -2925,7 +2570,7 @@
           <a:p>
             <a:fld id="{E6EF3D39-A4D6-4D22-BD54-AF83829FA753}" type="datetimeFigureOut">
               <a:rPr lang="en-US" smtClean="0"/>
-              <a:t>10/23/2024</a:t>
+              <a:t>11/24/2024</a:t>
             </a:fld>
             <a:endParaRPr lang="en-US"/>
           </a:p>
@@ -2933,13 +2578,7 @@
       </p:sp>
       <p:sp>
         <p:nvSpPr>
-          <p:cNvPr id="5" name="Segnaposto piè di pagina 4">
-            <a:extLst>
-              <a:ext uri="{FF2B5EF4-FFF2-40B4-BE49-F238E27FC236}">
-                <a16:creationId xmlns:a16="http://schemas.microsoft.com/office/drawing/2014/main" id="{3D645AD5-74B9-A103-92E4-5F99C0DFCA9E}"/>
-              </a:ext>
-            </a:extLst>
-          </p:cNvPr>
+          <p:cNvPr id="5" name="Footer Placeholder 4"/>
           <p:cNvSpPr>
             <a:spLocks noGrp="1"/>
           </p:cNvSpPr>
@@ -2949,8 +2588,8 @@
         </p:nvSpPr>
         <p:spPr>
           <a:xfrm>
-            <a:off x="4038600" y="6356350"/>
-            <a:ext cx="4114800" cy="365125"/>
+            <a:off x="4038600" y="9275565"/>
+            <a:ext cx="4114800" cy="532812"/>
           </a:xfrm>
           <a:prstGeom prst="rect">
             <a:avLst/>
@@ -2960,7 +2599,7 @@
           <a:bodyPr vert="horz" lIns="91440" tIns="45720" rIns="91440" bIns="45720" rtlCol="0" anchor="ctr"/>
           <a:lstStyle>
             <a:lvl1pPr algn="ctr">
-              <a:defRPr sz="1200">
+              <a:defRPr sz="1600">
                 <a:solidFill>
                   <a:schemeClr val="tx1">
                     <a:tint val="82000"/>
@@ -2976,13 +2615,7 @@
       </p:sp>
       <p:sp>
         <p:nvSpPr>
-          <p:cNvPr id="6" name="Segnaposto numero diapositiva 5">
-            <a:extLst>
-              <a:ext uri="{FF2B5EF4-FFF2-40B4-BE49-F238E27FC236}">
-                <a16:creationId xmlns:a16="http://schemas.microsoft.com/office/drawing/2014/main" id="{DDB6633D-A1CB-AC55-BDD1-1C19CB6DD609}"/>
-              </a:ext>
-            </a:extLst>
-          </p:cNvPr>
+          <p:cNvPr id="6" name="Slide Number Placeholder 5"/>
           <p:cNvSpPr>
             <a:spLocks noGrp="1"/>
           </p:cNvSpPr>
@@ -2992,8 +2625,8 @@
         </p:nvSpPr>
         <p:spPr>
           <a:xfrm>
-            <a:off x="8610600" y="6356350"/>
-            <a:ext cx="2743200" cy="365125"/>
+            <a:off x="8610600" y="9275565"/>
+            <a:ext cx="2743200" cy="532812"/>
           </a:xfrm>
           <a:prstGeom prst="rect">
             <a:avLst/>
@@ -3003,7 +2636,7 @@
           <a:bodyPr vert="horz" lIns="91440" tIns="45720" rIns="91440" bIns="45720" rtlCol="0" anchor="ctr"/>
           <a:lstStyle>
             <a:lvl1pPr algn="r">
-              <a:defRPr sz="1200">
+              <a:defRPr sz="1600">
                 <a:solidFill>
                   <a:schemeClr val="tx1">
                     <a:tint val="82000"/>
@@ -3024,27 +2657,27 @@
     </p:spTree>
     <p:extLst>
       <p:ext uri="{BB962C8B-B14F-4D97-AF65-F5344CB8AC3E}">
-        <p14:creationId xmlns:p14="http://schemas.microsoft.com/office/powerpoint/2010/main" val="2142512457"/>
+        <p14:creationId xmlns:p14="http://schemas.microsoft.com/office/powerpoint/2010/main" val="938429170"/>
       </p:ext>
     </p:extLst>
   </p:cSld>
   <p:clrMap bg1="lt1" tx1="dk1" bg2="lt2" tx2="dk2" accent1="accent1" accent2="accent2" accent3="accent3" accent4="accent4" accent5="accent5" accent6="accent6" hlink="hlink" folHlink="folHlink"/>
   <p:sldLayoutIdLst>
-    <p:sldLayoutId id="2147483649" r:id="rId1"/>
-    <p:sldLayoutId id="2147483650" r:id="rId2"/>
-    <p:sldLayoutId id="2147483651" r:id="rId3"/>
-    <p:sldLayoutId id="2147483652" r:id="rId4"/>
-    <p:sldLayoutId id="2147483653" r:id="rId5"/>
-    <p:sldLayoutId id="2147483654" r:id="rId6"/>
-    <p:sldLayoutId id="2147483655" r:id="rId7"/>
-    <p:sldLayoutId id="2147483656" r:id="rId8"/>
-    <p:sldLayoutId id="2147483657" r:id="rId9"/>
-    <p:sldLayoutId id="2147483658" r:id="rId10"/>
-    <p:sldLayoutId id="2147483659" r:id="rId11"/>
+    <p:sldLayoutId id="2147483661" r:id="rId1"/>
+    <p:sldLayoutId id="2147483662" r:id="rId2"/>
+    <p:sldLayoutId id="2147483663" r:id="rId3"/>
+    <p:sldLayoutId id="2147483664" r:id="rId4"/>
+    <p:sldLayoutId id="2147483665" r:id="rId5"/>
+    <p:sldLayoutId id="2147483666" r:id="rId6"/>
+    <p:sldLayoutId id="2147483667" r:id="rId7"/>
+    <p:sldLayoutId id="2147483668" r:id="rId8"/>
+    <p:sldLayoutId id="2147483669" r:id="rId9"/>
+    <p:sldLayoutId id="2147483670" r:id="rId10"/>
+    <p:sldLayoutId id="2147483671" r:id="rId11"/>
   </p:sldLayoutIdLst>
   <p:txStyles>
     <p:titleStyle>
-      <a:lvl1pPr algn="l" defTabSz="914400" rtl="0" eaLnBrk="1" latinLnBrk="0" hangingPunct="1">
+      <a:lvl1pPr algn="l" defTabSz="1219170" rtl="0" eaLnBrk="1" latinLnBrk="0" hangingPunct="1">
         <a:lnSpc>
           <a:spcPct val="90000"/>
         </a:lnSpc>
@@ -3052,7 +2685,7 @@
           <a:spcPct val="0"/>
         </a:spcBef>
         <a:buNone/>
-        <a:defRPr sz="4400" kern="1200">
+        <a:defRPr sz="5867" kern="1200">
           <a:solidFill>
             <a:schemeClr val="tx1"/>
           </a:solidFill>
@@ -3063,16 +2696,16 @@
       </a:lvl1pPr>
     </p:titleStyle>
     <p:bodyStyle>
-      <a:lvl1pPr marL="228600" indent="-228600" algn="l" defTabSz="914400" rtl="0" eaLnBrk="1" latinLnBrk="0" hangingPunct="1">
+      <a:lvl1pPr marL="304792" indent="-304792" algn="l" defTabSz="1219170" rtl="0" eaLnBrk="1" latinLnBrk="0" hangingPunct="1">
         <a:lnSpc>
           <a:spcPct val="90000"/>
         </a:lnSpc>
         <a:spcBef>
-          <a:spcPts val="1000"/>
+          <a:spcPts val="1333"/>
         </a:spcBef>
         <a:buFont typeface="Arial" panose="020B0604020202020204" pitchFamily="34" charset="0"/>
         <a:buChar char="•"/>
-        <a:defRPr sz="2800" kern="1200">
+        <a:defRPr sz="3733" kern="1200">
           <a:solidFill>
             <a:schemeClr val="tx1"/>
           </a:solidFill>
@@ -3081,12 +2714,48 @@
           <a:cs typeface="+mn-cs"/>
         </a:defRPr>
       </a:lvl1pPr>
-      <a:lvl2pPr marL="685800" indent="-228600" algn="l" defTabSz="914400" rtl="0" eaLnBrk="1" latinLnBrk="0" hangingPunct="1">
+      <a:lvl2pPr marL="914377" indent="-304792" algn="l" defTabSz="1219170" rtl="0" eaLnBrk="1" latinLnBrk="0" hangingPunct="1">
         <a:lnSpc>
           <a:spcPct val="90000"/>
         </a:lnSpc>
         <a:spcBef>
-          <a:spcPts val="500"/>
+          <a:spcPts val="667"/>
+        </a:spcBef>
+        <a:buFont typeface="Arial" panose="020B0604020202020204" pitchFamily="34" charset="0"/>
+        <a:buChar char="•"/>
+        <a:defRPr sz="3200" kern="1200">
+          <a:solidFill>
+            <a:schemeClr val="tx1"/>
+          </a:solidFill>
+          <a:latin typeface="+mn-lt"/>
+          <a:ea typeface="+mn-ea"/>
+          <a:cs typeface="+mn-cs"/>
+        </a:defRPr>
+      </a:lvl2pPr>
+      <a:lvl3pPr marL="1523962" indent="-304792" algn="l" defTabSz="1219170" rtl="0" eaLnBrk="1" latinLnBrk="0" hangingPunct="1">
+        <a:lnSpc>
+          <a:spcPct val="90000"/>
+        </a:lnSpc>
+        <a:spcBef>
+          <a:spcPts val="667"/>
+        </a:spcBef>
+        <a:buFont typeface="Arial" panose="020B0604020202020204" pitchFamily="34" charset="0"/>
+        <a:buChar char="•"/>
+        <a:defRPr sz="2667" kern="1200">
+          <a:solidFill>
+            <a:schemeClr val="tx1"/>
+          </a:solidFill>
+          <a:latin typeface="+mn-lt"/>
+          <a:ea typeface="+mn-ea"/>
+          <a:cs typeface="+mn-cs"/>
+        </a:defRPr>
+      </a:lvl3pPr>
+      <a:lvl4pPr marL="2133547" indent="-304792" algn="l" defTabSz="1219170" rtl="0" eaLnBrk="1" latinLnBrk="0" hangingPunct="1">
+        <a:lnSpc>
+          <a:spcPct val="90000"/>
+        </a:lnSpc>
+        <a:spcBef>
+          <a:spcPts val="667"/>
         </a:spcBef>
         <a:buFont typeface="Arial" panose="020B0604020202020204" pitchFamily="34" charset="0"/>
         <a:buChar char="•"/>
@@ -3098,53 +2767,17 @@
           <a:ea typeface="+mn-ea"/>
           <a:cs typeface="+mn-cs"/>
         </a:defRPr>
-      </a:lvl2pPr>
-      <a:lvl3pPr marL="1143000" indent="-228600" algn="l" defTabSz="914400" rtl="0" eaLnBrk="1" latinLnBrk="0" hangingPunct="1">
+      </a:lvl4pPr>
+      <a:lvl5pPr marL="2743131" indent="-304792" algn="l" defTabSz="1219170" rtl="0" eaLnBrk="1" latinLnBrk="0" hangingPunct="1">
         <a:lnSpc>
           <a:spcPct val="90000"/>
         </a:lnSpc>
         <a:spcBef>
-          <a:spcPts val="500"/>
+          <a:spcPts val="667"/>
         </a:spcBef>
         <a:buFont typeface="Arial" panose="020B0604020202020204" pitchFamily="34" charset="0"/>
         <a:buChar char="•"/>
-        <a:defRPr sz="2000" kern="1200">
-          <a:solidFill>
-            <a:schemeClr val="tx1"/>
-          </a:solidFill>
-          <a:latin typeface="+mn-lt"/>
-          <a:ea typeface="+mn-ea"/>
-          <a:cs typeface="+mn-cs"/>
-        </a:defRPr>
-      </a:lvl3pPr>
-      <a:lvl4pPr marL="1600200" indent="-228600" algn="l" defTabSz="914400" rtl="0" eaLnBrk="1" latinLnBrk="0" hangingPunct="1">
-        <a:lnSpc>
-          <a:spcPct val="90000"/>
-        </a:lnSpc>
-        <a:spcBef>
-          <a:spcPts val="500"/>
-        </a:spcBef>
-        <a:buFont typeface="Arial" panose="020B0604020202020204" pitchFamily="34" charset="0"/>
-        <a:buChar char="•"/>
-        <a:defRPr sz="1800" kern="1200">
-          <a:solidFill>
-            <a:schemeClr val="tx1"/>
-          </a:solidFill>
-          <a:latin typeface="+mn-lt"/>
-          <a:ea typeface="+mn-ea"/>
-          <a:cs typeface="+mn-cs"/>
-        </a:defRPr>
-      </a:lvl4pPr>
-      <a:lvl5pPr marL="2057400" indent="-228600" algn="l" defTabSz="914400" rtl="0" eaLnBrk="1" latinLnBrk="0" hangingPunct="1">
-        <a:lnSpc>
-          <a:spcPct val="90000"/>
-        </a:lnSpc>
-        <a:spcBef>
-          <a:spcPts val="500"/>
-        </a:spcBef>
-        <a:buFont typeface="Arial" panose="020B0604020202020204" pitchFamily="34" charset="0"/>
-        <a:buChar char="•"/>
-        <a:defRPr sz="1800" kern="1200">
+        <a:defRPr sz="2400" kern="1200">
           <a:solidFill>
             <a:schemeClr val="tx1"/>
           </a:solidFill>
@@ -3153,16 +2786,16 @@
           <a:cs typeface="+mn-cs"/>
         </a:defRPr>
       </a:lvl5pPr>
-      <a:lvl6pPr marL="2514600" indent="-228600" algn="l" defTabSz="914400" rtl="0" eaLnBrk="1" latinLnBrk="0" hangingPunct="1">
+      <a:lvl6pPr marL="3352716" indent="-304792" algn="l" defTabSz="1219170" rtl="0" eaLnBrk="1" latinLnBrk="0" hangingPunct="1">
         <a:lnSpc>
           <a:spcPct val="90000"/>
         </a:lnSpc>
         <a:spcBef>
-          <a:spcPts val="500"/>
+          <a:spcPts val="667"/>
         </a:spcBef>
         <a:buFont typeface="Arial" panose="020B0604020202020204" pitchFamily="34" charset="0"/>
         <a:buChar char="•"/>
-        <a:defRPr sz="1800" kern="1200">
+        <a:defRPr sz="2400" kern="1200">
           <a:solidFill>
             <a:schemeClr val="tx1"/>
           </a:solidFill>
@@ -3171,16 +2804,16 @@
           <a:cs typeface="+mn-cs"/>
         </a:defRPr>
       </a:lvl6pPr>
-      <a:lvl7pPr marL="2971800" indent="-228600" algn="l" defTabSz="914400" rtl="0" eaLnBrk="1" latinLnBrk="0" hangingPunct="1">
+      <a:lvl7pPr marL="3962301" indent="-304792" algn="l" defTabSz="1219170" rtl="0" eaLnBrk="1" latinLnBrk="0" hangingPunct="1">
         <a:lnSpc>
           <a:spcPct val="90000"/>
         </a:lnSpc>
         <a:spcBef>
-          <a:spcPts val="500"/>
+          <a:spcPts val="667"/>
         </a:spcBef>
         <a:buFont typeface="Arial" panose="020B0604020202020204" pitchFamily="34" charset="0"/>
         <a:buChar char="•"/>
-        <a:defRPr sz="1800" kern="1200">
+        <a:defRPr sz="2400" kern="1200">
           <a:solidFill>
             <a:schemeClr val="tx1"/>
           </a:solidFill>
@@ -3189,16 +2822,16 @@
           <a:cs typeface="+mn-cs"/>
         </a:defRPr>
       </a:lvl7pPr>
-      <a:lvl8pPr marL="3429000" indent="-228600" algn="l" defTabSz="914400" rtl="0" eaLnBrk="1" latinLnBrk="0" hangingPunct="1">
+      <a:lvl8pPr marL="4571886" indent="-304792" algn="l" defTabSz="1219170" rtl="0" eaLnBrk="1" latinLnBrk="0" hangingPunct="1">
         <a:lnSpc>
           <a:spcPct val="90000"/>
         </a:lnSpc>
         <a:spcBef>
-          <a:spcPts val="500"/>
+          <a:spcPts val="667"/>
         </a:spcBef>
         <a:buFont typeface="Arial" panose="020B0604020202020204" pitchFamily="34" charset="0"/>
         <a:buChar char="•"/>
-        <a:defRPr sz="1800" kern="1200">
+        <a:defRPr sz="2400" kern="1200">
           <a:solidFill>
             <a:schemeClr val="tx1"/>
           </a:solidFill>
@@ -3207,16 +2840,16 @@
           <a:cs typeface="+mn-cs"/>
         </a:defRPr>
       </a:lvl8pPr>
-      <a:lvl9pPr marL="3886200" indent="-228600" algn="l" defTabSz="914400" rtl="0" eaLnBrk="1" latinLnBrk="0" hangingPunct="1">
+      <a:lvl9pPr marL="5181470" indent="-304792" algn="l" defTabSz="1219170" rtl="0" eaLnBrk="1" latinLnBrk="0" hangingPunct="1">
         <a:lnSpc>
           <a:spcPct val="90000"/>
         </a:lnSpc>
         <a:spcBef>
-          <a:spcPts val="500"/>
+          <a:spcPts val="667"/>
         </a:spcBef>
         <a:buFont typeface="Arial" panose="020B0604020202020204" pitchFamily="34" charset="0"/>
         <a:buChar char="•"/>
-        <a:defRPr sz="1800" kern="1200">
+        <a:defRPr sz="2400" kern="1200">
           <a:solidFill>
             <a:schemeClr val="tx1"/>
           </a:solidFill>
@@ -3230,8 +2863,8 @@
       <a:defPPr>
         <a:defRPr lang="en-US"/>
       </a:defPPr>
-      <a:lvl1pPr marL="0" algn="l" defTabSz="914400" rtl="0" eaLnBrk="1" latinLnBrk="0" hangingPunct="1">
-        <a:defRPr sz="1800" kern="1200">
+      <a:lvl1pPr marL="0" algn="l" defTabSz="1219170" rtl="0" eaLnBrk="1" latinLnBrk="0" hangingPunct="1">
+        <a:defRPr sz="2400" kern="1200">
           <a:solidFill>
             <a:schemeClr val="tx1"/>
           </a:solidFill>
@@ -3240,8 +2873,8 @@
           <a:cs typeface="+mn-cs"/>
         </a:defRPr>
       </a:lvl1pPr>
-      <a:lvl2pPr marL="457200" algn="l" defTabSz="914400" rtl="0" eaLnBrk="1" latinLnBrk="0" hangingPunct="1">
-        <a:defRPr sz="1800" kern="1200">
+      <a:lvl2pPr marL="609585" algn="l" defTabSz="1219170" rtl="0" eaLnBrk="1" latinLnBrk="0" hangingPunct="1">
+        <a:defRPr sz="2400" kern="1200">
           <a:solidFill>
             <a:schemeClr val="tx1"/>
           </a:solidFill>
@@ -3250,8 +2883,8 @@
           <a:cs typeface="+mn-cs"/>
         </a:defRPr>
       </a:lvl2pPr>
-      <a:lvl3pPr marL="914400" algn="l" defTabSz="914400" rtl="0" eaLnBrk="1" latinLnBrk="0" hangingPunct="1">
-        <a:defRPr sz="1800" kern="1200">
+      <a:lvl3pPr marL="1219170" algn="l" defTabSz="1219170" rtl="0" eaLnBrk="1" latinLnBrk="0" hangingPunct="1">
+        <a:defRPr sz="2400" kern="1200">
           <a:solidFill>
             <a:schemeClr val="tx1"/>
           </a:solidFill>
@@ -3260,8 +2893,8 @@
           <a:cs typeface="+mn-cs"/>
         </a:defRPr>
       </a:lvl3pPr>
-      <a:lvl4pPr marL="1371600" algn="l" defTabSz="914400" rtl="0" eaLnBrk="1" latinLnBrk="0" hangingPunct="1">
-        <a:defRPr sz="1800" kern="1200">
+      <a:lvl4pPr marL="1828754" algn="l" defTabSz="1219170" rtl="0" eaLnBrk="1" latinLnBrk="0" hangingPunct="1">
+        <a:defRPr sz="2400" kern="1200">
           <a:solidFill>
             <a:schemeClr val="tx1"/>
           </a:solidFill>
@@ -3270,8 +2903,8 @@
           <a:cs typeface="+mn-cs"/>
         </a:defRPr>
       </a:lvl4pPr>
-      <a:lvl5pPr marL="1828800" algn="l" defTabSz="914400" rtl="0" eaLnBrk="1" latinLnBrk="0" hangingPunct="1">
-        <a:defRPr sz="1800" kern="1200">
+      <a:lvl5pPr marL="2438339" algn="l" defTabSz="1219170" rtl="0" eaLnBrk="1" latinLnBrk="0" hangingPunct="1">
+        <a:defRPr sz="2400" kern="1200">
           <a:solidFill>
             <a:schemeClr val="tx1"/>
           </a:solidFill>
@@ -3280,8 +2913,8 @@
           <a:cs typeface="+mn-cs"/>
         </a:defRPr>
       </a:lvl5pPr>
-      <a:lvl6pPr marL="2286000" algn="l" defTabSz="914400" rtl="0" eaLnBrk="1" latinLnBrk="0" hangingPunct="1">
-        <a:defRPr sz="1800" kern="1200">
+      <a:lvl6pPr marL="3047924" algn="l" defTabSz="1219170" rtl="0" eaLnBrk="1" latinLnBrk="0" hangingPunct="1">
+        <a:defRPr sz="2400" kern="1200">
           <a:solidFill>
             <a:schemeClr val="tx1"/>
           </a:solidFill>
@@ -3290,8 +2923,8 @@
           <a:cs typeface="+mn-cs"/>
         </a:defRPr>
       </a:lvl6pPr>
-      <a:lvl7pPr marL="2743200" algn="l" defTabSz="914400" rtl="0" eaLnBrk="1" latinLnBrk="0" hangingPunct="1">
-        <a:defRPr sz="1800" kern="1200">
+      <a:lvl7pPr marL="3657509" algn="l" defTabSz="1219170" rtl="0" eaLnBrk="1" latinLnBrk="0" hangingPunct="1">
+        <a:defRPr sz="2400" kern="1200">
           <a:solidFill>
             <a:schemeClr val="tx1"/>
           </a:solidFill>
@@ -3300,8 +2933,8 @@
           <a:cs typeface="+mn-cs"/>
         </a:defRPr>
       </a:lvl7pPr>
-      <a:lvl8pPr marL="3200400" algn="l" defTabSz="914400" rtl="0" eaLnBrk="1" latinLnBrk="0" hangingPunct="1">
-        <a:defRPr sz="1800" kern="1200">
+      <a:lvl8pPr marL="4267093" algn="l" defTabSz="1219170" rtl="0" eaLnBrk="1" latinLnBrk="0" hangingPunct="1">
+        <a:defRPr sz="2400" kern="1200">
           <a:solidFill>
             <a:schemeClr val="tx1"/>
           </a:solidFill>
@@ -3310,8 +2943,8 @@
           <a:cs typeface="+mn-cs"/>
         </a:defRPr>
       </a:lvl8pPr>
-      <a:lvl9pPr marL="3657600" algn="l" defTabSz="914400" rtl="0" eaLnBrk="1" latinLnBrk="0" hangingPunct="1">
-        <a:defRPr sz="1800" kern="1200">
+      <a:lvl9pPr marL="4876678" algn="l" defTabSz="1219170" rtl="0" eaLnBrk="1" latinLnBrk="0" hangingPunct="1">
+        <a:defRPr sz="2400" kern="1200">
           <a:solidFill>
             <a:schemeClr val="tx1"/>
           </a:solidFill>
@@ -3358,7 +2991,7 @@
         </p:nvSpPr>
         <p:spPr>
           <a:xfrm>
-            <a:off x="5016000" y="2225963"/>
+            <a:off x="5016000" y="3800763"/>
             <a:ext cx="2340000" cy="1800000"/>
           </a:xfrm>
           <a:prstGeom prst="flowChartDecision">
@@ -3415,7 +3048,7 @@
         </p:nvSpPr>
         <p:spPr>
           <a:xfrm>
-            <a:off x="1479176" y="2417510"/>
+            <a:off x="1479176" y="3992310"/>
             <a:ext cx="2160000" cy="1440000"/>
           </a:xfrm>
           <a:prstGeom prst="flowChartAlternateProcess">
@@ -3472,7 +3105,7 @@
         </p:nvSpPr>
         <p:spPr>
           <a:xfrm>
-            <a:off x="8732824" y="2405963"/>
+            <a:off x="8732824" y="3980763"/>
             <a:ext cx="2160000" cy="1440000"/>
           </a:xfrm>
           <a:prstGeom prst="flowChartProcess">
@@ -3531,7 +3164,7 @@
         </p:nvCxnSpPr>
         <p:spPr>
           <a:xfrm rot="16200000" flipH="1" flipV="1">
-            <a:off x="4276814" y="508324"/>
+            <a:off x="4276815" y="2083124"/>
             <a:ext cx="191547" cy="3626824"/>
           </a:xfrm>
           <a:prstGeom prst="curvedConnector3">
@@ -3576,7 +3209,7 @@
         </p:nvCxnSpPr>
         <p:spPr>
           <a:xfrm flipV="1">
-            <a:off x="3639176" y="3125963"/>
+            <a:off x="3639176" y="4700764"/>
             <a:ext cx="1376824" cy="11547"/>
           </a:xfrm>
           <a:prstGeom prst="curvedConnector3">
@@ -3619,7 +3252,7 @@
         </p:nvCxnSpPr>
         <p:spPr>
           <a:xfrm rot="10800000">
-            <a:off x="7356000" y="3125963"/>
+            <a:off x="7356000" y="4700763"/>
             <a:ext cx="1376824" cy="12700"/>
           </a:xfrm>
           <a:prstGeom prst="curvedConnector3">
@@ -3662,7 +3295,7 @@
         </p:nvCxnSpPr>
         <p:spPr>
           <a:xfrm rot="16200000" flipH="1">
-            <a:off x="7909412" y="502551"/>
+            <a:off x="7909412" y="2077351"/>
             <a:ext cx="180000" cy="3626824"/>
           </a:xfrm>
           <a:prstGeom prst="curvedConnector3">
@@ -3689,8 +3322,8 @@
           </a:fontRef>
         </p:style>
       </p:cxnSp>
-      <mc:AlternateContent xmlns:mc="http://schemas.openxmlformats.org/markup-compatibility/2006">
-        <mc:Choice xmlns:a14="http://schemas.microsoft.com/office/drawing/2010/main" Requires="a14">
+      <mc:AlternateContent xmlns:mc="http://schemas.openxmlformats.org/markup-compatibility/2006" xmlns:a14="http://schemas.microsoft.com/office/drawing/2010/main">
+        <mc:Choice Requires="a14">
           <p:sp>
             <p:nvSpPr>
               <p:cNvPr id="43" name="CasellaDiTesto 42">
@@ -3705,7 +3338,7 @@
             </p:nvSpPr>
             <p:spPr>
               <a:xfrm>
-                <a:off x="3889244" y="1687070"/>
+                <a:off x="3889244" y="3261871"/>
                 <a:ext cx="966686" cy="461665"/>
               </a:xfrm>
               <a:prstGeom prst="rect">
@@ -3719,6 +3352,7 @@
               </a:bodyPr>
               <a:lstStyle/>
               <a:p>
+                <a:pPr/>
                 <a14:m>
                   <m:oMathPara xmlns:m="http://schemas.openxmlformats.org/officeDocument/2006/math">
                     <m:oMathParaPr>
@@ -3728,7 +3362,7 @@
                       <m:sSub>
                         <m:sSubPr>
                           <m:ctrlPr>
-                            <a:rPr lang="it-IT" sz="2400" b="1" i="1" smtClean="0">
+                            <a:rPr lang="it-IT" sz="2400" b="1" i="1">
                               <a:solidFill>
                                 <a:srgbClr val="277432"/>
                               </a:solidFill>
@@ -3738,7 +3372,7 @@
                         </m:sSubPr>
                         <m:e>
                           <m:r>
-                            <a:rPr lang="it-IT" sz="2400" b="1" i="1" smtClean="0">
+                            <a:rPr lang="it-IT" sz="2400" b="1" i="1">
                               <a:solidFill>
                                 <a:srgbClr val="277432"/>
                               </a:solidFill>
@@ -3749,7 +3383,7 @@
                         </m:e>
                         <m:sub>
                           <m:r>
-                            <a:rPr lang="it-IT" sz="2400" b="1" i="1" smtClean="0">
+                            <a:rPr lang="it-IT" sz="2400" b="1" i="1">
                               <a:solidFill>
                                 <a:srgbClr val="277432"/>
                               </a:solidFill>
@@ -3767,7 +3401,7 @@
             </p:txBody>
           </p:sp>
         </mc:Choice>
-        <mc:Fallback>
+        <mc:Fallback xmlns="">
           <p:sp>
             <p:nvSpPr>
               <p:cNvPr id="43" name="CasellaDiTesto 42">
@@ -3784,7 +3418,7 @@
             </p:nvSpPr>
             <p:spPr>
               <a:xfrm>
-                <a:off x="3889244" y="1687070"/>
+                <a:off x="3889244" y="3261871"/>
                 <a:ext cx="966686" cy="461665"/>
               </a:xfrm>
               <a:prstGeom prst="rect">
@@ -3793,7 +3427,7 @@
               <a:blipFill>
                 <a:blip r:embed="rId2"/>
                 <a:stretch>
-                  <a:fillRect b="-1333"/>
+                  <a:fillRect b="-1316"/>
                 </a:stretch>
               </a:blipFill>
             </p:spPr>
@@ -3812,8 +3446,8 @@
           </p:sp>
         </mc:Fallback>
       </mc:AlternateContent>
-      <mc:AlternateContent xmlns:mc="http://schemas.openxmlformats.org/markup-compatibility/2006">
-        <mc:Choice xmlns:a14="http://schemas.microsoft.com/office/drawing/2010/main" Requires="a14">
+      <mc:AlternateContent xmlns:mc="http://schemas.openxmlformats.org/markup-compatibility/2006" xmlns:a14="http://schemas.microsoft.com/office/drawing/2010/main">
+        <mc:Choice Requires="a14">
           <p:sp>
             <p:nvSpPr>
               <p:cNvPr id="44" name="CasellaDiTesto 43">
@@ -3828,7 +3462,7 @@
             </p:nvSpPr>
             <p:spPr>
               <a:xfrm>
-                <a:off x="7561069" y="1681296"/>
+                <a:off x="7561069" y="3256097"/>
                 <a:ext cx="966686" cy="461665"/>
               </a:xfrm>
               <a:prstGeom prst="rect">
@@ -3842,6 +3476,7 @@
               </a:bodyPr>
               <a:lstStyle/>
               <a:p>
+                <a:pPr/>
                 <a14:m>
                   <m:oMathPara xmlns:m="http://schemas.openxmlformats.org/officeDocument/2006/math">
                     <m:oMathParaPr>
@@ -3851,7 +3486,7 @@
                       <m:sSub>
                         <m:sSubPr>
                           <m:ctrlPr>
-                            <a:rPr lang="it-IT" sz="2400" b="1" i="1" smtClean="0">
+                            <a:rPr lang="it-IT" sz="2400" b="1" i="1">
                               <a:solidFill>
                                 <a:schemeClr val="accent2">
                                   <a:lumMod val="75000"/>
@@ -3863,7 +3498,7 @@
                         </m:sSubPr>
                         <m:e>
                           <m:r>
-                            <a:rPr lang="it-IT" sz="2400" b="1" i="1" smtClean="0">
+                            <a:rPr lang="it-IT" sz="2400" b="1" i="1">
                               <a:solidFill>
                                 <a:schemeClr val="accent2">
                                   <a:lumMod val="75000"/>
@@ -3876,7 +3511,7 @@
                         </m:e>
                         <m:sub>
                           <m:r>
-                            <a:rPr lang="it-IT" sz="2400" b="1" i="1" smtClean="0">
+                            <a:rPr lang="it-IT" sz="2400" b="1" i="1">
                               <a:solidFill>
                                 <a:schemeClr val="accent2">
                                   <a:lumMod val="75000"/>
@@ -3896,7 +3531,7 @@
             </p:txBody>
           </p:sp>
         </mc:Choice>
-        <mc:Fallback>
+        <mc:Fallback xmlns="">
           <p:sp>
             <p:nvSpPr>
               <p:cNvPr id="44" name="CasellaDiTesto 43">
@@ -3913,7 +3548,7 @@
             </p:nvSpPr>
             <p:spPr>
               <a:xfrm>
-                <a:off x="7561069" y="1681296"/>
+                <a:off x="7561069" y="3256097"/>
                 <a:ext cx="966686" cy="461665"/>
               </a:xfrm>
               <a:prstGeom prst="rect">
@@ -3922,7 +3557,7 @@
               <a:blipFill>
                 <a:blip r:embed="rId3"/>
                 <a:stretch>
-                  <a:fillRect/>
+                  <a:fillRect b="-1316"/>
                 </a:stretch>
               </a:blipFill>
             </p:spPr>
@@ -3941,8 +3576,8 @@
           </p:sp>
         </mc:Fallback>
       </mc:AlternateContent>
-      <mc:AlternateContent xmlns:mc="http://schemas.openxmlformats.org/markup-compatibility/2006">
-        <mc:Choice xmlns:a14="http://schemas.microsoft.com/office/drawing/2010/main" Requires="a14">
+      <mc:AlternateContent xmlns:mc="http://schemas.openxmlformats.org/markup-compatibility/2006" xmlns:a14="http://schemas.microsoft.com/office/drawing/2010/main">
+        <mc:Choice Requires="a14">
           <p:sp>
             <p:nvSpPr>
               <p:cNvPr id="45" name="CasellaDiTesto 44">
@@ -3957,7 +3592,7 @@
             </p:nvSpPr>
             <p:spPr>
               <a:xfrm>
-                <a:off x="3841769" y="3125963"/>
+                <a:off x="3841769" y="4700764"/>
                 <a:ext cx="966686" cy="461665"/>
               </a:xfrm>
               <a:prstGeom prst="rect">
@@ -3971,6 +3606,7 @@
               </a:bodyPr>
               <a:lstStyle/>
               <a:p>
+                <a:pPr/>
                 <a14:m>
                   <m:oMathPara xmlns:m="http://schemas.openxmlformats.org/officeDocument/2006/math">
                     <m:oMathParaPr>
@@ -3980,7 +3616,7 @@
                       <m:sSub>
                         <m:sSubPr>
                           <m:ctrlPr>
-                            <a:rPr lang="it-IT" sz="2400" b="1" i="1" smtClean="0">
+                            <a:rPr lang="it-IT" sz="2400" b="1" i="1">
                               <a:solidFill>
                                 <a:srgbClr val="0F9ED5"/>
                               </a:solidFill>
@@ -3990,7 +3626,7 @@
                         </m:sSubPr>
                         <m:e>
                           <m:r>
-                            <a:rPr lang="it-IT" sz="2400" b="1" i="1" smtClean="0">
+                            <a:rPr lang="it-IT" sz="2400" b="1" i="1">
                               <a:solidFill>
                                 <a:srgbClr val="0F9ED5"/>
                               </a:solidFill>
@@ -4001,7 +3637,7 @@
                         </m:e>
                         <m:sub>
                           <m:r>
-                            <a:rPr lang="it-IT" sz="2400" b="1" i="1" smtClean="0">
+                            <a:rPr lang="it-IT" sz="2400" b="1" i="1">
                               <a:solidFill>
                                 <a:srgbClr val="0F9ED5"/>
                               </a:solidFill>
@@ -4019,7 +3655,7 @@
             </p:txBody>
           </p:sp>
         </mc:Choice>
-        <mc:Fallback>
+        <mc:Fallback xmlns="">
           <p:sp>
             <p:nvSpPr>
               <p:cNvPr id="45" name="CasellaDiTesto 44">
@@ -4036,7 +3672,7 @@
             </p:nvSpPr>
             <p:spPr>
               <a:xfrm>
-                <a:off x="3841769" y="3125963"/>
+                <a:off x="3841769" y="4700764"/>
                 <a:ext cx="966686" cy="461665"/>
               </a:xfrm>
               <a:prstGeom prst="rect">
@@ -4045,7 +3681,7 @@
               <a:blipFill>
                 <a:blip r:embed="rId4"/>
                 <a:stretch>
-                  <a:fillRect/>
+                  <a:fillRect b="-1316"/>
                 </a:stretch>
               </a:blipFill>
             </p:spPr>
@@ -4064,8 +3700,8 @@
           </p:sp>
         </mc:Fallback>
       </mc:AlternateContent>
-      <mc:AlternateContent xmlns:mc="http://schemas.openxmlformats.org/markup-compatibility/2006">
-        <mc:Choice xmlns:a14="http://schemas.microsoft.com/office/drawing/2010/main" Requires="a14">
+      <mc:AlternateContent xmlns:mc="http://schemas.openxmlformats.org/markup-compatibility/2006" xmlns:a14="http://schemas.microsoft.com/office/drawing/2010/main">
+        <mc:Choice Requires="a14">
           <p:sp>
             <p:nvSpPr>
               <p:cNvPr id="46" name="CasellaDiTesto 45">
@@ -4080,7 +3716,7 @@
             </p:nvSpPr>
             <p:spPr>
               <a:xfrm>
-                <a:off x="7516069" y="3138663"/>
+                <a:off x="7516069" y="4713464"/>
                 <a:ext cx="966686" cy="461665"/>
               </a:xfrm>
               <a:prstGeom prst="rect">
@@ -4094,6 +3730,7 @@
               </a:bodyPr>
               <a:lstStyle/>
               <a:p>
+                <a:pPr/>
                 <a14:m>
                   <m:oMathPara xmlns:m="http://schemas.openxmlformats.org/officeDocument/2006/math">
                     <m:oMathParaPr>
@@ -4103,7 +3740,7 @@
                       <m:sSub>
                         <m:sSubPr>
                           <m:ctrlPr>
-                            <a:rPr lang="it-IT" sz="2400" b="1" i="1" smtClean="0">
+                            <a:rPr lang="it-IT" sz="2400" b="1" i="1">
                               <a:solidFill>
                                 <a:srgbClr val="0F9ED5"/>
                               </a:solidFill>
@@ -4113,7 +3750,7 @@
                         </m:sSubPr>
                         <m:e>
                           <m:r>
-                            <a:rPr lang="it-IT" sz="2400" b="1" i="1" smtClean="0">
+                            <a:rPr lang="it-IT" sz="2400" b="1" i="1">
                               <a:solidFill>
                                 <a:srgbClr val="0F9ED5"/>
                               </a:solidFill>
@@ -4124,7 +3761,7 @@
                         </m:e>
                         <m:sub>
                           <m:r>
-                            <a:rPr lang="it-IT" sz="2400" b="1" i="1" smtClean="0">
+                            <a:rPr lang="it-IT" sz="2400" b="1" i="1">
                               <a:solidFill>
                                 <a:srgbClr val="0F9ED5"/>
                               </a:solidFill>
@@ -4142,7 +3779,7 @@
             </p:txBody>
           </p:sp>
         </mc:Choice>
-        <mc:Fallback>
+        <mc:Fallback xmlns="">
           <p:sp>
             <p:nvSpPr>
               <p:cNvPr id="46" name="CasellaDiTesto 45">
@@ -4159,7 +3796,7 @@
             </p:nvSpPr>
             <p:spPr>
               <a:xfrm>
-                <a:off x="7516069" y="3138663"/>
+                <a:off x="7516069" y="4713464"/>
                 <a:ext cx="966686" cy="461665"/>
               </a:xfrm>
               <a:prstGeom prst="rect">
@@ -4168,7 +3805,7 @@
               <a:blipFill>
                 <a:blip r:embed="rId5"/>
                 <a:stretch>
-                  <a:fillRect/>
+                  <a:fillRect b="-1316"/>
                 </a:stretch>
               </a:blipFill>
             </p:spPr>
@@ -4200,10 +3837,3938 @@
 </p:sld>
 </file>
 
+<file path=ppt/slides/slide2.xml><?xml version="1.0" encoding="utf-8"?>
+<p:sld xmlns:a="http://schemas.openxmlformats.org/drawingml/2006/main" xmlns:r="http://schemas.openxmlformats.org/officeDocument/2006/relationships" xmlns:p="http://schemas.openxmlformats.org/presentationml/2006/main">
+  <p:cSld>
+    <p:spTree>
+      <p:nvGrpSpPr>
+        <p:cNvPr id="1" name="">
+          <a:extLst>
+            <a:ext uri="{FF2B5EF4-FFF2-40B4-BE49-F238E27FC236}">
+              <a16:creationId xmlns:a16="http://schemas.microsoft.com/office/drawing/2014/main" id="{E9440A13-2AA2-BB5B-6790-5D621A1F064F}"/>
+            </a:ext>
+          </a:extLst>
+        </p:cNvPr>
+        <p:cNvGrpSpPr/>
+        <p:nvPr/>
+      </p:nvGrpSpPr>
+      <p:grpSpPr>
+        <a:xfrm>
+          <a:off x="0" y="0"/>
+          <a:ext cx="0" cy="0"/>
+          <a:chOff x="0" y="0"/>
+          <a:chExt cx="0" cy="0"/>
+        </a:xfrm>
+      </p:grpSpPr>
+      <p:sp>
+        <p:nvSpPr>
+          <p:cNvPr id="4" name="Decisione 3">
+            <a:extLst>
+              <a:ext uri="{FF2B5EF4-FFF2-40B4-BE49-F238E27FC236}">
+                <a16:creationId xmlns:a16="http://schemas.microsoft.com/office/drawing/2014/main" id="{6E239DAE-6388-9A46-D471-A3B4B1E99321}"/>
+              </a:ext>
+            </a:extLst>
+          </p:cNvPr>
+          <p:cNvSpPr>
+            <a:spLocks/>
+          </p:cNvSpPr>
+          <p:nvPr/>
+        </p:nvSpPr>
+        <p:spPr>
+          <a:xfrm>
+            <a:off x="5016000" y="1291276"/>
+            <a:ext cx="2340000" cy="1800000"/>
+          </a:xfrm>
+          <a:prstGeom prst="flowChartDecision">
+            <a:avLst/>
+          </a:prstGeom>
+          <a:solidFill>
+            <a:schemeClr val="accent4">
+              <a:alpha val="50000"/>
+            </a:schemeClr>
+          </a:solidFill>
+          <a:ln>
+            <a:noFill/>
+          </a:ln>
+        </p:spPr>
+        <p:style>
+          <a:lnRef idx="0">
+            <a:scrgbClr r="0" g="0" b="0"/>
+          </a:lnRef>
+          <a:fillRef idx="0">
+            <a:scrgbClr r="0" g="0" b="0"/>
+          </a:fillRef>
+          <a:effectRef idx="0">
+            <a:scrgbClr r="0" g="0" b="0"/>
+          </a:effectRef>
+          <a:fontRef idx="minor">
+            <a:schemeClr val="lt1"/>
+          </a:fontRef>
+        </p:style>
+        <p:txBody>
+          <a:bodyPr rtlCol="0" anchor="ctr"/>
+          <a:lstStyle/>
+          <a:p>
+            <a:pPr algn="ctr"/>
+            <a:r>
+              <a:rPr lang="en-US" sz="4400" dirty="0"/>
+              <a:t>SH</a:t>
+            </a:r>
+          </a:p>
+        </p:txBody>
+      </p:sp>
+      <p:sp>
+        <p:nvSpPr>
+          <p:cNvPr id="7" name="Elaborazione alternativa 6">
+            <a:extLst>
+              <a:ext uri="{FF2B5EF4-FFF2-40B4-BE49-F238E27FC236}">
+                <a16:creationId xmlns:a16="http://schemas.microsoft.com/office/drawing/2014/main" id="{614BD5C1-84F3-2E38-1C88-1DB691652BA5}"/>
+              </a:ext>
+            </a:extLst>
+          </p:cNvPr>
+          <p:cNvSpPr>
+            <a:spLocks/>
+          </p:cNvSpPr>
+          <p:nvPr/>
+        </p:nvSpPr>
+        <p:spPr>
+          <a:xfrm>
+            <a:off x="1479176" y="1483976"/>
+            <a:ext cx="2160000" cy="1440000"/>
+          </a:xfrm>
+          <a:prstGeom prst="flowChartAlternateProcess">
+            <a:avLst/>
+          </a:prstGeom>
+          <a:solidFill>
+            <a:schemeClr val="accent6">
+              <a:alpha val="50000"/>
+            </a:schemeClr>
+          </a:solidFill>
+          <a:ln>
+            <a:noFill/>
+          </a:ln>
+        </p:spPr>
+        <p:style>
+          <a:lnRef idx="0">
+            <a:scrgbClr r="0" g="0" b="0"/>
+          </a:lnRef>
+          <a:fillRef idx="0">
+            <a:scrgbClr r="0" g="0" b="0"/>
+          </a:fillRef>
+          <a:effectRef idx="0">
+            <a:scrgbClr r="0" g="0" b="0"/>
+          </a:effectRef>
+          <a:fontRef idx="minor">
+            <a:schemeClr val="lt1"/>
+          </a:fontRef>
+        </p:style>
+        <p:txBody>
+          <a:bodyPr rtlCol="0" anchor="ctr"/>
+          <a:lstStyle/>
+          <a:p>
+            <a:pPr algn="ctr"/>
+            <a:r>
+              <a:rPr lang="en-US" sz="4400" dirty="0"/>
+              <a:t>SC</a:t>
+            </a:r>
+          </a:p>
+        </p:txBody>
+      </p:sp>
+      <p:sp>
+        <p:nvSpPr>
+          <p:cNvPr id="8" name="Elaborazione 7">
+            <a:extLst>
+              <a:ext uri="{FF2B5EF4-FFF2-40B4-BE49-F238E27FC236}">
+                <a16:creationId xmlns:a16="http://schemas.microsoft.com/office/drawing/2014/main" id="{FAD52B5D-D46E-5694-5D83-403AE8694A00}"/>
+              </a:ext>
+            </a:extLst>
+          </p:cNvPr>
+          <p:cNvSpPr>
+            <a:spLocks/>
+          </p:cNvSpPr>
+          <p:nvPr/>
+        </p:nvSpPr>
+        <p:spPr>
+          <a:xfrm>
+            <a:off x="8732824" y="1471276"/>
+            <a:ext cx="2160000" cy="1440000"/>
+          </a:xfrm>
+          <a:prstGeom prst="flowChartProcess">
+            <a:avLst/>
+          </a:prstGeom>
+          <a:solidFill>
+            <a:schemeClr val="accent2">
+              <a:alpha val="50000"/>
+            </a:schemeClr>
+          </a:solidFill>
+          <a:ln>
+            <a:noFill/>
+          </a:ln>
+        </p:spPr>
+        <p:style>
+          <a:lnRef idx="0">
+            <a:scrgbClr r="0" g="0" b="0"/>
+          </a:lnRef>
+          <a:fillRef idx="0">
+            <a:scrgbClr r="0" g="0" b="0"/>
+          </a:fillRef>
+          <a:effectRef idx="0">
+            <a:scrgbClr r="0" g="0" b="0"/>
+          </a:effectRef>
+          <a:fontRef idx="minor">
+            <a:schemeClr val="lt1"/>
+          </a:fontRef>
+        </p:style>
+        <p:txBody>
+          <a:bodyPr rtlCol="0" anchor="ctr"/>
+          <a:lstStyle/>
+          <a:p>
+            <a:pPr algn="ctr"/>
+            <a:r>
+              <a:rPr lang="en-US" sz="4400" dirty="0"/>
+              <a:t>SA</a:t>
+            </a:r>
+          </a:p>
+        </p:txBody>
+      </p:sp>
+      <p:cxnSp>
+        <p:nvCxnSpPr>
+          <p:cNvPr id="10" name="Connettore curvo 9">
+            <a:extLst>
+              <a:ext uri="{FF2B5EF4-FFF2-40B4-BE49-F238E27FC236}">
+                <a16:creationId xmlns:a16="http://schemas.microsoft.com/office/drawing/2014/main" id="{7EC52EA6-15A0-945D-1453-ABD0D251F721}"/>
+              </a:ext>
+            </a:extLst>
+          </p:cNvPr>
+          <p:cNvCxnSpPr>
+            <a:cxnSpLocks/>
+            <a:stCxn id="4" idx="0"/>
+          </p:cNvCxnSpPr>
+          <p:nvPr/>
+        </p:nvCxnSpPr>
+        <p:spPr>
+          <a:xfrm rot="16200000" flipH="1" flipV="1">
+            <a:off x="4276815" y="-426363"/>
+            <a:ext cx="191547" cy="3626824"/>
+          </a:xfrm>
+          <a:prstGeom prst="curvedConnector3">
+            <a:avLst>
+              <a:gd name="adj1" fmla="val -312224"/>
+            </a:avLst>
+          </a:prstGeom>
+          <a:ln w="38100">
+            <a:tailEnd type="triangle"/>
+          </a:ln>
+        </p:spPr>
+        <p:style>
+          <a:lnRef idx="2">
+            <a:schemeClr val="accent3"/>
+          </a:lnRef>
+          <a:fillRef idx="0">
+            <a:schemeClr val="accent3"/>
+          </a:fillRef>
+          <a:effectRef idx="1">
+            <a:schemeClr val="accent3"/>
+          </a:effectRef>
+          <a:fontRef idx="minor">
+            <a:schemeClr val="tx1"/>
+          </a:fontRef>
+        </p:style>
+      </p:cxnSp>
+      <p:cxnSp>
+        <p:nvCxnSpPr>
+          <p:cNvPr id="22" name="Connettore curvo 21">
+            <a:extLst>
+              <a:ext uri="{FF2B5EF4-FFF2-40B4-BE49-F238E27FC236}">
+                <a16:creationId xmlns:a16="http://schemas.microsoft.com/office/drawing/2014/main" id="{29CFF306-F060-81F2-FD1F-1573A6693C95}"/>
+              </a:ext>
+            </a:extLst>
+          </p:cNvPr>
+          <p:cNvCxnSpPr>
+            <a:cxnSpLocks/>
+            <a:endCxn id="4" idx="1"/>
+          </p:cNvCxnSpPr>
+          <p:nvPr/>
+        </p:nvCxnSpPr>
+        <p:spPr>
+          <a:xfrm flipV="1">
+            <a:off x="3639176" y="2191277"/>
+            <a:ext cx="1376824" cy="11547"/>
+          </a:xfrm>
+          <a:prstGeom prst="curvedConnector3">
+            <a:avLst/>
+          </a:prstGeom>
+          <a:ln w="38100">
+            <a:tailEnd type="triangle"/>
+          </a:ln>
+        </p:spPr>
+        <p:style>
+          <a:lnRef idx="2">
+            <a:schemeClr val="accent4"/>
+          </a:lnRef>
+          <a:fillRef idx="0">
+            <a:schemeClr val="accent4"/>
+          </a:fillRef>
+          <a:effectRef idx="1">
+            <a:schemeClr val="accent4"/>
+          </a:effectRef>
+          <a:fontRef idx="minor">
+            <a:schemeClr val="tx1"/>
+          </a:fontRef>
+        </p:style>
+      </p:cxnSp>
+      <p:cxnSp>
+        <p:nvCxnSpPr>
+          <p:cNvPr id="24" name="Connettore curvo 23">
+            <a:extLst>
+              <a:ext uri="{FF2B5EF4-FFF2-40B4-BE49-F238E27FC236}">
+                <a16:creationId xmlns:a16="http://schemas.microsoft.com/office/drawing/2014/main" id="{1EE2D8F0-35D9-BFBB-01D8-99DB45A9F2B9}"/>
+              </a:ext>
+            </a:extLst>
+          </p:cNvPr>
+          <p:cNvCxnSpPr>
+            <a:cxnSpLocks/>
+            <a:stCxn id="8" idx="1"/>
+            <a:endCxn id="4" idx="3"/>
+          </p:cNvCxnSpPr>
+          <p:nvPr/>
+        </p:nvCxnSpPr>
+        <p:spPr>
+          <a:xfrm rot="10800000">
+            <a:off x="7356000" y="2191276"/>
+            <a:ext cx="1376824" cy="12700"/>
+          </a:xfrm>
+          <a:prstGeom prst="curvedConnector3">
+            <a:avLst/>
+          </a:prstGeom>
+          <a:ln w="38100">
+            <a:tailEnd type="triangle"/>
+          </a:ln>
+        </p:spPr>
+        <p:style>
+          <a:lnRef idx="2">
+            <a:schemeClr val="accent4"/>
+          </a:lnRef>
+          <a:fillRef idx="0">
+            <a:schemeClr val="accent4"/>
+          </a:fillRef>
+          <a:effectRef idx="1">
+            <a:schemeClr val="accent4"/>
+          </a:effectRef>
+          <a:fontRef idx="minor">
+            <a:schemeClr val="tx1"/>
+          </a:fontRef>
+        </p:style>
+      </p:cxnSp>
+      <p:cxnSp>
+        <p:nvCxnSpPr>
+          <p:cNvPr id="31" name="Connettore curvo 30">
+            <a:extLst>
+              <a:ext uri="{FF2B5EF4-FFF2-40B4-BE49-F238E27FC236}">
+                <a16:creationId xmlns:a16="http://schemas.microsoft.com/office/drawing/2014/main" id="{C7708712-606B-2A13-3262-CFB33DF395FA}"/>
+              </a:ext>
+            </a:extLst>
+          </p:cNvPr>
+          <p:cNvCxnSpPr>
+            <a:cxnSpLocks/>
+            <a:stCxn id="4" idx="0"/>
+            <a:endCxn id="8" idx="0"/>
+          </p:cNvCxnSpPr>
+          <p:nvPr/>
+        </p:nvCxnSpPr>
+        <p:spPr>
+          <a:xfrm rot="16200000" flipH="1">
+            <a:off x="7909412" y="-432136"/>
+            <a:ext cx="180000" cy="3626824"/>
+          </a:xfrm>
+          <a:prstGeom prst="curvedConnector3">
+            <a:avLst>
+              <a:gd name="adj1" fmla="val -327121"/>
+            </a:avLst>
+          </a:prstGeom>
+          <a:ln w="38100">
+            <a:tailEnd type="triangle"/>
+          </a:ln>
+        </p:spPr>
+        <p:style>
+          <a:lnRef idx="2">
+            <a:schemeClr val="accent2"/>
+          </a:lnRef>
+          <a:fillRef idx="0">
+            <a:schemeClr val="accent2"/>
+          </a:fillRef>
+          <a:effectRef idx="1">
+            <a:schemeClr val="accent2"/>
+          </a:effectRef>
+          <a:fontRef idx="minor">
+            <a:schemeClr val="tx1"/>
+          </a:fontRef>
+        </p:style>
+      </p:cxnSp>
+      <mc:AlternateContent xmlns:mc="http://schemas.openxmlformats.org/markup-compatibility/2006" xmlns:a14="http://schemas.microsoft.com/office/drawing/2010/main">
+        <mc:Choice Requires="a14">
+          <p:sp>
+            <p:nvSpPr>
+              <p:cNvPr id="43" name="CasellaDiTesto 42">
+                <a:extLst>
+                  <a:ext uri="{FF2B5EF4-FFF2-40B4-BE49-F238E27FC236}">
+                    <a16:creationId xmlns:a16="http://schemas.microsoft.com/office/drawing/2014/main" id="{9CC27C4E-048E-EF4C-3B1F-C1C70B7D152B}"/>
+                  </a:ext>
+                </a:extLst>
+              </p:cNvPr>
+              <p:cNvSpPr txBox="1"/>
+              <p:nvPr/>
+            </p:nvSpPr>
+            <p:spPr>
+              <a:xfrm>
+                <a:off x="3889244" y="752384"/>
+                <a:ext cx="966686" cy="461665"/>
+              </a:xfrm>
+              <a:prstGeom prst="rect">
+                <a:avLst/>
+              </a:prstGeom>
+              <a:noFill/>
+            </p:spPr>
+            <p:txBody>
+              <a:bodyPr wrap="square" rtlCol="0">
+                <a:spAutoFit/>
+              </a:bodyPr>
+              <a:lstStyle/>
+              <a:p>
+                <a:pPr/>
+                <a14:m>
+                  <m:oMathPara xmlns:m="http://schemas.openxmlformats.org/officeDocument/2006/math">
+                    <m:oMathParaPr>
+                      <m:jc m:val="centerGroup"/>
+                    </m:oMathParaPr>
+                    <m:oMath xmlns:m="http://schemas.openxmlformats.org/officeDocument/2006/math">
+                      <m:sSub>
+                        <m:sSubPr>
+                          <m:ctrlPr>
+                            <a:rPr lang="it-IT" sz="2400" b="1" i="1" smtClean="0">
+                              <a:solidFill>
+                                <a:srgbClr val="277432"/>
+                              </a:solidFill>
+                              <a:latin typeface="Cambria Math" panose="02040503050406030204" pitchFamily="18" charset="0"/>
+                            </a:rPr>
+                          </m:ctrlPr>
+                        </m:sSubPr>
+                        <m:e>
+                          <m:r>
+                            <a:rPr lang="it-IT" sz="2400" b="1" i="1" smtClean="0">
+                              <a:solidFill>
+                                <a:srgbClr val="277432"/>
+                              </a:solidFill>
+                              <a:latin typeface="Cambria Math" panose="02040503050406030204" pitchFamily="18" charset="0"/>
+                            </a:rPr>
+                            <m:t>𝝍</m:t>
+                          </m:r>
+                          <m:r>
+                            <a:rPr lang="it-IT" sz="2400" b="1" i="1">
+                              <a:solidFill>
+                                <a:srgbClr val="277432"/>
+                              </a:solidFill>
+                              <a:latin typeface="Cambria Math" panose="02040503050406030204" pitchFamily="18" charset="0"/>
+                            </a:rPr>
+                            <m:t>𝒌</m:t>
+                          </m:r>
+                        </m:e>
+                        <m:sub>
+                          <m:r>
+                            <a:rPr lang="it-IT" sz="2400" b="1" i="1">
+                              <a:solidFill>
+                                <a:srgbClr val="277432"/>
+                              </a:solidFill>
+                              <a:latin typeface="Cambria Math" panose="02040503050406030204" pitchFamily="18" charset="0"/>
+                            </a:rPr>
+                            <m:t>𝟏</m:t>
+                          </m:r>
+                        </m:sub>
+                      </m:sSub>
+                      <m:r>
+                        <a:rPr lang="it-IT" sz="2400" b="1" i="1" smtClean="0">
+                          <a:solidFill>
+                            <a:srgbClr val="277432"/>
+                          </a:solidFill>
+                          <a:latin typeface="Cambria Math" panose="02040503050406030204" pitchFamily="18" charset="0"/>
+                        </a:rPr>
+                        <m:t>𝑪</m:t>
+                      </m:r>
+                    </m:oMath>
+                  </m:oMathPara>
+                </a14:m>
+                <a:endParaRPr lang="en-US" b="1" dirty="0"/>
+              </a:p>
+            </p:txBody>
+          </p:sp>
+        </mc:Choice>
+        <mc:Fallback xmlns="">
+          <p:sp>
+            <p:nvSpPr>
+              <p:cNvPr id="43" name="CasellaDiTesto 42">
+                <a:extLst>
+                  <a:ext uri="{FF2B5EF4-FFF2-40B4-BE49-F238E27FC236}">
+                    <a16:creationId xmlns:a16="http://schemas.microsoft.com/office/drawing/2014/main" id="{9CC27C4E-048E-EF4C-3B1F-C1C70B7D152B}"/>
+                  </a:ext>
+                </a:extLst>
+              </p:cNvPr>
+              <p:cNvSpPr txBox="1">
+                <a:spLocks noRot="1" noChangeAspect="1" noMove="1" noResize="1" noEditPoints="1" noAdjustHandles="1" noChangeArrowheads="1" noChangeShapeType="1" noTextEdit="1"/>
+              </p:cNvSpPr>
+              <p:nvPr/>
+            </p:nvSpPr>
+            <p:spPr>
+              <a:xfrm>
+                <a:off x="3889244" y="752384"/>
+                <a:ext cx="966686" cy="461665"/>
+              </a:xfrm>
+              <a:prstGeom prst="rect">
+                <a:avLst/>
+              </a:prstGeom>
+              <a:blipFill>
+                <a:blip r:embed="rId2"/>
+                <a:stretch>
+                  <a:fillRect l="-3774" b="-15789"/>
+                </a:stretch>
+              </a:blipFill>
+            </p:spPr>
+            <p:txBody>
+              <a:bodyPr/>
+              <a:lstStyle/>
+              <a:p>
+                <a:r>
+                  <a:rPr lang="en-US">
+                    <a:noFill/>
+                  </a:rPr>
+                  <a:t> </a:t>
+                </a:r>
+              </a:p>
+            </p:txBody>
+          </p:sp>
+        </mc:Fallback>
+      </mc:AlternateContent>
+      <mc:AlternateContent xmlns:mc="http://schemas.openxmlformats.org/markup-compatibility/2006" xmlns:a14="http://schemas.microsoft.com/office/drawing/2010/main">
+        <mc:Choice Requires="a14">
+          <p:sp>
+            <p:nvSpPr>
+              <p:cNvPr id="44" name="CasellaDiTesto 43">
+                <a:extLst>
+                  <a:ext uri="{FF2B5EF4-FFF2-40B4-BE49-F238E27FC236}">
+                    <a16:creationId xmlns:a16="http://schemas.microsoft.com/office/drawing/2014/main" id="{5F45C5AD-25A7-5E22-4B4D-BCAD1ED8D813}"/>
+                  </a:ext>
+                </a:extLst>
+              </p:cNvPr>
+              <p:cNvSpPr txBox="1"/>
+              <p:nvPr/>
+            </p:nvSpPr>
+            <p:spPr>
+              <a:xfrm>
+                <a:off x="7561069" y="746610"/>
+                <a:ext cx="966686" cy="461665"/>
+              </a:xfrm>
+              <a:prstGeom prst="rect">
+                <a:avLst/>
+              </a:prstGeom>
+              <a:noFill/>
+            </p:spPr>
+            <p:txBody>
+              <a:bodyPr wrap="square" rtlCol="0">
+                <a:spAutoFit/>
+              </a:bodyPr>
+              <a:lstStyle/>
+              <a:p>
+                <a:pPr/>
+                <a14:m>
+                  <m:oMathPara xmlns:m="http://schemas.openxmlformats.org/officeDocument/2006/math">
+                    <m:oMathParaPr>
+                      <m:jc m:val="centerGroup"/>
+                    </m:oMathParaPr>
+                    <m:oMath xmlns:m="http://schemas.openxmlformats.org/officeDocument/2006/math">
+                      <m:sSub>
+                        <m:sSubPr>
+                          <m:ctrlPr>
+                            <a:rPr lang="it-IT" sz="2400" b="1" i="1" smtClean="0">
+                              <a:solidFill>
+                                <a:schemeClr val="accent2">
+                                  <a:lumMod val="75000"/>
+                                </a:schemeClr>
+                              </a:solidFill>
+                              <a:latin typeface="Cambria Math" panose="02040503050406030204" pitchFamily="18" charset="0"/>
+                            </a:rPr>
+                          </m:ctrlPr>
+                        </m:sSubPr>
+                        <m:e>
+                          <m:r>
+                            <a:rPr lang="it-IT" sz="2400" b="1" i="1">
+                              <a:solidFill>
+                                <a:schemeClr val="accent2">
+                                  <a:lumMod val="75000"/>
+                                </a:schemeClr>
+                              </a:solidFill>
+                              <a:latin typeface="Cambria Math" panose="02040503050406030204" pitchFamily="18" charset="0"/>
+                            </a:rPr>
+                            <m:t>𝒌</m:t>
+                          </m:r>
+                        </m:e>
+                        <m:sub>
+                          <m:r>
+                            <a:rPr lang="it-IT" sz="2400" b="1" i="1">
+                              <a:solidFill>
+                                <a:schemeClr val="accent2">
+                                  <a:lumMod val="75000"/>
+                                </a:schemeClr>
+                              </a:solidFill>
+                              <a:latin typeface="Cambria Math" panose="02040503050406030204" pitchFamily="18" charset="0"/>
+                            </a:rPr>
+                            <m:t>𝟐</m:t>
+                          </m:r>
+                        </m:sub>
+                      </m:sSub>
+                      <m:r>
+                        <a:rPr lang="it-IT" sz="2400" b="1" i="1" smtClean="0">
+                          <a:solidFill>
+                            <a:schemeClr val="accent2">
+                              <a:lumMod val="75000"/>
+                            </a:schemeClr>
+                          </a:solidFill>
+                          <a:latin typeface="Cambria Math" panose="02040503050406030204" pitchFamily="18" charset="0"/>
+                        </a:rPr>
+                        <m:t>𝑨</m:t>
+                      </m:r>
+                    </m:oMath>
+                  </m:oMathPara>
+                </a14:m>
+                <a:endParaRPr lang="en-US" b="1" dirty="0"/>
+              </a:p>
+            </p:txBody>
+          </p:sp>
+        </mc:Choice>
+        <mc:Fallback xmlns="">
+          <p:sp>
+            <p:nvSpPr>
+              <p:cNvPr id="44" name="CasellaDiTesto 43">
+                <a:extLst>
+                  <a:ext uri="{FF2B5EF4-FFF2-40B4-BE49-F238E27FC236}">
+                    <a16:creationId xmlns:a16="http://schemas.microsoft.com/office/drawing/2014/main" id="{5F45C5AD-25A7-5E22-4B4D-BCAD1ED8D813}"/>
+                  </a:ext>
+                </a:extLst>
+              </p:cNvPr>
+              <p:cNvSpPr txBox="1">
+                <a:spLocks noRot="1" noChangeAspect="1" noMove="1" noResize="1" noEditPoints="1" noAdjustHandles="1" noChangeArrowheads="1" noChangeShapeType="1" noTextEdit="1"/>
+              </p:cNvSpPr>
+              <p:nvPr/>
+            </p:nvSpPr>
+            <p:spPr>
+              <a:xfrm>
+                <a:off x="7561069" y="746610"/>
+                <a:ext cx="966686" cy="461665"/>
+              </a:xfrm>
+              <a:prstGeom prst="rect">
+                <a:avLst/>
+              </a:prstGeom>
+              <a:blipFill>
+                <a:blip r:embed="rId3"/>
+                <a:stretch>
+                  <a:fillRect b="-1316"/>
+                </a:stretch>
+              </a:blipFill>
+            </p:spPr>
+            <p:txBody>
+              <a:bodyPr/>
+              <a:lstStyle/>
+              <a:p>
+                <a:r>
+                  <a:rPr lang="en-US">
+                    <a:noFill/>
+                  </a:rPr>
+                  <a:t> </a:t>
+                </a:r>
+              </a:p>
+            </p:txBody>
+          </p:sp>
+        </mc:Fallback>
+      </mc:AlternateContent>
+      <mc:AlternateContent xmlns:mc="http://schemas.openxmlformats.org/markup-compatibility/2006" xmlns:a14="http://schemas.microsoft.com/office/drawing/2010/main">
+        <mc:Choice Requires="a14">
+          <p:sp>
+            <p:nvSpPr>
+              <p:cNvPr id="45" name="CasellaDiTesto 44">
+                <a:extLst>
+                  <a:ext uri="{FF2B5EF4-FFF2-40B4-BE49-F238E27FC236}">
+                    <a16:creationId xmlns:a16="http://schemas.microsoft.com/office/drawing/2014/main" id="{E58AE067-57BA-048D-47BB-DCC33E136C01}"/>
+                  </a:ext>
+                </a:extLst>
+              </p:cNvPr>
+              <p:cNvSpPr txBox="1"/>
+              <p:nvPr/>
+            </p:nvSpPr>
+            <p:spPr>
+              <a:xfrm>
+                <a:off x="3841769" y="2191277"/>
+                <a:ext cx="966686" cy="461665"/>
+              </a:xfrm>
+              <a:prstGeom prst="rect">
+                <a:avLst/>
+              </a:prstGeom>
+              <a:noFill/>
+            </p:spPr>
+            <p:txBody>
+              <a:bodyPr wrap="square" rtlCol="0">
+                <a:spAutoFit/>
+              </a:bodyPr>
+              <a:lstStyle/>
+              <a:p>
+                <a:pPr/>
+                <a14:m>
+                  <m:oMathPara xmlns:m="http://schemas.openxmlformats.org/officeDocument/2006/math">
+                    <m:oMathParaPr>
+                      <m:jc m:val="centerGroup"/>
+                    </m:oMathParaPr>
+                    <m:oMath xmlns:m="http://schemas.openxmlformats.org/officeDocument/2006/math">
+                      <m:sSub>
+                        <m:sSubPr>
+                          <m:ctrlPr>
+                            <a:rPr lang="it-IT" sz="2400" b="1" i="1" smtClean="0">
+                              <a:solidFill>
+                                <a:srgbClr val="0F9ED5"/>
+                              </a:solidFill>
+                              <a:latin typeface="Cambria Math" panose="02040503050406030204" pitchFamily="18" charset="0"/>
+                            </a:rPr>
+                          </m:ctrlPr>
+                        </m:sSubPr>
+                        <m:e>
+                          <m:r>
+                            <a:rPr lang="it-IT" sz="2400" b="1" i="1">
+                              <a:solidFill>
+                                <a:srgbClr val="0F9ED5"/>
+                              </a:solidFill>
+                              <a:latin typeface="Cambria Math" panose="02040503050406030204" pitchFamily="18" charset="0"/>
+                            </a:rPr>
+                            <m:t>𝝀</m:t>
+                          </m:r>
+                        </m:e>
+                        <m:sub>
+                          <m:r>
+                            <a:rPr lang="it-IT" sz="2400" b="1" i="1">
+                              <a:solidFill>
+                                <a:srgbClr val="0F9ED5"/>
+                              </a:solidFill>
+                              <a:latin typeface="Cambria Math" panose="02040503050406030204" pitchFamily="18" charset="0"/>
+                            </a:rPr>
+                            <m:t>𝟏</m:t>
+                          </m:r>
+                        </m:sub>
+                      </m:sSub>
+                    </m:oMath>
+                  </m:oMathPara>
+                </a14:m>
+                <a:endParaRPr lang="en-US" sz="2000" b="1" dirty="0"/>
+              </a:p>
+            </p:txBody>
+          </p:sp>
+        </mc:Choice>
+        <mc:Fallback xmlns="">
+          <p:sp>
+            <p:nvSpPr>
+              <p:cNvPr id="45" name="CasellaDiTesto 44">
+                <a:extLst>
+                  <a:ext uri="{FF2B5EF4-FFF2-40B4-BE49-F238E27FC236}">
+                    <a16:creationId xmlns:a16="http://schemas.microsoft.com/office/drawing/2014/main" id="{E58AE067-57BA-048D-47BB-DCC33E136C01}"/>
+                  </a:ext>
+                </a:extLst>
+              </p:cNvPr>
+              <p:cNvSpPr txBox="1">
+                <a:spLocks noRot="1" noChangeAspect="1" noMove="1" noResize="1" noEditPoints="1" noAdjustHandles="1" noChangeArrowheads="1" noChangeShapeType="1" noTextEdit="1"/>
+              </p:cNvSpPr>
+              <p:nvPr/>
+            </p:nvSpPr>
+            <p:spPr>
+              <a:xfrm>
+                <a:off x="3841769" y="2191277"/>
+                <a:ext cx="966686" cy="461665"/>
+              </a:xfrm>
+              <a:prstGeom prst="rect">
+                <a:avLst/>
+              </a:prstGeom>
+              <a:blipFill>
+                <a:blip r:embed="rId4"/>
+                <a:stretch>
+                  <a:fillRect b="-1316"/>
+                </a:stretch>
+              </a:blipFill>
+            </p:spPr>
+            <p:txBody>
+              <a:bodyPr/>
+              <a:lstStyle/>
+              <a:p>
+                <a:r>
+                  <a:rPr lang="en-US">
+                    <a:noFill/>
+                  </a:rPr>
+                  <a:t> </a:t>
+                </a:r>
+              </a:p>
+            </p:txBody>
+          </p:sp>
+        </mc:Fallback>
+      </mc:AlternateContent>
+      <mc:AlternateContent xmlns:mc="http://schemas.openxmlformats.org/markup-compatibility/2006" xmlns:a14="http://schemas.microsoft.com/office/drawing/2010/main">
+        <mc:Choice Requires="a14">
+          <p:sp>
+            <p:nvSpPr>
+              <p:cNvPr id="46" name="CasellaDiTesto 45">
+                <a:extLst>
+                  <a:ext uri="{FF2B5EF4-FFF2-40B4-BE49-F238E27FC236}">
+                    <a16:creationId xmlns:a16="http://schemas.microsoft.com/office/drawing/2014/main" id="{35BA8848-11CD-89BA-B9C7-ADCC6C3EFE29}"/>
+                  </a:ext>
+                </a:extLst>
+              </p:cNvPr>
+              <p:cNvSpPr txBox="1"/>
+              <p:nvPr/>
+            </p:nvSpPr>
+            <p:spPr>
+              <a:xfrm>
+                <a:off x="7516069" y="2203977"/>
+                <a:ext cx="966686" cy="461665"/>
+              </a:xfrm>
+              <a:prstGeom prst="rect">
+                <a:avLst/>
+              </a:prstGeom>
+              <a:noFill/>
+            </p:spPr>
+            <p:txBody>
+              <a:bodyPr wrap="square" rtlCol="0">
+                <a:spAutoFit/>
+              </a:bodyPr>
+              <a:lstStyle/>
+              <a:p>
+                <a:pPr/>
+                <a14:m>
+                  <m:oMathPara xmlns:m="http://schemas.openxmlformats.org/officeDocument/2006/math">
+                    <m:oMathParaPr>
+                      <m:jc m:val="centerGroup"/>
+                    </m:oMathParaPr>
+                    <m:oMath xmlns:m="http://schemas.openxmlformats.org/officeDocument/2006/math">
+                      <m:sSub>
+                        <m:sSubPr>
+                          <m:ctrlPr>
+                            <a:rPr lang="it-IT" sz="2400" b="1" i="1">
+                              <a:solidFill>
+                                <a:srgbClr val="0F9ED5"/>
+                              </a:solidFill>
+                              <a:latin typeface="Cambria Math" panose="02040503050406030204" pitchFamily="18" charset="0"/>
+                            </a:rPr>
+                          </m:ctrlPr>
+                        </m:sSubPr>
+                        <m:e>
+                          <m:r>
+                            <a:rPr lang="it-IT" sz="2400" b="1" i="1">
+                              <a:solidFill>
+                                <a:srgbClr val="0F9ED5"/>
+                              </a:solidFill>
+                              <a:latin typeface="Cambria Math" panose="02040503050406030204" pitchFamily="18" charset="0"/>
+                            </a:rPr>
+                            <m:t>𝝀</m:t>
+                          </m:r>
+                        </m:e>
+                        <m:sub>
+                          <m:r>
+                            <a:rPr lang="it-IT" sz="2400" b="1" i="1">
+                              <a:solidFill>
+                                <a:srgbClr val="0F9ED5"/>
+                              </a:solidFill>
+                              <a:latin typeface="Cambria Math" panose="02040503050406030204" pitchFamily="18" charset="0"/>
+                            </a:rPr>
+                            <m:t>𝟐</m:t>
+                          </m:r>
+                        </m:sub>
+                      </m:sSub>
+                    </m:oMath>
+                  </m:oMathPara>
+                </a14:m>
+                <a:endParaRPr lang="en-US" b="1" dirty="0"/>
+              </a:p>
+            </p:txBody>
+          </p:sp>
+        </mc:Choice>
+        <mc:Fallback xmlns="">
+          <p:sp>
+            <p:nvSpPr>
+              <p:cNvPr id="46" name="CasellaDiTesto 45">
+                <a:extLst>
+                  <a:ext uri="{FF2B5EF4-FFF2-40B4-BE49-F238E27FC236}">
+                    <a16:creationId xmlns:a16="http://schemas.microsoft.com/office/drawing/2014/main" id="{35BA8848-11CD-89BA-B9C7-ADCC6C3EFE29}"/>
+                  </a:ext>
+                </a:extLst>
+              </p:cNvPr>
+              <p:cNvSpPr txBox="1">
+                <a:spLocks noRot="1" noChangeAspect="1" noMove="1" noResize="1" noEditPoints="1" noAdjustHandles="1" noChangeArrowheads="1" noChangeShapeType="1" noTextEdit="1"/>
+              </p:cNvSpPr>
+              <p:nvPr/>
+            </p:nvSpPr>
+            <p:spPr>
+              <a:xfrm>
+                <a:off x="7516069" y="2203977"/>
+                <a:ext cx="966686" cy="461665"/>
+              </a:xfrm>
+              <a:prstGeom prst="rect">
+                <a:avLst/>
+              </a:prstGeom>
+              <a:blipFill>
+                <a:blip r:embed="rId5"/>
+                <a:stretch>
+                  <a:fillRect b="-1333"/>
+                </a:stretch>
+              </a:blipFill>
+            </p:spPr>
+            <p:txBody>
+              <a:bodyPr/>
+              <a:lstStyle/>
+              <a:p>
+                <a:r>
+                  <a:rPr lang="en-US">
+                    <a:noFill/>
+                  </a:rPr>
+                  <a:t> </a:t>
+                </a:r>
+              </a:p>
+            </p:txBody>
+          </p:sp>
+        </mc:Fallback>
+      </mc:AlternateContent>
+      <p:sp>
+        <p:nvSpPr>
+          <p:cNvPr id="2" name="Elaborazione alternativa 1">
+            <a:extLst>
+              <a:ext uri="{FF2B5EF4-FFF2-40B4-BE49-F238E27FC236}">
+                <a16:creationId xmlns:a16="http://schemas.microsoft.com/office/drawing/2014/main" id="{F3C96E65-E26A-0F5F-4EC1-4D1949A37D6A}"/>
+              </a:ext>
+            </a:extLst>
+          </p:cNvPr>
+          <p:cNvSpPr>
+            <a:spLocks/>
+          </p:cNvSpPr>
+          <p:nvPr/>
+        </p:nvSpPr>
+        <p:spPr>
+          <a:xfrm>
+            <a:off x="3245112" y="4030522"/>
+            <a:ext cx="2160000" cy="1440000"/>
+          </a:xfrm>
+          <a:prstGeom prst="flowChartAlternateProcess">
+            <a:avLst/>
+          </a:prstGeom>
+          <a:solidFill>
+            <a:schemeClr val="accent6">
+              <a:alpha val="50000"/>
+            </a:schemeClr>
+          </a:solidFill>
+          <a:ln>
+            <a:noFill/>
+          </a:ln>
+        </p:spPr>
+        <p:style>
+          <a:lnRef idx="0">
+            <a:scrgbClr r="0" g="0" b="0"/>
+          </a:lnRef>
+          <a:fillRef idx="0">
+            <a:scrgbClr r="0" g="0" b="0"/>
+          </a:fillRef>
+          <a:effectRef idx="0">
+            <a:scrgbClr r="0" g="0" b="0"/>
+          </a:effectRef>
+          <a:fontRef idx="minor">
+            <a:schemeClr val="lt1"/>
+          </a:fontRef>
+        </p:style>
+        <p:txBody>
+          <a:bodyPr rtlCol="0" anchor="ctr"/>
+          <a:lstStyle/>
+          <a:p>
+            <a:pPr algn="ctr"/>
+            <a:r>
+              <a:rPr lang="en-US" sz="4400" dirty="0"/>
+              <a:t>IC</a:t>
+            </a:r>
+          </a:p>
+        </p:txBody>
+      </p:sp>
+      <p:sp>
+        <p:nvSpPr>
+          <p:cNvPr id="3" name="Elaborazione 2">
+            <a:extLst>
+              <a:ext uri="{FF2B5EF4-FFF2-40B4-BE49-F238E27FC236}">
+                <a16:creationId xmlns:a16="http://schemas.microsoft.com/office/drawing/2014/main" id="{A5D2471C-0C82-6FEE-F6AF-092C5BB64D37}"/>
+              </a:ext>
+            </a:extLst>
+          </p:cNvPr>
+          <p:cNvSpPr>
+            <a:spLocks/>
+          </p:cNvSpPr>
+          <p:nvPr/>
+        </p:nvSpPr>
+        <p:spPr>
+          <a:xfrm>
+            <a:off x="6919412" y="4030522"/>
+            <a:ext cx="2160000" cy="1440000"/>
+          </a:xfrm>
+          <a:prstGeom prst="flowChartProcess">
+            <a:avLst/>
+          </a:prstGeom>
+          <a:solidFill>
+            <a:schemeClr val="accent2">
+              <a:alpha val="50000"/>
+            </a:schemeClr>
+          </a:solidFill>
+          <a:ln>
+            <a:noFill/>
+          </a:ln>
+        </p:spPr>
+        <p:style>
+          <a:lnRef idx="0">
+            <a:scrgbClr r="0" g="0" b="0"/>
+          </a:lnRef>
+          <a:fillRef idx="0">
+            <a:scrgbClr r="0" g="0" b="0"/>
+          </a:fillRef>
+          <a:effectRef idx="0">
+            <a:scrgbClr r="0" g="0" b="0"/>
+          </a:effectRef>
+          <a:fontRef idx="minor">
+            <a:schemeClr val="lt1"/>
+          </a:fontRef>
+        </p:style>
+        <p:txBody>
+          <a:bodyPr rtlCol="0" anchor="ctr"/>
+          <a:lstStyle/>
+          <a:p>
+            <a:pPr algn="ctr"/>
+            <a:r>
+              <a:rPr lang="en-US" sz="4400" dirty="0"/>
+              <a:t>IA</a:t>
+            </a:r>
+          </a:p>
+        </p:txBody>
+      </p:sp>
+      <p:sp>
+        <p:nvSpPr>
+          <p:cNvPr id="5" name="Elaborazione alternativa 4">
+            <a:extLst>
+              <a:ext uri="{FF2B5EF4-FFF2-40B4-BE49-F238E27FC236}">
+                <a16:creationId xmlns:a16="http://schemas.microsoft.com/office/drawing/2014/main" id="{A9502452-FC80-066D-7B39-740E4F3C3048}"/>
+              </a:ext>
+            </a:extLst>
+          </p:cNvPr>
+          <p:cNvSpPr>
+            <a:spLocks/>
+          </p:cNvSpPr>
+          <p:nvPr/>
+        </p:nvSpPr>
+        <p:spPr>
+          <a:xfrm>
+            <a:off x="3245112" y="7391510"/>
+            <a:ext cx="2160000" cy="1440000"/>
+          </a:xfrm>
+          <a:prstGeom prst="flowChartAlternateProcess">
+            <a:avLst/>
+          </a:prstGeom>
+          <a:solidFill>
+            <a:schemeClr val="accent6">
+              <a:alpha val="50000"/>
+            </a:schemeClr>
+          </a:solidFill>
+          <a:ln>
+            <a:noFill/>
+          </a:ln>
+        </p:spPr>
+        <p:style>
+          <a:lnRef idx="0">
+            <a:scrgbClr r="0" g="0" b="0"/>
+          </a:lnRef>
+          <a:fillRef idx="0">
+            <a:scrgbClr r="0" g="0" b="0"/>
+          </a:fillRef>
+          <a:effectRef idx="0">
+            <a:scrgbClr r="0" g="0" b="0"/>
+          </a:effectRef>
+          <a:fontRef idx="minor">
+            <a:schemeClr val="lt1"/>
+          </a:fontRef>
+        </p:style>
+        <p:txBody>
+          <a:bodyPr rtlCol="0" anchor="ctr"/>
+          <a:lstStyle/>
+          <a:p>
+            <a:pPr algn="ctr"/>
+            <a:r>
+              <a:rPr lang="en-US" sz="4400" dirty="0"/>
+              <a:t>RC</a:t>
+            </a:r>
+          </a:p>
+        </p:txBody>
+      </p:sp>
+      <p:sp>
+        <p:nvSpPr>
+          <p:cNvPr id="6" name="Elaborazione 5">
+            <a:extLst>
+              <a:ext uri="{FF2B5EF4-FFF2-40B4-BE49-F238E27FC236}">
+                <a16:creationId xmlns:a16="http://schemas.microsoft.com/office/drawing/2014/main" id="{B36F076B-9DF9-EBE4-C016-FB8F419AE648}"/>
+              </a:ext>
+            </a:extLst>
+          </p:cNvPr>
+          <p:cNvSpPr>
+            <a:spLocks/>
+          </p:cNvSpPr>
+          <p:nvPr/>
+        </p:nvSpPr>
+        <p:spPr>
+          <a:xfrm>
+            <a:off x="6919412" y="7391510"/>
+            <a:ext cx="2160000" cy="1440000"/>
+          </a:xfrm>
+          <a:prstGeom prst="flowChartProcess">
+            <a:avLst/>
+          </a:prstGeom>
+          <a:solidFill>
+            <a:schemeClr val="accent2">
+              <a:alpha val="50000"/>
+            </a:schemeClr>
+          </a:solidFill>
+          <a:ln>
+            <a:noFill/>
+          </a:ln>
+        </p:spPr>
+        <p:style>
+          <a:lnRef idx="0">
+            <a:scrgbClr r="0" g="0" b="0"/>
+          </a:lnRef>
+          <a:fillRef idx="0">
+            <a:scrgbClr r="0" g="0" b="0"/>
+          </a:fillRef>
+          <a:effectRef idx="0">
+            <a:scrgbClr r="0" g="0" b="0"/>
+          </a:effectRef>
+          <a:fontRef idx="minor">
+            <a:schemeClr val="lt1"/>
+          </a:fontRef>
+        </p:style>
+        <p:txBody>
+          <a:bodyPr rtlCol="0" anchor="ctr"/>
+          <a:lstStyle/>
+          <a:p>
+            <a:pPr algn="ctr"/>
+            <a:r>
+              <a:rPr lang="en-US" sz="4400" dirty="0"/>
+              <a:t>RA</a:t>
+            </a:r>
+          </a:p>
+        </p:txBody>
+      </p:sp>
+      <p:cxnSp>
+        <p:nvCxnSpPr>
+          <p:cNvPr id="14" name="Connettore 2 13">
+            <a:extLst>
+              <a:ext uri="{FF2B5EF4-FFF2-40B4-BE49-F238E27FC236}">
+                <a16:creationId xmlns:a16="http://schemas.microsoft.com/office/drawing/2014/main" id="{76F587CC-9B7D-0431-B15E-B345A276DED9}"/>
+              </a:ext>
+            </a:extLst>
+          </p:cNvPr>
+          <p:cNvCxnSpPr>
+            <a:cxnSpLocks/>
+          </p:cNvCxnSpPr>
+          <p:nvPr/>
+        </p:nvCxnSpPr>
+        <p:spPr>
+          <a:xfrm>
+            <a:off x="4294632" y="5470522"/>
+            <a:ext cx="0" cy="1920988"/>
+          </a:xfrm>
+          <a:prstGeom prst="straightConnector1">
+            <a:avLst/>
+          </a:prstGeom>
+          <a:ln w="38100">
+            <a:tailEnd type="triangle"/>
+          </a:ln>
+        </p:spPr>
+        <p:style>
+          <a:lnRef idx="2">
+            <a:schemeClr val="accent5"/>
+          </a:lnRef>
+          <a:fillRef idx="0">
+            <a:schemeClr val="accent5"/>
+          </a:fillRef>
+          <a:effectRef idx="1">
+            <a:schemeClr val="accent5"/>
+          </a:effectRef>
+          <a:fontRef idx="minor">
+            <a:schemeClr val="tx1"/>
+          </a:fontRef>
+        </p:style>
+      </p:cxnSp>
+      <p:cxnSp>
+        <p:nvCxnSpPr>
+          <p:cNvPr id="16" name="Connettore 2 15">
+            <a:extLst>
+              <a:ext uri="{FF2B5EF4-FFF2-40B4-BE49-F238E27FC236}">
+                <a16:creationId xmlns:a16="http://schemas.microsoft.com/office/drawing/2014/main" id="{F375B89F-DF19-974F-674F-FA50CB2F332D}"/>
+              </a:ext>
+            </a:extLst>
+          </p:cNvPr>
+          <p:cNvCxnSpPr>
+            <a:cxnSpLocks/>
+          </p:cNvCxnSpPr>
+          <p:nvPr/>
+        </p:nvCxnSpPr>
+        <p:spPr>
+          <a:xfrm>
+            <a:off x="8135852" y="5470522"/>
+            <a:ext cx="0" cy="1920988"/>
+          </a:xfrm>
+          <a:prstGeom prst="straightConnector1">
+            <a:avLst/>
+          </a:prstGeom>
+          <a:ln w="38100">
+            <a:tailEnd type="triangle"/>
+          </a:ln>
+        </p:spPr>
+        <p:style>
+          <a:lnRef idx="2">
+            <a:schemeClr val="accent5"/>
+          </a:lnRef>
+          <a:fillRef idx="0">
+            <a:schemeClr val="accent5"/>
+          </a:fillRef>
+          <a:effectRef idx="1">
+            <a:schemeClr val="accent5"/>
+          </a:effectRef>
+          <a:fontRef idx="minor">
+            <a:schemeClr val="tx1"/>
+          </a:fontRef>
+        </p:style>
+      </p:cxnSp>
+      <p:cxnSp>
+        <p:nvCxnSpPr>
+          <p:cNvPr id="18" name="Connettore curvo 17">
+            <a:extLst>
+              <a:ext uri="{FF2B5EF4-FFF2-40B4-BE49-F238E27FC236}">
+                <a16:creationId xmlns:a16="http://schemas.microsoft.com/office/drawing/2014/main" id="{444EBCF6-7F6B-6250-FF37-FCA5F98C55B2}"/>
+              </a:ext>
+            </a:extLst>
+          </p:cNvPr>
+          <p:cNvCxnSpPr>
+            <a:cxnSpLocks/>
+          </p:cNvCxnSpPr>
+          <p:nvPr/>
+        </p:nvCxnSpPr>
+        <p:spPr>
+          <a:xfrm rot="16200000" flipV="1">
+            <a:off x="6322282" y="2193372"/>
+            <a:ext cx="12700" cy="3674300"/>
+          </a:xfrm>
+          <a:prstGeom prst="curvedConnector3">
+            <a:avLst>
+              <a:gd name="adj1" fmla="val 5700000"/>
+            </a:avLst>
+          </a:prstGeom>
+          <a:ln w="38100">
+            <a:tailEnd type="triangle"/>
+          </a:ln>
+        </p:spPr>
+        <p:style>
+          <a:lnRef idx="2">
+            <a:schemeClr val="accent3"/>
+          </a:lnRef>
+          <a:fillRef idx="0">
+            <a:schemeClr val="accent3"/>
+          </a:fillRef>
+          <a:effectRef idx="1">
+            <a:schemeClr val="accent3"/>
+          </a:effectRef>
+          <a:fontRef idx="minor">
+            <a:schemeClr val="tx1"/>
+          </a:fontRef>
+        </p:style>
+      </p:cxnSp>
+      <p:cxnSp>
+        <p:nvCxnSpPr>
+          <p:cNvPr id="23" name="Connettore curvo 22">
+            <a:extLst>
+              <a:ext uri="{FF2B5EF4-FFF2-40B4-BE49-F238E27FC236}">
+                <a16:creationId xmlns:a16="http://schemas.microsoft.com/office/drawing/2014/main" id="{6500F742-A69E-AD9E-FC87-CA8C23DE488D}"/>
+              </a:ext>
+            </a:extLst>
+          </p:cNvPr>
+          <p:cNvCxnSpPr>
+            <a:cxnSpLocks/>
+            <a:stCxn id="2" idx="2"/>
+            <a:endCxn id="3" idx="2"/>
+          </p:cNvCxnSpPr>
+          <p:nvPr/>
+        </p:nvCxnSpPr>
+        <p:spPr>
+          <a:xfrm rot="16200000" flipH="1">
+            <a:off x="6162262" y="3633372"/>
+            <a:ext cx="12700" cy="3674300"/>
+          </a:xfrm>
+          <a:prstGeom prst="curvedConnector3">
+            <a:avLst>
+              <a:gd name="adj1" fmla="val 3929583"/>
+            </a:avLst>
+          </a:prstGeom>
+          <a:ln w="38100">
+            <a:tailEnd type="triangle"/>
+          </a:ln>
+        </p:spPr>
+        <p:style>
+          <a:lnRef idx="2">
+            <a:schemeClr val="accent2"/>
+          </a:lnRef>
+          <a:fillRef idx="0">
+            <a:schemeClr val="accent2"/>
+          </a:fillRef>
+          <a:effectRef idx="1">
+            <a:schemeClr val="accent2"/>
+          </a:effectRef>
+          <a:fontRef idx="minor">
+            <a:schemeClr val="tx1"/>
+          </a:fontRef>
+        </p:style>
+      </p:cxnSp>
+      <p:cxnSp>
+        <p:nvCxnSpPr>
+          <p:cNvPr id="29" name="Connettore curvo 28">
+            <a:extLst>
+              <a:ext uri="{FF2B5EF4-FFF2-40B4-BE49-F238E27FC236}">
+                <a16:creationId xmlns:a16="http://schemas.microsoft.com/office/drawing/2014/main" id="{523BACAF-FF32-886F-3DB5-AA61EA3CA77C}"/>
+              </a:ext>
+            </a:extLst>
+          </p:cNvPr>
+          <p:cNvCxnSpPr>
+            <a:cxnSpLocks/>
+          </p:cNvCxnSpPr>
+          <p:nvPr/>
+        </p:nvCxnSpPr>
+        <p:spPr>
+          <a:xfrm>
+            <a:off x="5405112" y="4338392"/>
+            <a:ext cx="1514300" cy="12700"/>
+          </a:xfrm>
+          <a:prstGeom prst="curvedConnector3">
+            <a:avLst/>
+          </a:prstGeom>
+          <a:ln w="38100">
+            <a:solidFill>
+              <a:schemeClr val="accent3">
+                <a:lumMod val="50000"/>
+              </a:schemeClr>
+            </a:solidFill>
+            <a:tailEnd type="triangle"/>
+          </a:ln>
+        </p:spPr>
+        <p:style>
+          <a:lnRef idx="2">
+            <a:schemeClr val="accent4"/>
+          </a:lnRef>
+          <a:fillRef idx="0">
+            <a:schemeClr val="accent4"/>
+          </a:fillRef>
+          <a:effectRef idx="1">
+            <a:schemeClr val="accent4"/>
+          </a:effectRef>
+          <a:fontRef idx="minor">
+            <a:schemeClr val="tx1"/>
+          </a:fontRef>
+        </p:style>
+      </p:cxnSp>
+      <p:cxnSp>
+        <p:nvCxnSpPr>
+          <p:cNvPr id="33" name="Connettore curvo 32">
+            <a:extLst>
+              <a:ext uri="{FF2B5EF4-FFF2-40B4-BE49-F238E27FC236}">
+                <a16:creationId xmlns:a16="http://schemas.microsoft.com/office/drawing/2014/main" id="{79538122-7C30-BDF0-61B3-E15EF2EFFD84}"/>
+              </a:ext>
+            </a:extLst>
+          </p:cNvPr>
+          <p:cNvCxnSpPr>
+            <a:cxnSpLocks/>
+          </p:cNvCxnSpPr>
+          <p:nvPr/>
+        </p:nvCxnSpPr>
+        <p:spPr>
+          <a:xfrm rot="10800000">
+            <a:off x="5410066" y="5137251"/>
+            <a:ext cx="1509346" cy="12700"/>
+          </a:xfrm>
+          <a:prstGeom prst="curvedConnector3">
+            <a:avLst/>
+          </a:prstGeom>
+          <a:ln w="38100">
+            <a:solidFill>
+              <a:schemeClr val="accent2">
+                <a:lumMod val="50000"/>
+              </a:schemeClr>
+            </a:solidFill>
+            <a:tailEnd type="triangle"/>
+          </a:ln>
+        </p:spPr>
+        <p:style>
+          <a:lnRef idx="2">
+            <a:schemeClr val="accent4"/>
+          </a:lnRef>
+          <a:fillRef idx="0">
+            <a:schemeClr val="accent4"/>
+          </a:fillRef>
+          <a:effectRef idx="1">
+            <a:schemeClr val="accent4"/>
+          </a:effectRef>
+          <a:fontRef idx="minor">
+            <a:schemeClr val="tx1"/>
+          </a:fontRef>
+        </p:style>
+      </p:cxnSp>
+      <mc:AlternateContent xmlns:mc="http://schemas.openxmlformats.org/markup-compatibility/2006" xmlns:a14="http://schemas.microsoft.com/office/drawing/2010/main">
+        <mc:Choice Requires="a14">
+          <p:sp>
+            <p:nvSpPr>
+              <p:cNvPr id="35" name="CasellaDiTesto 34">
+                <a:extLst>
+                  <a:ext uri="{FF2B5EF4-FFF2-40B4-BE49-F238E27FC236}">
+                    <a16:creationId xmlns:a16="http://schemas.microsoft.com/office/drawing/2014/main" id="{1426B851-AB72-BFFA-093B-38CF25A9AAFC}"/>
+                  </a:ext>
+                </a:extLst>
+              </p:cNvPr>
+              <p:cNvSpPr txBox="1"/>
+              <p:nvPr/>
+            </p:nvSpPr>
+            <p:spPr>
+              <a:xfrm>
+                <a:off x="5612657" y="3405396"/>
+                <a:ext cx="966686" cy="461665"/>
+              </a:xfrm>
+              <a:prstGeom prst="rect">
+                <a:avLst/>
+              </a:prstGeom>
+              <a:noFill/>
+            </p:spPr>
+            <p:txBody>
+              <a:bodyPr wrap="square" rtlCol="0">
+                <a:spAutoFit/>
+              </a:bodyPr>
+              <a:lstStyle/>
+              <a:p>
+                <a:pPr/>
+                <a14:m>
+                  <m:oMathPara xmlns:m="http://schemas.openxmlformats.org/officeDocument/2006/math">
+                    <m:oMathParaPr>
+                      <m:jc m:val="centerGroup"/>
+                    </m:oMathParaPr>
+                    <m:oMath xmlns:m="http://schemas.openxmlformats.org/officeDocument/2006/math">
+                      <m:sSub>
+                        <m:sSubPr>
+                          <m:ctrlPr>
+                            <a:rPr lang="it-IT" sz="2400" b="1" i="1" smtClean="0">
+                              <a:solidFill>
+                                <a:srgbClr val="277432"/>
+                              </a:solidFill>
+                              <a:latin typeface="Cambria Math" panose="02040503050406030204" pitchFamily="18" charset="0"/>
+                            </a:rPr>
+                          </m:ctrlPr>
+                        </m:sSubPr>
+                        <m:e>
+                          <m:r>
+                            <a:rPr lang="it-IT" sz="2400" b="1" i="1" smtClean="0">
+                              <a:solidFill>
+                                <a:srgbClr val="277432"/>
+                              </a:solidFill>
+                              <a:latin typeface="Cambria Math" panose="02040503050406030204" pitchFamily="18" charset="0"/>
+                            </a:rPr>
+                            <m:t>𝝍</m:t>
+                          </m:r>
+                          <m:r>
+                            <a:rPr lang="it-IT" sz="2400" b="1" i="1">
+                              <a:solidFill>
+                                <a:srgbClr val="277432"/>
+                              </a:solidFill>
+                              <a:latin typeface="Cambria Math" panose="02040503050406030204" pitchFamily="18" charset="0"/>
+                            </a:rPr>
+                            <m:t>𝒌</m:t>
+                          </m:r>
+                        </m:e>
+                        <m:sub>
+                          <m:r>
+                            <a:rPr lang="it-IT" sz="2400" b="1" i="1" smtClean="0">
+                              <a:solidFill>
+                                <a:srgbClr val="277432"/>
+                              </a:solidFill>
+                              <a:latin typeface="Cambria Math" panose="02040503050406030204" pitchFamily="18" charset="0"/>
+                            </a:rPr>
+                            <m:t>𝟑</m:t>
+                          </m:r>
+                        </m:sub>
+                      </m:sSub>
+                      <m:r>
+                        <a:rPr lang="it-IT" sz="2400" b="1" i="1" smtClean="0">
+                          <a:solidFill>
+                            <a:srgbClr val="277432"/>
+                          </a:solidFill>
+                          <a:latin typeface="Cambria Math" panose="02040503050406030204" pitchFamily="18" charset="0"/>
+                        </a:rPr>
+                        <m:t>𝑪</m:t>
+                      </m:r>
+                    </m:oMath>
+                  </m:oMathPara>
+                </a14:m>
+                <a:endParaRPr lang="en-US" b="1" dirty="0"/>
+              </a:p>
+            </p:txBody>
+          </p:sp>
+        </mc:Choice>
+        <mc:Fallback xmlns="">
+          <p:sp>
+            <p:nvSpPr>
+              <p:cNvPr id="35" name="CasellaDiTesto 34">
+                <a:extLst>
+                  <a:ext uri="{FF2B5EF4-FFF2-40B4-BE49-F238E27FC236}">
+                    <a16:creationId xmlns:a16="http://schemas.microsoft.com/office/drawing/2014/main" id="{1426B851-AB72-BFFA-093B-38CF25A9AAFC}"/>
+                  </a:ext>
+                </a:extLst>
+              </p:cNvPr>
+              <p:cNvSpPr txBox="1">
+                <a:spLocks noRot="1" noChangeAspect="1" noMove="1" noResize="1" noEditPoints="1" noAdjustHandles="1" noChangeArrowheads="1" noChangeShapeType="1" noTextEdit="1"/>
+              </p:cNvSpPr>
+              <p:nvPr/>
+            </p:nvSpPr>
+            <p:spPr>
+              <a:xfrm>
+                <a:off x="5612657" y="3405396"/>
+                <a:ext cx="966686" cy="461665"/>
+              </a:xfrm>
+              <a:prstGeom prst="rect">
+                <a:avLst/>
+              </a:prstGeom>
+              <a:blipFill>
+                <a:blip r:embed="rId6"/>
+                <a:stretch>
+                  <a:fillRect l="-4430" r="-633" b="-17333"/>
+                </a:stretch>
+              </a:blipFill>
+            </p:spPr>
+            <p:txBody>
+              <a:bodyPr/>
+              <a:lstStyle/>
+              <a:p>
+                <a:r>
+                  <a:rPr lang="en-US">
+                    <a:noFill/>
+                  </a:rPr>
+                  <a:t> </a:t>
+                </a:r>
+              </a:p>
+            </p:txBody>
+          </p:sp>
+        </mc:Fallback>
+      </mc:AlternateContent>
+      <mc:AlternateContent xmlns:mc="http://schemas.openxmlformats.org/markup-compatibility/2006" xmlns:a14="http://schemas.microsoft.com/office/drawing/2010/main">
+        <mc:Choice Requires="a14">
+          <p:sp>
+            <p:nvSpPr>
+              <p:cNvPr id="36" name="CasellaDiTesto 35">
+                <a:extLst>
+                  <a:ext uri="{FF2B5EF4-FFF2-40B4-BE49-F238E27FC236}">
+                    <a16:creationId xmlns:a16="http://schemas.microsoft.com/office/drawing/2014/main" id="{3E5EC53E-CD75-DB68-0324-A4CF186D5070}"/>
+                  </a:ext>
+                </a:extLst>
+              </p:cNvPr>
+              <p:cNvSpPr txBox="1"/>
+              <p:nvPr/>
+            </p:nvSpPr>
+            <p:spPr>
+              <a:xfrm>
+                <a:off x="5678919" y="5972525"/>
+                <a:ext cx="966686" cy="461665"/>
+              </a:xfrm>
+              <a:prstGeom prst="rect">
+                <a:avLst/>
+              </a:prstGeom>
+              <a:noFill/>
+            </p:spPr>
+            <p:txBody>
+              <a:bodyPr wrap="square" rtlCol="0">
+                <a:spAutoFit/>
+              </a:bodyPr>
+              <a:lstStyle/>
+              <a:p>
+                <a:pPr/>
+                <a14:m>
+                  <m:oMathPara xmlns:m="http://schemas.openxmlformats.org/officeDocument/2006/math">
+                    <m:oMathParaPr>
+                      <m:jc m:val="centerGroup"/>
+                    </m:oMathParaPr>
+                    <m:oMath xmlns:m="http://schemas.openxmlformats.org/officeDocument/2006/math">
+                      <m:sSub>
+                        <m:sSubPr>
+                          <m:ctrlPr>
+                            <a:rPr lang="it-IT" sz="2400" b="1" i="1" smtClean="0">
+                              <a:solidFill>
+                                <a:schemeClr val="accent2">
+                                  <a:lumMod val="75000"/>
+                                </a:schemeClr>
+                              </a:solidFill>
+                              <a:latin typeface="Cambria Math" panose="02040503050406030204" pitchFamily="18" charset="0"/>
+                            </a:rPr>
+                          </m:ctrlPr>
+                        </m:sSubPr>
+                        <m:e>
+                          <m:r>
+                            <a:rPr lang="it-IT" sz="2400" b="1" i="1">
+                              <a:solidFill>
+                                <a:schemeClr val="accent2">
+                                  <a:lumMod val="75000"/>
+                                </a:schemeClr>
+                              </a:solidFill>
+                              <a:latin typeface="Cambria Math" panose="02040503050406030204" pitchFamily="18" charset="0"/>
+                            </a:rPr>
+                            <m:t>𝒌</m:t>
+                          </m:r>
+                        </m:e>
+                        <m:sub>
+                          <m:r>
+                            <a:rPr lang="it-IT" sz="2400" b="1" i="1" smtClean="0">
+                              <a:solidFill>
+                                <a:schemeClr val="accent2">
+                                  <a:lumMod val="75000"/>
+                                </a:schemeClr>
+                              </a:solidFill>
+                              <a:latin typeface="Cambria Math" panose="02040503050406030204" pitchFamily="18" charset="0"/>
+                            </a:rPr>
+                            <m:t>𝟒</m:t>
+                          </m:r>
+                        </m:sub>
+                      </m:sSub>
+                      <m:r>
+                        <a:rPr lang="it-IT" sz="2400" b="1" i="1" smtClean="0">
+                          <a:solidFill>
+                            <a:schemeClr val="accent2">
+                              <a:lumMod val="75000"/>
+                            </a:schemeClr>
+                          </a:solidFill>
+                          <a:latin typeface="Cambria Math" panose="02040503050406030204" pitchFamily="18" charset="0"/>
+                        </a:rPr>
+                        <m:t>𝑨</m:t>
+                      </m:r>
+                    </m:oMath>
+                  </m:oMathPara>
+                </a14:m>
+                <a:endParaRPr lang="en-US" b="1" dirty="0"/>
+              </a:p>
+            </p:txBody>
+          </p:sp>
+        </mc:Choice>
+        <mc:Fallback xmlns="">
+          <p:sp>
+            <p:nvSpPr>
+              <p:cNvPr id="36" name="CasellaDiTesto 35">
+                <a:extLst>
+                  <a:ext uri="{FF2B5EF4-FFF2-40B4-BE49-F238E27FC236}">
+                    <a16:creationId xmlns:a16="http://schemas.microsoft.com/office/drawing/2014/main" id="{3E5EC53E-CD75-DB68-0324-A4CF186D5070}"/>
+                  </a:ext>
+                </a:extLst>
+              </p:cNvPr>
+              <p:cNvSpPr txBox="1">
+                <a:spLocks noRot="1" noChangeAspect="1" noMove="1" noResize="1" noEditPoints="1" noAdjustHandles="1" noChangeArrowheads="1" noChangeShapeType="1" noTextEdit="1"/>
+              </p:cNvSpPr>
+              <p:nvPr/>
+            </p:nvSpPr>
+            <p:spPr>
+              <a:xfrm>
+                <a:off x="5678919" y="5972525"/>
+                <a:ext cx="966686" cy="461665"/>
+              </a:xfrm>
+              <a:prstGeom prst="rect">
+                <a:avLst/>
+              </a:prstGeom>
+              <a:blipFill>
+                <a:blip r:embed="rId7"/>
+                <a:stretch>
+                  <a:fillRect b="-1333"/>
+                </a:stretch>
+              </a:blipFill>
+            </p:spPr>
+            <p:txBody>
+              <a:bodyPr/>
+              <a:lstStyle/>
+              <a:p>
+                <a:r>
+                  <a:rPr lang="en-US">
+                    <a:noFill/>
+                  </a:rPr>
+                  <a:t> </a:t>
+                </a:r>
+              </a:p>
+            </p:txBody>
+          </p:sp>
+        </mc:Fallback>
+      </mc:AlternateContent>
+      <mc:AlternateContent xmlns:mc="http://schemas.openxmlformats.org/markup-compatibility/2006" xmlns:a14="http://schemas.microsoft.com/office/drawing/2010/main">
+        <mc:Choice Requires="a14">
+          <p:sp>
+            <p:nvSpPr>
+              <p:cNvPr id="37" name="CasellaDiTesto 36">
+                <a:extLst>
+                  <a:ext uri="{FF2B5EF4-FFF2-40B4-BE49-F238E27FC236}">
+                    <a16:creationId xmlns:a16="http://schemas.microsoft.com/office/drawing/2014/main" id="{266BE12C-C683-D8C5-704B-E875464FE5FB}"/>
+                  </a:ext>
+                </a:extLst>
+              </p:cNvPr>
+              <p:cNvSpPr txBox="1"/>
+              <p:nvPr/>
+            </p:nvSpPr>
+            <p:spPr>
+              <a:xfrm>
+                <a:off x="5701419" y="5099895"/>
+                <a:ext cx="966686" cy="461665"/>
+              </a:xfrm>
+              <a:prstGeom prst="rect">
+                <a:avLst/>
+              </a:prstGeom>
+              <a:noFill/>
+            </p:spPr>
+            <p:txBody>
+              <a:bodyPr wrap="square" rtlCol="0">
+                <a:spAutoFit/>
+              </a:bodyPr>
+              <a:lstStyle/>
+              <a:p>
+                <a:pPr/>
+                <a14:m>
+                  <m:oMathPara xmlns:m="http://schemas.openxmlformats.org/officeDocument/2006/math">
+                    <m:oMathParaPr>
+                      <m:jc m:val="centerGroup"/>
+                    </m:oMathParaPr>
+                    <m:oMath xmlns:m="http://schemas.openxmlformats.org/officeDocument/2006/math">
+                      <m:sSub>
+                        <m:sSubPr>
+                          <m:ctrlPr>
+                            <a:rPr lang="it-IT" sz="2400" b="1" i="1" smtClean="0">
+                              <a:solidFill>
+                                <a:schemeClr val="accent2">
+                                  <a:lumMod val="50000"/>
+                                </a:schemeClr>
+                              </a:solidFill>
+                              <a:latin typeface="Cambria Math" panose="02040503050406030204" pitchFamily="18" charset="0"/>
+                            </a:rPr>
+                          </m:ctrlPr>
+                        </m:sSubPr>
+                        <m:e>
+                          <m:r>
+                            <a:rPr lang="it-IT" sz="2400" b="1" i="1">
+                              <a:solidFill>
+                                <a:schemeClr val="accent2">
+                                  <a:lumMod val="50000"/>
+                                </a:schemeClr>
+                              </a:solidFill>
+                              <a:latin typeface="Cambria Math" panose="02040503050406030204" pitchFamily="18" charset="0"/>
+                            </a:rPr>
+                            <m:t>𝝀</m:t>
+                          </m:r>
+                        </m:e>
+                        <m:sub>
+                          <m:r>
+                            <a:rPr lang="it-IT" sz="2400" b="1" i="1" smtClean="0">
+                              <a:solidFill>
+                                <a:schemeClr val="accent2">
+                                  <a:lumMod val="50000"/>
+                                </a:schemeClr>
+                              </a:solidFill>
+                              <a:latin typeface="Cambria Math" panose="02040503050406030204" pitchFamily="18" charset="0"/>
+                            </a:rPr>
+                            <m:t>𝟒</m:t>
+                          </m:r>
+                        </m:sub>
+                      </m:sSub>
+                    </m:oMath>
+                  </m:oMathPara>
+                </a14:m>
+                <a:endParaRPr lang="en-US" b="1" dirty="0"/>
+              </a:p>
+            </p:txBody>
+          </p:sp>
+        </mc:Choice>
+        <mc:Fallback xmlns="">
+          <p:sp>
+            <p:nvSpPr>
+              <p:cNvPr id="37" name="CasellaDiTesto 36">
+                <a:extLst>
+                  <a:ext uri="{FF2B5EF4-FFF2-40B4-BE49-F238E27FC236}">
+                    <a16:creationId xmlns:a16="http://schemas.microsoft.com/office/drawing/2014/main" id="{266BE12C-C683-D8C5-704B-E875464FE5FB}"/>
+                  </a:ext>
+                </a:extLst>
+              </p:cNvPr>
+              <p:cNvSpPr txBox="1">
+                <a:spLocks noRot="1" noChangeAspect="1" noMove="1" noResize="1" noEditPoints="1" noAdjustHandles="1" noChangeArrowheads="1" noChangeShapeType="1" noTextEdit="1"/>
+              </p:cNvSpPr>
+              <p:nvPr/>
+            </p:nvSpPr>
+            <p:spPr>
+              <a:xfrm>
+                <a:off x="5701419" y="5099895"/>
+                <a:ext cx="966686" cy="461665"/>
+              </a:xfrm>
+              <a:prstGeom prst="rect">
+                <a:avLst/>
+              </a:prstGeom>
+              <a:blipFill>
+                <a:blip r:embed="rId8"/>
+                <a:stretch>
+                  <a:fillRect b="-1333"/>
+                </a:stretch>
+              </a:blipFill>
+            </p:spPr>
+            <p:txBody>
+              <a:bodyPr/>
+              <a:lstStyle/>
+              <a:p>
+                <a:r>
+                  <a:rPr lang="en-US">
+                    <a:noFill/>
+                  </a:rPr>
+                  <a:t> </a:t>
+                </a:r>
+              </a:p>
+            </p:txBody>
+          </p:sp>
+        </mc:Fallback>
+      </mc:AlternateContent>
+      <mc:AlternateContent xmlns:mc="http://schemas.openxmlformats.org/markup-compatibility/2006" xmlns:a14="http://schemas.microsoft.com/office/drawing/2010/main">
+        <mc:Choice Requires="a14">
+          <p:sp>
+            <p:nvSpPr>
+              <p:cNvPr id="38" name="CasellaDiTesto 37">
+                <a:extLst>
+                  <a:ext uri="{FF2B5EF4-FFF2-40B4-BE49-F238E27FC236}">
+                    <a16:creationId xmlns:a16="http://schemas.microsoft.com/office/drawing/2014/main" id="{84FB1F99-C75C-D884-F713-3E1A1B40615A}"/>
+                  </a:ext>
+                </a:extLst>
+              </p:cNvPr>
+              <p:cNvSpPr txBox="1"/>
+              <p:nvPr/>
+            </p:nvSpPr>
+            <p:spPr>
+              <a:xfrm>
+                <a:off x="5685269" y="3923056"/>
+                <a:ext cx="966686" cy="461665"/>
+              </a:xfrm>
+              <a:prstGeom prst="rect">
+                <a:avLst/>
+              </a:prstGeom>
+              <a:noFill/>
+            </p:spPr>
+            <p:txBody>
+              <a:bodyPr wrap="square" rtlCol="0">
+                <a:spAutoFit/>
+              </a:bodyPr>
+              <a:lstStyle/>
+              <a:p>
+                <a:pPr/>
+                <a14:m>
+                  <m:oMathPara xmlns:m="http://schemas.openxmlformats.org/officeDocument/2006/math">
+                    <m:oMathParaPr>
+                      <m:jc m:val="centerGroup"/>
+                    </m:oMathParaPr>
+                    <m:oMath xmlns:m="http://schemas.openxmlformats.org/officeDocument/2006/math">
+                      <m:sSub>
+                        <m:sSubPr>
+                          <m:ctrlPr>
+                            <a:rPr lang="it-IT" sz="2400" b="1" i="1" smtClean="0">
+                              <a:solidFill>
+                                <a:schemeClr val="accent3">
+                                  <a:lumMod val="50000"/>
+                                </a:schemeClr>
+                              </a:solidFill>
+                              <a:latin typeface="Cambria Math" panose="02040503050406030204" pitchFamily="18" charset="0"/>
+                            </a:rPr>
+                          </m:ctrlPr>
+                        </m:sSubPr>
+                        <m:e>
+                          <m:r>
+                            <a:rPr lang="it-IT" sz="2400" b="1" i="1">
+                              <a:solidFill>
+                                <a:schemeClr val="accent3">
+                                  <a:lumMod val="50000"/>
+                                </a:schemeClr>
+                              </a:solidFill>
+                              <a:latin typeface="Cambria Math" panose="02040503050406030204" pitchFamily="18" charset="0"/>
+                            </a:rPr>
+                            <m:t>𝝀</m:t>
+                          </m:r>
+                        </m:e>
+                        <m:sub>
+                          <m:r>
+                            <a:rPr lang="it-IT" sz="2400" b="1" i="1" smtClean="0">
+                              <a:solidFill>
+                                <a:schemeClr val="accent3">
+                                  <a:lumMod val="50000"/>
+                                </a:schemeClr>
+                              </a:solidFill>
+                              <a:latin typeface="Cambria Math" panose="02040503050406030204" pitchFamily="18" charset="0"/>
+                            </a:rPr>
+                            <m:t>𝟑</m:t>
+                          </m:r>
+                        </m:sub>
+                      </m:sSub>
+                    </m:oMath>
+                  </m:oMathPara>
+                </a14:m>
+                <a:endParaRPr lang="en-US" sz="2000" b="1" dirty="0"/>
+              </a:p>
+            </p:txBody>
+          </p:sp>
+        </mc:Choice>
+        <mc:Fallback xmlns="">
+          <p:sp>
+            <p:nvSpPr>
+              <p:cNvPr id="38" name="CasellaDiTesto 37">
+                <a:extLst>
+                  <a:ext uri="{FF2B5EF4-FFF2-40B4-BE49-F238E27FC236}">
+                    <a16:creationId xmlns:a16="http://schemas.microsoft.com/office/drawing/2014/main" id="{84FB1F99-C75C-D884-F713-3E1A1B40615A}"/>
+                  </a:ext>
+                </a:extLst>
+              </p:cNvPr>
+              <p:cNvSpPr txBox="1">
+                <a:spLocks noRot="1" noChangeAspect="1" noMove="1" noResize="1" noEditPoints="1" noAdjustHandles="1" noChangeArrowheads="1" noChangeShapeType="1" noTextEdit="1"/>
+              </p:cNvSpPr>
+              <p:nvPr/>
+            </p:nvSpPr>
+            <p:spPr>
+              <a:xfrm>
+                <a:off x="5685269" y="3923056"/>
+                <a:ext cx="966686" cy="461665"/>
+              </a:xfrm>
+              <a:prstGeom prst="rect">
+                <a:avLst/>
+              </a:prstGeom>
+              <a:blipFill>
+                <a:blip r:embed="rId9"/>
+                <a:stretch>
+                  <a:fillRect b="-1333"/>
+                </a:stretch>
+              </a:blipFill>
+            </p:spPr>
+            <p:txBody>
+              <a:bodyPr/>
+              <a:lstStyle/>
+              <a:p>
+                <a:r>
+                  <a:rPr lang="en-US">
+                    <a:noFill/>
+                  </a:rPr>
+                  <a:t> </a:t>
+                </a:r>
+              </a:p>
+            </p:txBody>
+          </p:sp>
+        </mc:Fallback>
+      </mc:AlternateContent>
+      <p:sp>
+        <p:nvSpPr>
+          <p:cNvPr id="39" name="CasellaDiTesto 38">
+            <a:extLst>
+              <a:ext uri="{FF2B5EF4-FFF2-40B4-BE49-F238E27FC236}">
+                <a16:creationId xmlns:a16="http://schemas.microsoft.com/office/drawing/2014/main" id="{3D4E971A-26DB-C2C1-DBC6-817418770A74}"/>
+              </a:ext>
+            </a:extLst>
+          </p:cNvPr>
+          <p:cNvSpPr txBox="1"/>
+          <p:nvPr/>
+        </p:nvSpPr>
+        <p:spPr>
+          <a:xfrm>
+            <a:off x="3936886" y="6148290"/>
+            <a:ext cx="966686" cy="461665"/>
+          </a:xfrm>
+          <a:prstGeom prst="rect">
+            <a:avLst/>
+          </a:prstGeom>
+          <a:noFill/>
+        </p:spPr>
+        <p:txBody>
+          <a:bodyPr wrap="square" rtlCol="0">
+            <a:spAutoFit/>
+          </a:bodyPr>
+          <a:lstStyle/>
+          <a:p>
+            <a:r>
+              <a:rPr lang="el-GR" sz="2400" b="1" dirty="0">
+                <a:solidFill>
+                  <a:schemeClr val="accent5">
+                    <a:lumMod val="75000"/>
+                  </a:schemeClr>
+                </a:solidFill>
+              </a:rPr>
+              <a:t>γ</a:t>
+            </a:r>
+            <a:endParaRPr lang="en-US" sz="2400" b="1" dirty="0">
+              <a:solidFill>
+                <a:schemeClr val="accent5">
+                  <a:lumMod val="75000"/>
+                </a:schemeClr>
+              </a:solidFill>
+            </a:endParaRPr>
+          </a:p>
+        </p:txBody>
+      </p:sp>
+      <p:sp>
+        <p:nvSpPr>
+          <p:cNvPr id="40" name="CasellaDiTesto 39">
+            <a:extLst>
+              <a:ext uri="{FF2B5EF4-FFF2-40B4-BE49-F238E27FC236}">
+                <a16:creationId xmlns:a16="http://schemas.microsoft.com/office/drawing/2014/main" id="{6468797D-C9A1-3076-63B8-B67F55788F77}"/>
+              </a:ext>
+            </a:extLst>
+          </p:cNvPr>
+          <p:cNvSpPr txBox="1"/>
+          <p:nvPr/>
+        </p:nvSpPr>
+        <p:spPr>
+          <a:xfrm>
+            <a:off x="8109408" y="6042237"/>
+            <a:ext cx="966686" cy="461665"/>
+          </a:xfrm>
+          <a:prstGeom prst="rect">
+            <a:avLst/>
+          </a:prstGeom>
+          <a:noFill/>
+        </p:spPr>
+        <p:txBody>
+          <a:bodyPr wrap="square" rtlCol="0">
+            <a:spAutoFit/>
+          </a:bodyPr>
+          <a:lstStyle/>
+          <a:p>
+            <a:r>
+              <a:rPr lang="el-GR" sz="2400" b="1" dirty="0">
+                <a:solidFill>
+                  <a:schemeClr val="accent5">
+                    <a:lumMod val="75000"/>
+                  </a:schemeClr>
+                </a:solidFill>
+              </a:rPr>
+              <a:t>γ</a:t>
+            </a:r>
+            <a:endParaRPr lang="en-US" sz="2400" b="1" dirty="0">
+              <a:solidFill>
+                <a:schemeClr val="accent5">
+                  <a:lumMod val="75000"/>
+                </a:schemeClr>
+              </a:solidFill>
+            </a:endParaRPr>
+          </a:p>
+        </p:txBody>
+      </p:sp>
+      <p:cxnSp>
+        <p:nvCxnSpPr>
+          <p:cNvPr id="25" name="Connettore 2 24">
+            <a:extLst>
+              <a:ext uri="{FF2B5EF4-FFF2-40B4-BE49-F238E27FC236}">
+                <a16:creationId xmlns:a16="http://schemas.microsoft.com/office/drawing/2014/main" id="{922935FE-2226-6671-4E4B-E56AD2F60EE4}"/>
+              </a:ext>
+            </a:extLst>
+          </p:cNvPr>
+          <p:cNvCxnSpPr>
+            <a:cxnSpLocks/>
+            <a:endCxn id="2" idx="0"/>
+          </p:cNvCxnSpPr>
+          <p:nvPr/>
+        </p:nvCxnSpPr>
+        <p:spPr>
+          <a:xfrm flipH="1">
+            <a:off x="4325112" y="2575560"/>
+            <a:ext cx="1168908" cy="1454962"/>
+          </a:xfrm>
+          <a:prstGeom prst="straightConnector1">
+            <a:avLst/>
+          </a:prstGeom>
+          <a:ln w="38100">
+            <a:tailEnd type="triangle"/>
+          </a:ln>
+        </p:spPr>
+        <p:style>
+          <a:lnRef idx="2">
+            <a:schemeClr val="accent4"/>
+          </a:lnRef>
+          <a:fillRef idx="0">
+            <a:schemeClr val="accent4"/>
+          </a:fillRef>
+          <a:effectRef idx="1">
+            <a:schemeClr val="accent4"/>
+          </a:effectRef>
+          <a:fontRef idx="minor">
+            <a:schemeClr val="tx1"/>
+          </a:fontRef>
+        </p:style>
+      </p:cxnSp>
+      <p:cxnSp>
+        <p:nvCxnSpPr>
+          <p:cNvPr id="27" name="Connettore 2 26">
+            <a:extLst>
+              <a:ext uri="{FF2B5EF4-FFF2-40B4-BE49-F238E27FC236}">
+                <a16:creationId xmlns:a16="http://schemas.microsoft.com/office/drawing/2014/main" id="{99C54C03-4C11-46F2-D373-3069E7520A25}"/>
+              </a:ext>
+            </a:extLst>
+          </p:cNvPr>
+          <p:cNvCxnSpPr>
+            <a:cxnSpLocks/>
+            <a:endCxn id="2" idx="1"/>
+          </p:cNvCxnSpPr>
+          <p:nvPr/>
+        </p:nvCxnSpPr>
+        <p:spPr>
+          <a:xfrm>
+            <a:off x="2588378" y="2896130"/>
+            <a:ext cx="656734" cy="1854392"/>
+          </a:xfrm>
+          <a:prstGeom prst="straightConnector1">
+            <a:avLst/>
+          </a:prstGeom>
+          <a:ln w="38100">
+            <a:solidFill>
+              <a:schemeClr val="accent3"/>
+            </a:solidFill>
+            <a:tailEnd type="triangle"/>
+          </a:ln>
+        </p:spPr>
+        <p:style>
+          <a:lnRef idx="2">
+            <a:schemeClr val="accent4"/>
+          </a:lnRef>
+          <a:fillRef idx="0">
+            <a:schemeClr val="accent4"/>
+          </a:fillRef>
+          <a:effectRef idx="1">
+            <a:schemeClr val="accent4"/>
+          </a:effectRef>
+          <a:fontRef idx="minor">
+            <a:schemeClr val="tx1"/>
+          </a:fontRef>
+        </p:style>
+      </p:cxnSp>
+      <p:cxnSp>
+        <p:nvCxnSpPr>
+          <p:cNvPr id="32" name="Connettore 2 31">
+            <a:extLst>
+              <a:ext uri="{FF2B5EF4-FFF2-40B4-BE49-F238E27FC236}">
+                <a16:creationId xmlns:a16="http://schemas.microsoft.com/office/drawing/2014/main" id="{C237C44F-F31B-14F3-0947-BD1A8007C892}"/>
+              </a:ext>
+            </a:extLst>
+          </p:cNvPr>
+          <p:cNvCxnSpPr>
+            <a:cxnSpLocks/>
+            <a:stCxn id="8" idx="2"/>
+            <a:endCxn id="3" idx="3"/>
+          </p:cNvCxnSpPr>
+          <p:nvPr/>
+        </p:nvCxnSpPr>
+        <p:spPr>
+          <a:xfrm flipH="1">
+            <a:off x="9079412" y="2911276"/>
+            <a:ext cx="733412" cy="1839246"/>
+          </a:xfrm>
+          <a:prstGeom prst="straightConnector1">
+            <a:avLst/>
+          </a:prstGeom>
+          <a:ln w="38100">
+            <a:solidFill>
+              <a:schemeClr val="accent2"/>
+            </a:solidFill>
+            <a:tailEnd type="triangle"/>
+          </a:ln>
+        </p:spPr>
+        <p:style>
+          <a:lnRef idx="2">
+            <a:schemeClr val="accent4"/>
+          </a:lnRef>
+          <a:fillRef idx="0">
+            <a:schemeClr val="accent4"/>
+          </a:fillRef>
+          <a:effectRef idx="1">
+            <a:schemeClr val="accent4"/>
+          </a:effectRef>
+          <a:fontRef idx="minor">
+            <a:schemeClr val="tx1"/>
+          </a:fontRef>
+        </p:style>
+      </p:cxnSp>
+      <p:cxnSp>
+        <p:nvCxnSpPr>
+          <p:cNvPr id="42" name="Connettore curvo 41">
+            <a:extLst>
+              <a:ext uri="{FF2B5EF4-FFF2-40B4-BE49-F238E27FC236}">
+                <a16:creationId xmlns:a16="http://schemas.microsoft.com/office/drawing/2014/main" id="{3C9A74BA-143E-9CC4-3120-23A7FB42EC8B}"/>
+              </a:ext>
+            </a:extLst>
+          </p:cNvPr>
+          <p:cNvCxnSpPr>
+            <a:cxnSpLocks/>
+          </p:cNvCxnSpPr>
+          <p:nvPr/>
+        </p:nvCxnSpPr>
+        <p:spPr>
+          <a:xfrm rot="16200000" flipV="1">
+            <a:off x="6230842" y="5561412"/>
+            <a:ext cx="12700" cy="3674300"/>
+          </a:xfrm>
+          <a:prstGeom prst="curvedConnector3">
+            <a:avLst>
+              <a:gd name="adj1" fmla="val 5700000"/>
+            </a:avLst>
+          </a:prstGeom>
+          <a:ln w="38100">
+            <a:tailEnd type="triangle"/>
+          </a:ln>
+        </p:spPr>
+        <p:style>
+          <a:lnRef idx="2">
+            <a:schemeClr val="accent3"/>
+          </a:lnRef>
+          <a:fillRef idx="0">
+            <a:schemeClr val="accent3"/>
+          </a:fillRef>
+          <a:effectRef idx="1">
+            <a:schemeClr val="accent3"/>
+          </a:effectRef>
+          <a:fontRef idx="minor">
+            <a:schemeClr val="tx1"/>
+          </a:fontRef>
+        </p:style>
+      </p:cxnSp>
+      <p:cxnSp>
+        <p:nvCxnSpPr>
+          <p:cNvPr id="47" name="Connettore curvo 46">
+            <a:extLst>
+              <a:ext uri="{FF2B5EF4-FFF2-40B4-BE49-F238E27FC236}">
+                <a16:creationId xmlns:a16="http://schemas.microsoft.com/office/drawing/2014/main" id="{1EB0A9A1-D4E5-A82F-ECC6-8F5C7D7F0F95}"/>
+              </a:ext>
+            </a:extLst>
+          </p:cNvPr>
+          <p:cNvCxnSpPr>
+            <a:cxnSpLocks/>
+          </p:cNvCxnSpPr>
+          <p:nvPr/>
+        </p:nvCxnSpPr>
+        <p:spPr>
+          <a:xfrm rot="16200000" flipH="1">
+            <a:off x="6078442" y="7001412"/>
+            <a:ext cx="12700" cy="3674300"/>
+          </a:xfrm>
+          <a:prstGeom prst="curvedConnector3">
+            <a:avLst>
+              <a:gd name="adj1" fmla="val 3929583"/>
+            </a:avLst>
+          </a:prstGeom>
+          <a:ln w="38100">
+            <a:tailEnd type="triangle"/>
+          </a:ln>
+        </p:spPr>
+        <p:style>
+          <a:lnRef idx="2">
+            <a:schemeClr val="accent2"/>
+          </a:lnRef>
+          <a:fillRef idx="0">
+            <a:schemeClr val="accent2"/>
+          </a:fillRef>
+          <a:effectRef idx="1">
+            <a:schemeClr val="accent2"/>
+          </a:effectRef>
+          <a:fontRef idx="minor">
+            <a:schemeClr val="tx1"/>
+          </a:fontRef>
+        </p:style>
+      </p:cxnSp>
+      <p:cxnSp>
+        <p:nvCxnSpPr>
+          <p:cNvPr id="48" name="Connettore curvo 47">
+            <a:extLst>
+              <a:ext uri="{FF2B5EF4-FFF2-40B4-BE49-F238E27FC236}">
+                <a16:creationId xmlns:a16="http://schemas.microsoft.com/office/drawing/2014/main" id="{2E3B3956-DB2D-F8AB-1802-F581092DEE6C}"/>
+              </a:ext>
+            </a:extLst>
+          </p:cNvPr>
+          <p:cNvCxnSpPr>
+            <a:cxnSpLocks/>
+          </p:cNvCxnSpPr>
+          <p:nvPr/>
+        </p:nvCxnSpPr>
+        <p:spPr>
+          <a:xfrm>
+            <a:off x="5412732" y="7706432"/>
+            <a:ext cx="1514300" cy="12700"/>
+          </a:xfrm>
+          <a:prstGeom prst="curvedConnector3">
+            <a:avLst/>
+          </a:prstGeom>
+          <a:ln w="38100">
+            <a:solidFill>
+              <a:schemeClr val="accent3">
+                <a:lumMod val="50000"/>
+              </a:schemeClr>
+            </a:solidFill>
+            <a:tailEnd type="triangle"/>
+          </a:ln>
+        </p:spPr>
+        <p:style>
+          <a:lnRef idx="2">
+            <a:schemeClr val="accent4"/>
+          </a:lnRef>
+          <a:fillRef idx="0">
+            <a:schemeClr val="accent4"/>
+          </a:fillRef>
+          <a:effectRef idx="1">
+            <a:schemeClr val="accent4"/>
+          </a:effectRef>
+          <a:fontRef idx="minor">
+            <a:schemeClr val="tx1"/>
+          </a:fontRef>
+        </p:style>
+      </p:cxnSp>
+      <mc:AlternateContent xmlns:mc="http://schemas.openxmlformats.org/markup-compatibility/2006" xmlns:a14="http://schemas.microsoft.com/office/drawing/2010/main">
+        <mc:Choice Requires="a14">
+          <p:sp>
+            <p:nvSpPr>
+              <p:cNvPr id="49" name="CasellaDiTesto 48">
+                <a:extLst>
+                  <a:ext uri="{FF2B5EF4-FFF2-40B4-BE49-F238E27FC236}">
+                    <a16:creationId xmlns:a16="http://schemas.microsoft.com/office/drawing/2014/main" id="{994AAE62-C56E-0FAF-09F8-EF7BA0877041}"/>
+                  </a:ext>
+                </a:extLst>
+              </p:cNvPr>
+              <p:cNvSpPr txBox="1"/>
+              <p:nvPr/>
+            </p:nvSpPr>
+            <p:spPr>
+              <a:xfrm>
+                <a:off x="5528837" y="6773436"/>
+                <a:ext cx="966686" cy="461665"/>
+              </a:xfrm>
+              <a:prstGeom prst="rect">
+                <a:avLst/>
+              </a:prstGeom>
+              <a:noFill/>
+            </p:spPr>
+            <p:txBody>
+              <a:bodyPr wrap="square" rtlCol="0">
+                <a:spAutoFit/>
+              </a:bodyPr>
+              <a:lstStyle/>
+              <a:p>
+                <a:pPr/>
+                <a14:m>
+                  <m:oMathPara xmlns:m="http://schemas.openxmlformats.org/officeDocument/2006/math">
+                    <m:oMathParaPr>
+                      <m:jc m:val="centerGroup"/>
+                    </m:oMathParaPr>
+                    <m:oMath xmlns:m="http://schemas.openxmlformats.org/officeDocument/2006/math">
+                      <m:sSub>
+                        <m:sSubPr>
+                          <m:ctrlPr>
+                            <a:rPr lang="it-IT" sz="2400" b="1" i="1" smtClean="0">
+                              <a:solidFill>
+                                <a:srgbClr val="277432"/>
+                              </a:solidFill>
+                              <a:latin typeface="Cambria Math" panose="02040503050406030204" pitchFamily="18" charset="0"/>
+                            </a:rPr>
+                          </m:ctrlPr>
+                        </m:sSubPr>
+                        <m:e>
+                          <m:r>
+                            <a:rPr lang="it-IT" sz="2400" b="1" i="1" smtClean="0">
+                              <a:solidFill>
+                                <a:srgbClr val="277432"/>
+                              </a:solidFill>
+                              <a:latin typeface="Cambria Math" panose="02040503050406030204" pitchFamily="18" charset="0"/>
+                            </a:rPr>
+                            <m:t>𝝍</m:t>
+                          </m:r>
+                          <m:r>
+                            <a:rPr lang="it-IT" sz="2400" b="1" i="1">
+                              <a:solidFill>
+                                <a:srgbClr val="277432"/>
+                              </a:solidFill>
+                              <a:latin typeface="Cambria Math" panose="02040503050406030204" pitchFamily="18" charset="0"/>
+                            </a:rPr>
+                            <m:t>𝒌</m:t>
+                          </m:r>
+                        </m:e>
+                        <m:sub>
+                          <m:r>
+                            <a:rPr lang="it-IT" sz="2400" b="1" i="1" smtClean="0">
+                              <a:solidFill>
+                                <a:srgbClr val="277432"/>
+                              </a:solidFill>
+                              <a:latin typeface="Cambria Math" panose="02040503050406030204" pitchFamily="18" charset="0"/>
+                            </a:rPr>
+                            <m:t>𝟓</m:t>
+                          </m:r>
+                        </m:sub>
+                      </m:sSub>
+                      <m:r>
+                        <a:rPr lang="it-IT" sz="2400" b="1" i="1" smtClean="0">
+                          <a:solidFill>
+                            <a:srgbClr val="277432"/>
+                          </a:solidFill>
+                          <a:latin typeface="Cambria Math" panose="02040503050406030204" pitchFamily="18" charset="0"/>
+                        </a:rPr>
+                        <m:t>𝑪</m:t>
+                      </m:r>
+                    </m:oMath>
+                  </m:oMathPara>
+                </a14:m>
+                <a:endParaRPr lang="en-US" b="1" dirty="0"/>
+              </a:p>
+            </p:txBody>
+          </p:sp>
+        </mc:Choice>
+        <mc:Fallback xmlns="">
+          <p:sp>
+            <p:nvSpPr>
+              <p:cNvPr id="49" name="CasellaDiTesto 48">
+                <a:extLst>
+                  <a:ext uri="{FF2B5EF4-FFF2-40B4-BE49-F238E27FC236}">
+                    <a16:creationId xmlns:a16="http://schemas.microsoft.com/office/drawing/2014/main" id="{994AAE62-C56E-0FAF-09F8-EF7BA0877041}"/>
+                  </a:ext>
+                </a:extLst>
+              </p:cNvPr>
+              <p:cNvSpPr txBox="1">
+                <a:spLocks noRot="1" noChangeAspect="1" noMove="1" noResize="1" noEditPoints="1" noAdjustHandles="1" noChangeArrowheads="1" noChangeShapeType="1" noTextEdit="1"/>
+              </p:cNvSpPr>
+              <p:nvPr/>
+            </p:nvSpPr>
+            <p:spPr>
+              <a:xfrm>
+                <a:off x="5528837" y="6773436"/>
+                <a:ext cx="966686" cy="461665"/>
+              </a:xfrm>
+              <a:prstGeom prst="rect">
+                <a:avLst/>
+              </a:prstGeom>
+              <a:blipFill>
+                <a:blip r:embed="rId10"/>
+                <a:stretch>
+                  <a:fillRect l="-4403" b="-15789"/>
+                </a:stretch>
+              </a:blipFill>
+            </p:spPr>
+            <p:txBody>
+              <a:bodyPr/>
+              <a:lstStyle/>
+              <a:p>
+                <a:r>
+                  <a:rPr lang="en-US">
+                    <a:noFill/>
+                  </a:rPr>
+                  <a:t> </a:t>
+                </a:r>
+              </a:p>
+            </p:txBody>
+          </p:sp>
+        </mc:Fallback>
+      </mc:AlternateContent>
+      <mc:AlternateContent xmlns:mc="http://schemas.openxmlformats.org/markup-compatibility/2006" xmlns:a14="http://schemas.microsoft.com/office/drawing/2010/main">
+        <mc:Choice Requires="a14">
+          <p:sp>
+            <p:nvSpPr>
+              <p:cNvPr id="50" name="CasellaDiTesto 49">
+                <a:extLst>
+                  <a:ext uri="{FF2B5EF4-FFF2-40B4-BE49-F238E27FC236}">
+                    <a16:creationId xmlns:a16="http://schemas.microsoft.com/office/drawing/2014/main" id="{3593F89F-CE94-52FA-34C3-FF529CBD9308}"/>
+                  </a:ext>
+                </a:extLst>
+              </p:cNvPr>
+              <p:cNvSpPr txBox="1"/>
+              <p:nvPr/>
+            </p:nvSpPr>
+            <p:spPr>
+              <a:xfrm>
+                <a:off x="5595099" y="9340565"/>
+                <a:ext cx="966686" cy="461665"/>
+              </a:xfrm>
+              <a:prstGeom prst="rect">
+                <a:avLst/>
+              </a:prstGeom>
+              <a:noFill/>
+            </p:spPr>
+            <p:txBody>
+              <a:bodyPr wrap="square" rtlCol="0">
+                <a:spAutoFit/>
+              </a:bodyPr>
+              <a:lstStyle/>
+              <a:p>
+                <a:pPr/>
+                <a14:m>
+                  <m:oMathPara xmlns:m="http://schemas.openxmlformats.org/officeDocument/2006/math">
+                    <m:oMathParaPr>
+                      <m:jc m:val="centerGroup"/>
+                    </m:oMathParaPr>
+                    <m:oMath xmlns:m="http://schemas.openxmlformats.org/officeDocument/2006/math">
+                      <m:sSub>
+                        <m:sSubPr>
+                          <m:ctrlPr>
+                            <a:rPr lang="it-IT" sz="2400" b="1" i="1" smtClean="0">
+                              <a:solidFill>
+                                <a:schemeClr val="accent2">
+                                  <a:lumMod val="75000"/>
+                                </a:schemeClr>
+                              </a:solidFill>
+                              <a:latin typeface="Cambria Math" panose="02040503050406030204" pitchFamily="18" charset="0"/>
+                            </a:rPr>
+                          </m:ctrlPr>
+                        </m:sSubPr>
+                        <m:e>
+                          <m:r>
+                            <a:rPr lang="it-IT" sz="2400" b="1" i="1">
+                              <a:solidFill>
+                                <a:schemeClr val="accent2">
+                                  <a:lumMod val="75000"/>
+                                </a:schemeClr>
+                              </a:solidFill>
+                              <a:latin typeface="Cambria Math" panose="02040503050406030204" pitchFamily="18" charset="0"/>
+                            </a:rPr>
+                            <m:t>𝒌</m:t>
+                          </m:r>
+                        </m:e>
+                        <m:sub>
+                          <m:r>
+                            <a:rPr lang="it-IT" sz="2400" b="1" i="1" smtClean="0">
+                              <a:solidFill>
+                                <a:schemeClr val="accent2">
+                                  <a:lumMod val="75000"/>
+                                </a:schemeClr>
+                              </a:solidFill>
+                              <a:latin typeface="Cambria Math" panose="02040503050406030204" pitchFamily="18" charset="0"/>
+                            </a:rPr>
+                            <m:t>𝟔</m:t>
+                          </m:r>
+                        </m:sub>
+                      </m:sSub>
+                      <m:r>
+                        <a:rPr lang="it-IT" sz="2400" b="1" i="1" smtClean="0">
+                          <a:solidFill>
+                            <a:schemeClr val="accent2">
+                              <a:lumMod val="75000"/>
+                            </a:schemeClr>
+                          </a:solidFill>
+                          <a:latin typeface="Cambria Math" panose="02040503050406030204" pitchFamily="18" charset="0"/>
+                        </a:rPr>
+                        <m:t>𝑨</m:t>
+                      </m:r>
+                    </m:oMath>
+                  </m:oMathPara>
+                </a14:m>
+                <a:endParaRPr lang="en-US" b="1" dirty="0"/>
+              </a:p>
+            </p:txBody>
+          </p:sp>
+        </mc:Choice>
+        <mc:Fallback xmlns="">
+          <p:sp>
+            <p:nvSpPr>
+              <p:cNvPr id="50" name="CasellaDiTesto 49">
+                <a:extLst>
+                  <a:ext uri="{FF2B5EF4-FFF2-40B4-BE49-F238E27FC236}">
+                    <a16:creationId xmlns:a16="http://schemas.microsoft.com/office/drawing/2014/main" id="{3593F89F-CE94-52FA-34C3-FF529CBD9308}"/>
+                  </a:ext>
+                </a:extLst>
+              </p:cNvPr>
+              <p:cNvSpPr txBox="1">
+                <a:spLocks noRot="1" noChangeAspect="1" noMove="1" noResize="1" noEditPoints="1" noAdjustHandles="1" noChangeArrowheads="1" noChangeShapeType="1" noTextEdit="1"/>
+              </p:cNvSpPr>
+              <p:nvPr/>
+            </p:nvSpPr>
+            <p:spPr>
+              <a:xfrm>
+                <a:off x="5595099" y="9340565"/>
+                <a:ext cx="966686" cy="461665"/>
+              </a:xfrm>
+              <a:prstGeom prst="rect">
+                <a:avLst/>
+              </a:prstGeom>
+              <a:blipFill>
+                <a:blip r:embed="rId11"/>
+                <a:stretch>
+                  <a:fillRect b="-1316"/>
+                </a:stretch>
+              </a:blipFill>
+            </p:spPr>
+            <p:txBody>
+              <a:bodyPr/>
+              <a:lstStyle/>
+              <a:p>
+                <a:r>
+                  <a:rPr lang="en-US">
+                    <a:noFill/>
+                  </a:rPr>
+                  <a:t> </a:t>
+                </a:r>
+              </a:p>
+            </p:txBody>
+          </p:sp>
+        </mc:Fallback>
+      </mc:AlternateContent>
+      <mc:AlternateContent xmlns:mc="http://schemas.openxmlformats.org/markup-compatibility/2006" xmlns:a14="http://schemas.microsoft.com/office/drawing/2010/main">
+        <mc:Choice Requires="a14">
+          <p:sp>
+            <p:nvSpPr>
+              <p:cNvPr id="51" name="CasellaDiTesto 50">
+                <a:extLst>
+                  <a:ext uri="{FF2B5EF4-FFF2-40B4-BE49-F238E27FC236}">
+                    <a16:creationId xmlns:a16="http://schemas.microsoft.com/office/drawing/2014/main" id="{1FB9A2B4-AF99-108E-8B58-1F53D35CEE98}"/>
+                  </a:ext>
+                </a:extLst>
+              </p:cNvPr>
+              <p:cNvSpPr txBox="1"/>
+              <p:nvPr/>
+            </p:nvSpPr>
+            <p:spPr>
+              <a:xfrm>
+                <a:off x="5617599" y="8467935"/>
+                <a:ext cx="966686" cy="461665"/>
+              </a:xfrm>
+              <a:prstGeom prst="rect">
+                <a:avLst/>
+              </a:prstGeom>
+              <a:noFill/>
+            </p:spPr>
+            <p:txBody>
+              <a:bodyPr wrap="square" rtlCol="0">
+                <a:spAutoFit/>
+              </a:bodyPr>
+              <a:lstStyle/>
+              <a:p>
+                <a:pPr/>
+                <a14:m>
+                  <m:oMathPara xmlns:m="http://schemas.openxmlformats.org/officeDocument/2006/math">
+                    <m:oMathParaPr>
+                      <m:jc m:val="centerGroup"/>
+                    </m:oMathParaPr>
+                    <m:oMath xmlns:m="http://schemas.openxmlformats.org/officeDocument/2006/math">
+                      <m:sSub>
+                        <m:sSubPr>
+                          <m:ctrlPr>
+                            <a:rPr lang="it-IT" sz="2400" b="1" i="1" smtClean="0">
+                              <a:solidFill>
+                                <a:schemeClr val="accent2">
+                                  <a:lumMod val="50000"/>
+                                </a:schemeClr>
+                              </a:solidFill>
+                              <a:latin typeface="Cambria Math" panose="02040503050406030204" pitchFamily="18" charset="0"/>
+                            </a:rPr>
+                          </m:ctrlPr>
+                        </m:sSubPr>
+                        <m:e>
+                          <m:r>
+                            <a:rPr lang="it-IT" sz="2400" b="1" i="1">
+                              <a:solidFill>
+                                <a:schemeClr val="accent2">
+                                  <a:lumMod val="50000"/>
+                                </a:schemeClr>
+                              </a:solidFill>
+                              <a:latin typeface="Cambria Math" panose="02040503050406030204" pitchFamily="18" charset="0"/>
+                            </a:rPr>
+                            <m:t>𝝀</m:t>
+                          </m:r>
+                        </m:e>
+                        <m:sub>
+                          <m:r>
+                            <a:rPr lang="it-IT" sz="2400" b="1" i="1" smtClean="0">
+                              <a:solidFill>
+                                <a:schemeClr val="accent2">
+                                  <a:lumMod val="50000"/>
+                                </a:schemeClr>
+                              </a:solidFill>
+                              <a:latin typeface="Cambria Math" panose="02040503050406030204" pitchFamily="18" charset="0"/>
+                            </a:rPr>
+                            <m:t>𝟔</m:t>
+                          </m:r>
+                        </m:sub>
+                      </m:sSub>
+                    </m:oMath>
+                  </m:oMathPara>
+                </a14:m>
+                <a:endParaRPr lang="en-US" b="1" dirty="0"/>
+              </a:p>
+            </p:txBody>
+          </p:sp>
+        </mc:Choice>
+        <mc:Fallback xmlns="">
+          <p:sp>
+            <p:nvSpPr>
+              <p:cNvPr id="51" name="CasellaDiTesto 50">
+                <a:extLst>
+                  <a:ext uri="{FF2B5EF4-FFF2-40B4-BE49-F238E27FC236}">
+                    <a16:creationId xmlns:a16="http://schemas.microsoft.com/office/drawing/2014/main" id="{1FB9A2B4-AF99-108E-8B58-1F53D35CEE98}"/>
+                  </a:ext>
+                </a:extLst>
+              </p:cNvPr>
+              <p:cNvSpPr txBox="1">
+                <a:spLocks noRot="1" noChangeAspect="1" noMove="1" noResize="1" noEditPoints="1" noAdjustHandles="1" noChangeArrowheads="1" noChangeShapeType="1" noTextEdit="1"/>
+              </p:cNvSpPr>
+              <p:nvPr/>
+            </p:nvSpPr>
+            <p:spPr>
+              <a:xfrm>
+                <a:off x="5617599" y="8467935"/>
+                <a:ext cx="966686" cy="461665"/>
+              </a:xfrm>
+              <a:prstGeom prst="rect">
+                <a:avLst/>
+              </a:prstGeom>
+              <a:blipFill>
+                <a:blip r:embed="rId12"/>
+                <a:stretch>
+                  <a:fillRect b="-1316"/>
+                </a:stretch>
+              </a:blipFill>
+            </p:spPr>
+            <p:txBody>
+              <a:bodyPr/>
+              <a:lstStyle/>
+              <a:p>
+                <a:r>
+                  <a:rPr lang="en-US">
+                    <a:noFill/>
+                  </a:rPr>
+                  <a:t> </a:t>
+                </a:r>
+              </a:p>
+            </p:txBody>
+          </p:sp>
+        </mc:Fallback>
+      </mc:AlternateContent>
+      <mc:AlternateContent xmlns:mc="http://schemas.openxmlformats.org/markup-compatibility/2006" xmlns:a14="http://schemas.microsoft.com/office/drawing/2010/main">
+        <mc:Choice Requires="a14">
+          <p:sp>
+            <p:nvSpPr>
+              <p:cNvPr id="52" name="CasellaDiTesto 51">
+                <a:extLst>
+                  <a:ext uri="{FF2B5EF4-FFF2-40B4-BE49-F238E27FC236}">
+                    <a16:creationId xmlns:a16="http://schemas.microsoft.com/office/drawing/2014/main" id="{49BFB4E0-EE5C-4A20-D904-6D5F76D8BE72}"/>
+                  </a:ext>
+                </a:extLst>
+              </p:cNvPr>
+              <p:cNvSpPr txBox="1"/>
+              <p:nvPr/>
+            </p:nvSpPr>
+            <p:spPr>
+              <a:xfrm>
+                <a:off x="5601449" y="7291096"/>
+                <a:ext cx="966686" cy="461665"/>
+              </a:xfrm>
+              <a:prstGeom prst="rect">
+                <a:avLst/>
+              </a:prstGeom>
+              <a:noFill/>
+            </p:spPr>
+            <p:txBody>
+              <a:bodyPr wrap="square" rtlCol="0">
+                <a:spAutoFit/>
+              </a:bodyPr>
+              <a:lstStyle/>
+              <a:p>
+                <a:pPr/>
+                <a14:m>
+                  <m:oMathPara xmlns:m="http://schemas.openxmlformats.org/officeDocument/2006/math">
+                    <m:oMathParaPr>
+                      <m:jc m:val="centerGroup"/>
+                    </m:oMathParaPr>
+                    <m:oMath xmlns:m="http://schemas.openxmlformats.org/officeDocument/2006/math">
+                      <m:sSub>
+                        <m:sSubPr>
+                          <m:ctrlPr>
+                            <a:rPr lang="it-IT" sz="2400" b="1" i="1" smtClean="0">
+                              <a:solidFill>
+                                <a:schemeClr val="accent3">
+                                  <a:lumMod val="50000"/>
+                                </a:schemeClr>
+                              </a:solidFill>
+                              <a:latin typeface="Cambria Math" panose="02040503050406030204" pitchFamily="18" charset="0"/>
+                            </a:rPr>
+                          </m:ctrlPr>
+                        </m:sSubPr>
+                        <m:e>
+                          <m:r>
+                            <a:rPr lang="it-IT" sz="2400" b="1" i="1">
+                              <a:solidFill>
+                                <a:schemeClr val="accent3">
+                                  <a:lumMod val="50000"/>
+                                </a:schemeClr>
+                              </a:solidFill>
+                              <a:latin typeface="Cambria Math" panose="02040503050406030204" pitchFamily="18" charset="0"/>
+                            </a:rPr>
+                            <m:t>𝝀</m:t>
+                          </m:r>
+                        </m:e>
+                        <m:sub>
+                          <m:r>
+                            <a:rPr lang="it-IT" sz="2400" b="1" i="1" smtClean="0">
+                              <a:solidFill>
+                                <a:schemeClr val="accent3">
+                                  <a:lumMod val="50000"/>
+                                </a:schemeClr>
+                              </a:solidFill>
+                              <a:latin typeface="Cambria Math" panose="02040503050406030204" pitchFamily="18" charset="0"/>
+                            </a:rPr>
+                            <m:t>𝟓</m:t>
+                          </m:r>
+                        </m:sub>
+                      </m:sSub>
+                    </m:oMath>
+                  </m:oMathPara>
+                </a14:m>
+                <a:endParaRPr lang="en-US" sz="2000" b="1" dirty="0"/>
+              </a:p>
+            </p:txBody>
+          </p:sp>
+        </mc:Choice>
+        <mc:Fallback xmlns="">
+          <p:sp>
+            <p:nvSpPr>
+              <p:cNvPr id="52" name="CasellaDiTesto 51">
+                <a:extLst>
+                  <a:ext uri="{FF2B5EF4-FFF2-40B4-BE49-F238E27FC236}">
+                    <a16:creationId xmlns:a16="http://schemas.microsoft.com/office/drawing/2014/main" id="{49BFB4E0-EE5C-4A20-D904-6D5F76D8BE72}"/>
+                  </a:ext>
+                </a:extLst>
+              </p:cNvPr>
+              <p:cNvSpPr txBox="1">
+                <a:spLocks noRot="1" noChangeAspect="1" noMove="1" noResize="1" noEditPoints="1" noAdjustHandles="1" noChangeArrowheads="1" noChangeShapeType="1" noTextEdit="1"/>
+              </p:cNvSpPr>
+              <p:nvPr/>
+            </p:nvSpPr>
+            <p:spPr>
+              <a:xfrm>
+                <a:off x="5601449" y="7291096"/>
+                <a:ext cx="966686" cy="461665"/>
+              </a:xfrm>
+              <a:prstGeom prst="rect">
+                <a:avLst/>
+              </a:prstGeom>
+              <a:blipFill>
+                <a:blip r:embed="rId13"/>
+                <a:stretch>
+                  <a:fillRect b="-1316"/>
+                </a:stretch>
+              </a:blipFill>
+            </p:spPr>
+            <p:txBody>
+              <a:bodyPr/>
+              <a:lstStyle/>
+              <a:p>
+                <a:r>
+                  <a:rPr lang="en-US">
+                    <a:noFill/>
+                  </a:rPr>
+                  <a:t> </a:t>
+                </a:r>
+              </a:p>
+            </p:txBody>
+          </p:sp>
+        </mc:Fallback>
+      </mc:AlternateContent>
+      <p:cxnSp>
+        <p:nvCxnSpPr>
+          <p:cNvPr id="59" name="Connettore curvo 58">
+            <a:extLst>
+              <a:ext uri="{FF2B5EF4-FFF2-40B4-BE49-F238E27FC236}">
+                <a16:creationId xmlns:a16="http://schemas.microsoft.com/office/drawing/2014/main" id="{C0ED3F62-5651-C665-AE98-330F78134B34}"/>
+              </a:ext>
+            </a:extLst>
+          </p:cNvPr>
+          <p:cNvCxnSpPr>
+            <a:cxnSpLocks/>
+          </p:cNvCxnSpPr>
+          <p:nvPr/>
+        </p:nvCxnSpPr>
+        <p:spPr>
+          <a:xfrm rot="10800000">
+            <a:off x="5402446" y="8467191"/>
+            <a:ext cx="1509346" cy="12700"/>
+          </a:xfrm>
+          <a:prstGeom prst="curvedConnector3">
+            <a:avLst/>
+          </a:prstGeom>
+          <a:ln w="38100">
+            <a:solidFill>
+              <a:schemeClr val="accent2">
+                <a:lumMod val="50000"/>
+              </a:schemeClr>
+            </a:solidFill>
+            <a:tailEnd type="triangle"/>
+          </a:ln>
+        </p:spPr>
+        <p:style>
+          <a:lnRef idx="2">
+            <a:schemeClr val="accent4"/>
+          </a:lnRef>
+          <a:fillRef idx="0">
+            <a:schemeClr val="accent4"/>
+          </a:fillRef>
+          <a:effectRef idx="1">
+            <a:schemeClr val="accent4"/>
+          </a:effectRef>
+          <a:fontRef idx="minor">
+            <a:schemeClr val="tx1"/>
+          </a:fontRef>
+        </p:style>
+      </p:cxnSp>
+      <mc:AlternateContent xmlns:mc="http://schemas.openxmlformats.org/markup-compatibility/2006" xmlns:a14="http://schemas.microsoft.com/office/drawing/2010/main">
+        <mc:Choice Requires="a14">
+          <p:sp>
+            <p:nvSpPr>
+              <p:cNvPr id="60" name="CasellaDiTesto 59">
+                <a:extLst>
+                  <a:ext uri="{FF2B5EF4-FFF2-40B4-BE49-F238E27FC236}">
+                    <a16:creationId xmlns:a16="http://schemas.microsoft.com/office/drawing/2014/main" id="{4F8F1654-0E46-BA1C-633B-BE1462798EA5}"/>
+                  </a:ext>
+                </a:extLst>
+              </p:cNvPr>
+              <p:cNvSpPr txBox="1"/>
+              <p:nvPr/>
+            </p:nvSpPr>
+            <p:spPr>
+              <a:xfrm>
+                <a:off x="1988398" y="3477585"/>
+                <a:ext cx="966686" cy="461665"/>
+              </a:xfrm>
+              <a:prstGeom prst="rect">
+                <a:avLst/>
+              </a:prstGeom>
+              <a:noFill/>
+            </p:spPr>
+            <p:txBody>
+              <a:bodyPr wrap="square" rtlCol="0">
+                <a:spAutoFit/>
+              </a:bodyPr>
+              <a:lstStyle/>
+              <a:p>
+                <a:pPr/>
+                <a14:m>
+                  <m:oMathPara xmlns:m="http://schemas.openxmlformats.org/officeDocument/2006/math">
+                    <m:oMathParaPr>
+                      <m:jc m:val="centerGroup"/>
+                    </m:oMathParaPr>
+                    <m:oMath xmlns:m="http://schemas.openxmlformats.org/officeDocument/2006/math">
+                      <m:r>
+                        <a:rPr lang="it-IT" sz="2400" b="1" i="1" smtClean="0">
+                          <a:solidFill>
+                            <a:srgbClr val="277432"/>
+                          </a:solidFill>
+                          <a:latin typeface="Cambria Math" panose="02040503050406030204" pitchFamily="18" charset="0"/>
+                        </a:rPr>
+                        <m:t>𝜷𝝆</m:t>
+                      </m:r>
+                      <m:r>
+                        <a:rPr lang="it-IT" sz="2400" b="1" i="1" smtClean="0">
+                          <a:solidFill>
+                            <a:srgbClr val="277432"/>
+                          </a:solidFill>
+                          <a:latin typeface="Cambria Math" panose="02040503050406030204" pitchFamily="18" charset="0"/>
+                        </a:rPr>
+                        <m:t>𝑰</m:t>
+                      </m:r>
+                    </m:oMath>
+                  </m:oMathPara>
+                </a14:m>
+                <a:endParaRPr lang="en-US" b="1" dirty="0"/>
+              </a:p>
+            </p:txBody>
+          </p:sp>
+        </mc:Choice>
+        <mc:Fallback xmlns="">
+          <p:sp>
+            <p:nvSpPr>
+              <p:cNvPr id="60" name="CasellaDiTesto 59">
+                <a:extLst>
+                  <a:ext uri="{FF2B5EF4-FFF2-40B4-BE49-F238E27FC236}">
+                    <a16:creationId xmlns:a16="http://schemas.microsoft.com/office/drawing/2014/main" id="{4F8F1654-0E46-BA1C-633B-BE1462798EA5}"/>
+                  </a:ext>
+                </a:extLst>
+              </p:cNvPr>
+              <p:cNvSpPr txBox="1">
+                <a:spLocks noRot="1" noChangeAspect="1" noMove="1" noResize="1" noEditPoints="1" noAdjustHandles="1" noChangeArrowheads="1" noChangeShapeType="1" noTextEdit="1"/>
+              </p:cNvSpPr>
+              <p:nvPr/>
+            </p:nvSpPr>
+            <p:spPr>
+              <a:xfrm>
+                <a:off x="1988398" y="3477585"/>
+                <a:ext cx="966686" cy="461665"/>
+              </a:xfrm>
+              <a:prstGeom prst="rect">
+                <a:avLst/>
+              </a:prstGeom>
+              <a:blipFill>
+                <a:blip r:embed="rId14"/>
+                <a:stretch>
+                  <a:fillRect b="-15789"/>
+                </a:stretch>
+              </a:blipFill>
+            </p:spPr>
+            <p:txBody>
+              <a:bodyPr/>
+              <a:lstStyle/>
+              <a:p>
+                <a:r>
+                  <a:rPr lang="en-US">
+                    <a:noFill/>
+                  </a:rPr>
+                  <a:t> </a:t>
+                </a:r>
+              </a:p>
+            </p:txBody>
+          </p:sp>
+        </mc:Fallback>
+      </mc:AlternateContent>
+      <mc:AlternateContent xmlns:mc="http://schemas.openxmlformats.org/markup-compatibility/2006" xmlns:a14="http://schemas.microsoft.com/office/drawing/2010/main">
+        <mc:Choice Requires="a14">
+          <p:sp>
+            <p:nvSpPr>
+              <p:cNvPr id="61" name="CasellaDiTesto 60">
+                <a:extLst>
+                  <a:ext uri="{FF2B5EF4-FFF2-40B4-BE49-F238E27FC236}">
+                    <a16:creationId xmlns:a16="http://schemas.microsoft.com/office/drawing/2014/main" id="{D180DF9A-D536-E03C-9969-F89E6ED4ECF7}"/>
+                  </a:ext>
+                </a:extLst>
+              </p:cNvPr>
+              <p:cNvSpPr txBox="1"/>
+              <p:nvPr/>
+            </p:nvSpPr>
+            <p:spPr>
+              <a:xfrm>
+                <a:off x="4122676" y="2952448"/>
+                <a:ext cx="966686" cy="461665"/>
+              </a:xfrm>
+              <a:prstGeom prst="rect">
+                <a:avLst/>
+              </a:prstGeom>
+              <a:noFill/>
+            </p:spPr>
+            <p:txBody>
+              <a:bodyPr wrap="square" rtlCol="0">
+                <a:spAutoFit/>
+              </a:bodyPr>
+              <a:lstStyle/>
+              <a:p>
+                <a:pPr/>
+                <a14:m>
+                  <m:oMathPara xmlns:m="http://schemas.openxmlformats.org/officeDocument/2006/math">
+                    <m:oMathParaPr>
+                      <m:jc m:val="centerGroup"/>
+                    </m:oMathParaPr>
+                    <m:oMath xmlns:m="http://schemas.openxmlformats.org/officeDocument/2006/math">
+                      <m:r>
+                        <a:rPr lang="it-IT" sz="2400" b="1" i="1" smtClean="0">
+                          <a:solidFill>
+                            <a:schemeClr val="accent4"/>
+                          </a:solidFill>
+                          <a:latin typeface="Cambria Math" panose="02040503050406030204" pitchFamily="18" charset="0"/>
+                        </a:rPr>
+                        <m:t>𝜷</m:t>
+                      </m:r>
+                      <m:r>
+                        <a:rPr lang="it-IT" sz="2400" b="1" i="1" smtClean="0">
+                          <a:solidFill>
+                            <a:schemeClr val="accent4"/>
+                          </a:solidFill>
+                          <a:latin typeface="Cambria Math" panose="02040503050406030204" pitchFamily="18" charset="0"/>
+                        </a:rPr>
+                        <m:t>𝑰</m:t>
+                      </m:r>
+                    </m:oMath>
+                  </m:oMathPara>
+                </a14:m>
+                <a:endParaRPr lang="en-US" b="1" dirty="0">
+                  <a:solidFill>
+                    <a:schemeClr val="accent4"/>
+                  </a:solidFill>
+                </a:endParaRPr>
+              </a:p>
+            </p:txBody>
+          </p:sp>
+        </mc:Choice>
+        <mc:Fallback xmlns="">
+          <p:sp>
+            <p:nvSpPr>
+              <p:cNvPr id="61" name="CasellaDiTesto 60">
+                <a:extLst>
+                  <a:ext uri="{FF2B5EF4-FFF2-40B4-BE49-F238E27FC236}">
+                    <a16:creationId xmlns:a16="http://schemas.microsoft.com/office/drawing/2014/main" id="{D180DF9A-D536-E03C-9969-F89E6ED4ECF7}"/>
+                  </a:ext>
+                </a:extLst>
+              </p:cNvPr>
+              <p:cNvSpPr txBox="1">
+                <a:spLocks noRot="1" noChangeAspect="1" noMove="1" noResize="1" noEditPoints="1" noAdjustHandles="1" noChangeArrowheads="1" noChangeShapeType="1" noTextEdit="1"/>
+              </p:cNvSpPr>
+              <p:nvPr/>
+            </p:nvSpPr>
+            <p:spPr>
+              <a:xfrm>
+                <a:off x="4122676" y="2952448"/>
+                <a:ext cx="966686" cy="461665"/>
+              </a:xfrm>
+              <a:prstGeom prst="rect">
+                <a:avLst/>
+              </a:prstGeom>
+              <a:blipFill>
+                <a:blip r:embed="rId15"/>
+                <a:stretch>
+                  <a:fillRect b="-15789"/>
+                </a:stretch>
+              </a:blipFill>
+            </p:spPr>
+            <p:txBody>
+              <a:bodyPr/>
+              <a:lstStyle/>
+              <a:p>
+                <a:r>
+                  <a:rPr lang="en-US">
+                    <a:noFill/>
+                  </a:rPr>
+                  <a:t> </a:t>
+                </a:r>
+              </a:p>
+            </p:txBody>
+          </p:sp>
+        </mc:Fallback>
+      </mc:AlternateContent>
+      <mc:AlternateContent xmlns:mc="http://schemas.openxmlformats.org/markup-compatibility/2006" xmlns:a14="http://schemas.microsoft.com/office/drawing/2010/main">
+        <mc:Choice Requires="a14">
+          <p:sp>
+            <p:nvSpPr>
+              <p:cNvPr id="62" name="CasellaDiTesto 61">
+                <a:extLst>
+                  <a:ext uri="{FF2B5EF4-FFF2-40B4-BE49-F238E27FC236}">
+                    <a16:creationId xmlns:a16="http://schemas.microsoft.com/office/drawing/2014/main" id="{ABFCC8C4-0936-E101-47F1-21DF586EBFF2}"/>
+                  </a:ext>
+                </a:extLst>
+              </p:cNvPr>
+              <p:cNvSpPr txBox="1"/>
+              <p:nvPr/>
+            </p:nvSpPr>
+            <p:spPr>
+              <a:xfrm>
+                <a:off x="9446118" y="3477586"/>
+                <a:ext cx="966686" cy="461665"/>
+              </a:xfrm>
+              <a:prstGeom prst="rect">
+                <a:avLst/>
+              </a:prstGeom>
+              <a:noFill/>
+            </p:spPr>
+            <p:txBody>
+              <a:bodyPr wrap="square" rtlCol="0">
+                <a:spAutoFit/>
+              </a:bodyPr>
+              <a:lstStyle/>
+              <a:p>
+                <a:pPr/>
+                <a14:m>
+                  <m:oMathPara xmlns:m="http://schemas.openxmlformats.org/officeDocument/2006/math">
+                    <m:oMathParaPr>
+                      <m:jc m:val="centerGroup"/>
+                    </m:oMathParaPr>
+                    <m:oMath xmlns:m="http://schemas.openxmlformats.org/officeDocument/2006/math">
+                      <m:r>
+                        <a:rPr lang="it-IT" sz="2400" b="1" i="1" smtClean="0">
+                          <a:solidFill>
+                            <a:schemeClr val="accent2"/>
+                          </a:solidFill>
+                          <a:latin typeface="Cambria Math" panose="02040503050406030204" pitchFamily="18" charset="0"/>
+                        </a:rPr>
+                        <m:t>𝜷</m:t>
+                      </m:r>
+                      <m:r>
+                        <a:rPr lang="it-IT" sz="2400" b="1" i="1" smtClean="0">
+                          <a:solidFill>
+                            <a:schemeClr val="accent2"/>
+                          </a:solidFill>
+                          <a:latin typeface="Cambria Math" panose="02040503050406030204" pitchFamily="18" charset="0"/>
+                        </a:rPr>
+                        <m:t>𝑰</m:t>
+                      </m:r>
+                    </m:oMath>
+                  </m:oMathPara>
+                </a14:m>
+                <a:endParaRPr lang="en-US" b="1" dirty="0">
+                  <a:solidFill>
+                    <a:schemeClr val="accent2"/>
+                  </a:solidFill>
+                </a:endParaRPr>
+              </a:p>
+            </p:txBody>
+          </p:sp>
+        </mc:Choice>
+        <mc:Fallback xmlns="">
+          <p:sp>
+            <p:nvSpPr>
+              <p:cNvPr id="62" name="CasellaDiTesto 61">
+                <a:extLst>
+                  <a:ext uri="{FF2B5EF4-FFF2-40B4-BE49-F238E27FC236}">
+                    <a16:creationId xmlns:a16="http://schemas.microsoft.com/office/drawing/2014/main" id="{ABFCC8C4-0936-E101-47F1-21DF586EBFF2}"/>
+                  </a:ext>
+                </a:extLst>
+              </p:cNvPr>
+              <p:cNvSpPr txBox="1">
+                <a:spLocks noRot="1" noChangeAspect="1" noMove="1" noResize="1" noEditPoints="1" noAdjustHandles="1" noChangeArrowheads="1" noChangeShapeType="1" noTextEdit="1"/>
+              </p:cNvSpPr>
+              <p:nvPr/>
+            </p:nvSpPr>
+            <p:spPr>
+              <a:xfrm>
+                <a:off x="9446118" y="3477586"/>
+                <a:ext cx="966686" cy="461665"/>
+              </a:xfrm>
+              <a:prstGeom prst="rect">
+                <a:avLst/>
+              </a:prstGeom>
+              <a:blipFill>
+                <a:blip r:embed="rId16"/>
+                <a:stretch>
+                  <a:fillRect b="-15789"/>
+                </a:stretch>
+              </a:blipFill>
+            </p:spPr>
+            <p:txBody>
+              <a:bodyPr/>
+              <a:lstStyle/>
+              <a:p>
+                <a:r>
+                  <a:rPr lang="en-US">
+                    <a:noFill/>
+                  </a:rPr>
+                  <a:t> </a:t>
+                </a:r>
+              </a:p>
+            </p:txBody>
+          </p:sp>
+        </mc:Fallback>
+      </mc:AlternateContent>
+      <p:cxnSp>
+        <p:nvCxnSpPr>
+          <p:cNvPr id="66" name="Connettore a gomito 65">
+            <a:extLst>
+              <a:ext uri="{FF2B5EF4-FFF2-40B4-BE49-F238E27FC236}">
+                <a16:creationId xmlns:a16="http://schemas.microsoft.com/office/drawing/2014/main" id="{9C3ECA49-CF57-C65D-5B72-70BB9EB3D79C}"/>
+              </a:ext>
+            </a:extLst>
+          </p:cNvPr>
+          <p:cNvCxnSpPr>
+            <a:stCxn id="5" idx="1"/>
+            <a:endCxn id="7" idx="1"/>
+          </p:cNvCxnSpPr>
+          <p:nvPr/>
+        </p:nvCxnSpPr>
+        <p:spPr>
+          <a:xfrm rot="10800000">
+            <a:off x="1479176" y="2203976"/>
+            <a:ext cx="1765936" cy="5907534"/>
+          </a:xfrm>
+          <a:prstGeom prst="bentConnector3">
+            <a:avLst>
+              <a:gd name="adj1" fmla="val 133082"/>
+            </a:avLst>
+          </a:prstGeom>
+          <a:ln w="38100">
+            <a:solidFill>
+              <a:srgbClr val="C00000"/>
+            </a:solidFill>
+            <a:tailEnd type="triangle"/>
+          </a:ln>
+        </p:spPr>
+        <p:style>
+          <a:lnRef idx="2">
+            <a:schemeClr val="accent1"/>
+          </a:lnRef>
+          <a:fillRef idx="0">
+            <a:schemeClr val="accent1"/>
+          </a:fillRef>
+          <a:effectRef idx="1">
+            <a:schemeClr val="accent1"/>
+          </a:effectRef>
+          <a:fontRef idx="minor">
+            <a:schemeClr val="tx1"/>
+          </a:fontRef>
+        </p:style>
+      </p:cxnSp>
+      <p:cxnSp>
+        <p:nvCxnSpPr>
+          <p:cNvPr id="69" name="Connettore a gomito 68">
+            <a:extLst>
+              <a:ext uri="{FF2B5EF4-FFF2-40B4-BE49-F238E27FC236}">
+                <a16:creationId xmlns:a16="http://schemas.microsoft.com/office/drawing/2014/main" id="{EA41F634-EC5F-A110-3A48-F2326B42735E}"/>
+              </a:ext>
+            </a:extLst>
+          </p:cNvPr>
+          <p:cNvCxnSpPr>
+            <a:cxnSpLocks/>
+            <a:endCxn id="4" idx="0"/>
+          </p:cNvCxnSpPr>
+          <p:nvPr/>
+        </p:nvCxnSpPr>
+        <p:spPr>
+          <a:xfrm flipV="1">
+            <a:off x="890588" y="1291276"/>
+            <a:ext cx="5295412" cy="911548"/>
+          </a:xfrm>
+          <a:prstGeom prst="bentConnector4">
+            <a:avLst>
+              <a:gd name="adj1" fmla="val 190"/>
+              <a:gd name="adj2" fmla="val 191953"/>
+            </a:avLst>
+          </a:prstGeom>
+          <a:ln w="38100">
+            <a:solidFill>
+              <a:srgbClr val="C00000"/>
+            </a:solidFill>
+            <a:tailEnd type="triangle"/>
+          </a:ln>
+        </p:spPr>
+        <p:style>
+          <a:lnRef idx="2">
+            <a:schemeClr val="accent1"/>
+          </a:lnRef>
+          <a:fillRef idx="0">
+            <a:schemeClr val="accent1"/>
+          </a:fillRef>
+          <a:effectRef idx="1">
+            <a:schemeClr val="accent1"/>
+          </a:effectRef>
+          <a:fontRef idx="minor">
+            <a:schemeClr val="tx1"/>
+          </a:fontRef>
+        </p:style>
+      </p:cxnSp>
+      <mc:AlternateContent xmlns:mc="http://schemas.openxmlformats.org/markup-compatibility/2006" xmlns:a14="http://schemas.microsoft.com/office/drawing/2010/main">
+        <mc:Choice Requires="a14">
+          <p:sp>
+            <p:nvSpPr>
+              <p:cNvPr id="79" name="CasellaDiTesto 78">
+                <a:extLst>
+                  <a:ext uri="{FF2B5EF4-FFF2-40B4-BE49-F238E27FC236}">
+                    <a16:creationId xmlns:a16="http://schemas.microsoft.com/office/drawing/2014/main" id="{E188A959-EB42-0A9F-5A1A-BF7FB359A07E}"/>
+                  </a:ext>
+                </a:extLst>
+              </p:cNvPr>
+              <p:cNvSpPr txBox="1"/>
+              <p:nvPr/>
+            </p:nvSpPr>
+            <p:spPr>
+              <a:xfrm>
+                <a:off x="46051" y="1957769"/>
+                <a:ext cx="966686" cy="461665"/>
+              </a:xfrm>
+              <a:prstGeom prst="rect">
+                <a:avLst/>
+              </a:prstGeom>
+              <a:noFill/>
+            </p:spPr>
+            <p:txBody>
+              <a:bodyPr wrap="square" rtlCol="0">
+                <a:spAutoFit/>
+              </a:bodyPr>
+              <a:lstStyle/>
+              <a:p>
+                <a:pPr/>
+                <a14:m>
+                  <m:oMathPara xmlns:m="http://schemas.openxmlformats.org/officeDocument/2006/math">
+                    <m:oMathParaPr>
+                      <m:jc m:val="centerGroup"/>
+                    </m:oMathParaPr>
+                    <m:oMath xmlns:m="http://schemas.openxmlformats.org/officeDocument/2006/math">
+                      <m:r>
+                        <a:rPr lang="it-IT" sz="2400" b="1" i="1" smtClean="0">
+                          <a:solidFill>
+                            <a:srgbClr val="C00000"/>
+                          </a:solidFill>
+                          <a:latin typeface="Cambria Math" panose="02040503050406030204" pitchFamily="18" charset="0"/>
+                        </a:rPr>
+                        <m:t>𝜹𝝓</m:t>
+                      </m:r>
+                    </m:oMath>
+                  </m:oMathPara>
+                </a14:m>
+                <a:endParaRPr lang="en-US" b="1" dirty="0">
+                  <a:solidFill>
+                    <a:srgbClr val="C00000"/>
+                  </a:solidFill>
+                </a:endParaRPr>
+              </a:p>
+            </p:txBody>
+          </p:sp>
+        </mc:Choice>
+        <mc:Fallback xmlns="">
+          <p:sp>
+            <p:nvSpPr>
+              <p:cNvPr id="79" name="CasellaDiTesto 78">
+                <a:extLst>
+                  <a:ext uri="{FF2B5EF4-FFF2-40B4-BE49-F238E27FC236}">
+                    <a16:creationId xmlns:a16="http://schemas.microsoft.com/office/drawing/2014/main" id="{E188A959-EB42-0A9F-5A1A-BF7FB359A07E}"/>
+                  </a:ext>
+                </a:extLst>
+              </p:cNvPr>
+              <p:cNvSpPr txBox="1">
+                <a:spLocks noRot="1" noChangeAspect="1" noMove="1" noResize="1" noEditPoints="1" noAdjustHandles="1" noChangeArrowheads="1" noChangeShapeType="1" noTextEdit="1"/>
+              </p:cNvSpPr>
+              <p:nvPr/>
+            </p:nvSpPr>
+            <p:spPr>
+              <a:xfrm>
+                <a:off x="46051" y="1957769"/>
+                <a:ext cx="966686" cy="461665"/>
+              </a:xfrm>
+              <a:prstGeom prst="rect">
+                <a:avLst/>
+              </a:prstGeom>
+              <a:blipFill>
+                <a:blip r:embed="rId17"/>
+                <a:stretch>
+                  <a:fillRect b="-15789"/>
+                </a:stretch>
+              </a:blipFill>
+            </p:spPr>
+            <p:txBody>
+              <a:bodyPr/>
+              <a:lstStyle/>
+              <a:p>
+                <a:r>
+                  <a:rPr lang="en-US">
+                    <a:noFill/>
+                  </a:rPr>
+                  <a:t> </a:t>
+                </a:r>
+              </a:p>
+            </p:txBody>
+          </p:sp>
+        </mc:Fallback>
+      </mc:AlternateContent>
+      <mc:AlternateContent xmlns:mc="http://schemas.openxmlformats.org/markup-compatibility/2006" xmlns:a14="http://schemas.microsoft.com/office/drawing/2010/main">
+        <mc:Choice Requires="a14">
+          <p:sp>
+            <p:nvSpPr>
+              <p:cNvPr id="80" name="CasellaDiTesto 79">
+                <a:extLst>
+                  <a:ext uri="{FF2B5EF4-FFF2-40B4-BE49-F238E27FC236}">
+                    <a16:creationId xmlns:a16="http://schemas.microsoft.com/office/drawing/2014/main" id="{FF706AA4-631B-1119-BB42-5215BC4C9B59}"/>
+                  </a:ext>
+                </a:extLst>
+              </p:cNvPr>
+              <p:cNvSpPr txBox="1"/>
+              <p:nvPr/>
+            </p:nvSpPr>
+            <p:spPr>
+              <a:xfrm>
+                <a:off x="3180358" y="39456"/>
+                <a:ext cx="1723214" cy="461665"/>
+              </a:xfrm>
+              <a:prstGeom prst="rect">
+                <a:avLst/>
+              </a:prstGeom>
+              <a:noFill/>
+            </p:spPr>
+            <p:txBody>
+              <a:bodyPr wrap="square" rtlCol="0">
+                <a:spAutoFit/>
+              </a:bodyPr>
+              <a:lstStyle/>
+              <a:p>
+                <a:pPr/>
+                <a14:m>
+                  <m:oMathPara xmlns:m="http://schemas.openxmlformats.org/officeDocument/2006/math">
+                    <m:oMathParaPr>
+                      <m:jc m:val="centerGroup"/>
+                    </m:oMathParaPr>
+                    <m:oMath xmlns:m="http://schemas.openxmlformats.org/officeDocument/2006/math">
+                      <m:r>
+                        <a:rPr lang="it-IT" sz="2400" b="1" i="1" smtClean="0">
+                          <a:solidFill>
+                            <a:srgbClr val="C00000"/>
+                          </a:solidFill>
+                          <a:latin typeface="Cambria Math" panose="02040503050406030204" pitchFamily="18" charset="0"/>
+                        </a:rPr>
+                        <m:t>𝜹</m:t>
+                      </m:r>
+                      <m:r>
+                        <a:rPr lang="it-IT" sz="2400" b="1" i="1" smtClean="0">
+                          <a:solidFill>
+                            <a:srgbClr val="C00000"/>
+                          </a:solidFill>
+                          <a:latin typeface="Cambria Math" panose="02040503050406030204" pitchFamily="18" charset="0"/>
+                        </a:rPr>
+                        <m:t>(</m:t>
+                      </m:r>
+                      <m:r>
+                        <a:rPr lang="it-IT" sz="2400" b="1" i="1" smtClean="0">
+                          <a:solidFill>
+                            <a:srgbClr val="C00000"/>
+                          </a:solidFill>
+                          <a:latin typeface="Cambria Math" panose="02040503050406030204" pitchFamily="18" charset="0"/>
+                        </a:rPr>
+                        <m:t>𝟏</m:t>
+                      </m:r>
+                      <m:r>
+                        <a:rPr lang="it-IT" sz="2400" b="1" i="1" smtClean="0">
+                          <a:solidFill>
+                            <a:srgbClr val="C00000"/>
+                          </a:solidFill>
+                          <a:latin typeface="Cambria Math" panose="02040503050406030204" pitchFamily="18" charset="0"/>
+                        </a:rPr>
+                        <m:t>−</m:t>
+                      </m:r>
+                      <m:r>
+                        <a:rPr lang="it-IT" sz="2400" b="1" i="1" smtClean="0">
+                          <a:solidFill>
+                            <a:srgbClr val="C00000"/>
+                          </a:solidFill>
+                          <a:latin typeface="Cambria Math" panose="02040503050406030204" pitchFamily="18" charset="0"/>
+                        </a:rPr>
+                        <m:t>𝝓</m:t>
+                      </m:r>
+                      <m:r>
+                        <a:rPr lang="it-IT" sz="2400" b="1" i="1" smtClean="0">
+                          <a:solidFill>
+                            <a:srgbClr val="C00000"/>
+                          </a:solidFill>
+                          <a:latin typeface="Cambria Math" panose="02040503050406030204" pitchFamily="18" charset="0"/>
+                        </a:rPr>
+                        <m:t>)</m:t>
+                      </m:r>
+                    </m:oMath>
+                  </m:oMathPara>
+                </a14:m>
+                <a:endParaRPr lang="en-US" b="1" dirty="0">
+                  <a:solidFill>
+                    <a:srgbClr val="C00000"/>
+                  </a:solidFill>
+                </a:endParaRPr>
+              </a:p>
+            </p:txBody>
+          </p:sp>
+        </mc:Choice>
+        <mc:Fallback xmlns="">
+          <p:sp>
+            <p:nvSpPr>
+              <p:cNvPr id="80" name="CasellaDiTesto 79">
+                <a:extLst>
+                  <a:ext uri="{FF2B5EF4-FFF2-40B4-BE49-F238E27FC236}">
+                    <a16:creationId xmlns:a16="http://schemas.microsoft.com/office/drawing/2014/main" id="{FF706AA4-631B-1119-BB42-5215BC4C9B59}"/>
+                  </a:ext>
+                </a:extLst>
+              </p:cNvPr>
+              <p:cNvSpPr txBox="1">
+                <a:spLocks noRot="1" noChangeAspect="1" noMove="1" noResize="1" noEditPoints="1" noAdjustHandles="1" noChangeArrowheads="1" noChangeShapeType="1" noTextEdit="1"/>
+              </p:cNvSpPr>
+              <p:nvPr/>
+            </p:nvSpPr>
+            <p:spPr>
+              <a:xfrm>
+                <a:off x="3180358" y="39456"/>
+                <a:ext cx="1723214" cy="461665"/>
+              </a:xfrm>
+              <a:prstGeom prst="rect">
+                <a:avLst/>
+              </a:prstGeom>
+              <a:blipFill>
+                <a:blip r:embed="rId18"/>
+                <a:stretch>
+                  <a:fillRect b="-15789"/>
+                </a:stretch>
+              </a:blipFill>
+            </p:spPr>
+            <p:txBody>
+              <a:bodyPr/>
+              <a:lstStyle/>
+              <a:p>
+                <a:r>
+                  <a:rPr lang="en-US">
+                    <a:noFill/>
+                  </a:rPr>
+                  <a:t> </a:t>
+                </a:r>
+              </a:p>
+            </p:txBody>
+          </p:sp>
+        </mc:Fallback>
+      </mc:AlternateContent>
+      <p:cxnSp>
+        <p:nvCxnSpPr>
+          <p:cNvPr id="82" name="Connettore a gomito 81">
+            <a:extLst>
+              <a:ext uri="{FF2B5EF4-FFF2-40B4-BE49-F238E27FC236}">
+                <a16:creationId xmlns:a16="http://schemas.microsoft.com/office/drawing/2014/main" id="{1B74A42C-B8D0-5C63-0358-E3963A8DE3FB}"/>
+              </a:ext>
+            </a:extLst>
+          </p:cNvPr>
+          <p:cNvCxnSpPr>
+            <a:stCxn id="6" idx="3"/>
+            <a:endCxn id="8" idx="3"/>
+          </p:cNvCxnSpPr>
+          <p:nvPr/>
+        </p:nvCxnSpPr>
+        <p:spPr>
+          <a:xfrm flipV="1">
+            <a:off x="9079412" y="2191276"/>
+            <a:ext cx="1813412" cy="5920234"/>
+          </a:xfrm>
+          <a:prstGeom prst="bentConnector3">
+            <a:avLst>
+              <a:gd name="adj1" fmla="val 129414"/>
+            </a:avLst>
+          </a:prstGeom>
+          <a:ln w="38100">
+            <a:solidFill>
+              <a:srgbClr val="C00000"/>
+            </a:solidFill>
+            <a:tailEnd type="triangle"/>
+          </a:ln>
+        </p:spPr>
+        <p:style>
+          <a:lnRef idx="2">
+            <a:schemeClr val="accent1"/>
+          </a:lnRef>
+          <a:fillRef idx="0">
+            <a:schemeClr val="accent1"/>
+          </a:fillRef>
+          <a:effectRef idx="1">
+            <a:schemeClr val="accent1"/>
+          </a:effectRef>
+          <a:fontRef idx="minor">
+            <a:schemeClr val="tx1"/>
+          </a:fontRef>
+        </p:style>
+      </p:cxnSp>
+      <mc:AlternateContent xmlns:mc="http://schemas.openxmlformats.org/markup-compatibility/2006" xmlns:a14="http://schemas.microsoft.com/office/drawing/2010/main">
+        <mc:Choice Requires="a14">
+          <p:sp>
+            <p:nvSpPr>
+              <p:cNvPr id="84" name="CasellaDiTesto 83">
+                <a:extLst>
+                  <a:ext uri="{FF2B5EF4-FFF2-40B4-BE49-F238E27FC236}">
+                    <a16:creationId xmlns:a16="http://schemas.microsoft.com/office/drawing/2014/main" id="{D6FFD2B4-9FA5-5FF2-BCC0-4F13434DD90E}"/>
+                  </a:ext>
+                </a:extLst>
+              </p:cNvPr>
+              <p:cNvSpPr txBox="1"/>
+              <p:nvPr/>
+            </p:nvSpPr>
+            <p:spPr>
+              <a:xfrm>
+                <a:off x="9669719" y="7706432"/>
+                <a:ext cx="966686" cy="461665"/>
+              </a:xfrm>
+              <a:prstGeom prst="rect">
+                <a:avLst/>
+              </a:prstGeom>
+              <a:noFill/>
+            </p:spPr>
+            <p:txBody>
+              <a:bodyPr wrap="square" rtlCol="0">
+                <a:spAutoFit/>
+              </a:bodyPr>
+              <a:lstStyle/>
+              <a:p>
+                <a:pPr/>
+                <a14:m>
+                  <m:oMathPara xmlns:m="http://schemas.openxmlformats.org/officeDocument/2006/math">
+                    <m:oMathParaPr>
+                      <m:jc m:val="centerGroup"/>
+                    </m:oMathParaPr>
+                    <m:oMath xmlns:m="http://schemas.openxmlformats.org/officeDocument/2006/math">
+                      <m:r>
+                        <a:rPr lang="it-IT" sz="2400" b="1" i="1" smtClean="0">
+                          <a:solidFill>
+                            <a:srgbClr val="C00000"/>
+                          </a:solidFill>
+                          <a:latin typeface="Cambria Math" panose="02040503050406030204" pitchFamily="18" charset="0"/>
+                        </a:rPr>
+                        <m:t>𝜹</m:t>
+                      </m:r>
+                    </m:oMath>
+                  </m:oMathPara>
+                </a14:m>
+                <a:endParaRPr lang="en-US" b="1" dirty="0">
+                  <a:solidFill>
+                    <a:srgbClr val="C00000"/>
+                  </a:solidFill>
+                </a:endParaRPr>
+              </a:p>
+            </p:txBody>
+          </p:sp>
+        </mc:Choice>
+        <mc:Fallback xmlns="">
+          <p:sp>
+            <p:nvSpPr>
+              <p:cNvPr id="84" name="CasellaDiTesto 83">
+                <a:extLst>
+                  <a:ext uri="{FF2B5EF4-FFF2-40B4-BE49-F238E27FC236}">
+                    <a16:creationId xmlns:a16="http://schemas.microsoft.com/office/drawing/2014/main" id="{D6FFD2B4-9FA5-5FF2-BCC0-4F13434DD90E}"/>
+                  </a:ext>
+                </a:extLst>
+              </p:cNvPr>
+              <p:cNvSpPr txBox="1">
+                <a:spLocks noRot="1" noChangeAspect="1" noMove="1" noResize="1" noEditPoints="1" noAdjustHandles="1" noChangeArrowheads="1" noChangeShapeType="1" noTextEdit="1"/>
+              </p:cNvSpPr>
+              <p:nvPr/>
+            </p:nvSpPr>
+            <p:spPr>
+              <a:xfrm>
+                <a:off x="9669719" y="7706432"/>
+                <a:ext cx="966686" cy="461665"/>
+              </a:xfrm>
+              <a:prstGeom prst="rect">
+                <a:avLst/>
+              </a:prstGeom>
+              <a:blipFill>
+                <a:blip r:embed="rId19"/>
+                <a:stretch>
+                  <a:fillRect/>
+                </a:stretch>
+              </a:blipFill>
+            </p:spPr>
+            <p:txBody>
+              <a:bodyPr/>
+              <a:lstStyle/>
+              <a:p>
+                <a:r>
+                  <a:rPr lang="en-US">
+                    <a:noFill/>
+                  </a:rPr>
+                  <a:t> </a:t>
+                </a:r>
+              </a:p>
+            </p:txBody>
+          </p:sp>
+        </mc:Fallback>
+      </mc:AlternateContent>
+    </p:spTree>
+    <p:extLst>
+      <p:ext uri="{BB962C8B-B14F-4D97-AF65-F5344CB8AC3E}">
+        <p14:creationId xmlns:p14="http://schemas.microsoft.com/office/powerpoint/2010/main" val="2927899676"/>
+      </p:ext>
+    </p:extLst>
+  </p:cSld>
+  <p:clrMapOvr>
+    <a:masterClrMapping/>
+  </p:clrMapOvr>
+</p:sld>
+</file>
+
+<file path=ppt/slides/slide3.xml><?xml version="1.0" encoding="utf-8"?>
+<p:sld xmlns:a="http://schemas.openxmlformats.org/drawingml/2006/main" xmlns:r="http://schemas.openxmlformats.org/officeDocument/2006/relationships" xmlns:p="http://schemas.openxmlformats.org/presentationml/2006/main">
+  <p:cSld>
+    <p:spTree>
+      <p:nvGrpSpPr>
+        <p:cNvPr id="1" name=""/>
+        <p:cNvGrpSpPr/>
+        <p:nvPr/>
+      </p:nvGrpSpPr>
+      <p:grpSpPr>
+        <a:xfrm>
+          <a:off x="0" y="0"/>
+          <a:ext cx="0" cy="0"/>
+          <a:chOff x="0" y="0"/>
+          <a:chExt cx="0" cy="0"/>
+        </a:xfrm>
+      </p:grpSpPr>
+      <p:pic>
+        <p:nvPicPr>
+          <p:cNvPr id="7" name="Immagine 6">
+            <a:extLst>
+              <a:ext uri="{FF2B5EF4-FFF2-40B4-BE49-F238E27FC236}">
+                <a16:creationId xmlns:a16="http://schemas.microsoft.com/office/drawing/2014/main" id="{810E0DA1-0DEC-1AF0-1FB3-240EBC9A0613}"/>
+              </a:ext>
+            </a:extLst>
+          </p:cNvPr>
+          <p:cNvPicPr>
+            <a:picLocks noGrp="1" noRot="1" noChangeAspect="1" noMove="1" noResize="1" noEditPoints="1" noAdjustHandles="1" noChangeArrowheads="1" noChangeShapeType="1" noCrop="1"/>
+          </p:cNvPicPr>
+          <p:nvPr/>
+        </p:nvPicPr>
+        <p:blipFill>
+          <a:blip r:embed="rId2"/>
+          <a:stretch>
+            <a:fillRect/>
+          </a:stretch>
+        </p:blipFill>
+        <p:spPr>
+          <a:xfrm>
+            <a:off x="0" y="3974843"/>
+            <a:ext cx="6120000" cy="4590001"/>
+          </a:xfrm>
+          <a:prstGeom prst="rect">
+            <a:avLst/>
+          </a:prstGeom>
+        </p:spPr>
+      </p:pic>
+      <p:pic>
+        <p:nvPicPr>
+          <p:cNvPr id="9" name="Immagine 8">
+            <a:extLst>
+              <a:ext uri="{FF2B5EF4-FFF2-40B4-BE49-F238E27FC236}">
+                <a16:creationId xmlns:a16="http://schemas.microsoft.com/office/drawing/2014/main" id="{A2060A06-39B6-4BF7-416C-944D3F2A6716}"/>
+              </a:ext>
+            </a:extLst>
+          </p:cNvPr>
+          <p:cNvPicPr>
+            <a:picLocks noGrp="1" noRot="1" noChangeAspect="1" noMove="1" noResize="1" noEditPoints="1" noAdjustHandles="1" noChangeArrowheads="1" noChangeShapeType="1" noCrop="1"/>
+          </p:cNvPicPr>
+          <p:nvPr/>
+        </p:nvPicPr>
+        <p:blipFill>
+          <a:blip r:embed="rId3"/>
+          <a:srcRect t="19203" b="5796"/>
+          <a:stretch/>
+        </p:blipFill>
+        <p:spPr>
+          <a:xfrm>
+            <a:off x="6120000" y="3974842"/>
+            <a:ext cx="6120000" cy="4590002"/>
+          </a:xfrm>
+          <a:prstGeom prst="rect">
+            <a:avLst/>
+          </a:prstGeom>
+        </p:spPr>
+      </p:pic>
+      <p:sp>
+        <p:nvSpPr>
+          <p:cNvPr id="2" name="Titolo 1">
+            <a:extLst>
+              <a:ext uri="{FF2B5EF4-FFF2-40B4-BE49-F238E27FC236}">
+                <a16:creationId xmlns:a16="http://schemas.microsoft.com/office/drawing/2014/main" id="{F44053A6-C4B4-F404-9F67-FADC52037800}"/>
+              </a:ext>
+            </a:extLst>
+          </p:cNvPr>
+          <p:cNvSpPr>
+            <a:spLocks noGrp="1"/>
+          </p:cNvSpPr>
+          <p:nvPr>
+            <p:ph type="title"/>
+          </p:nvPr>
+        </p:nvSpPr>
+        <p:spPr>
+          <a:xfrm>
+            <a:off x="4166167" y="2181328"/>
+            <a:ext cx="10515600" cy="1934340"/>
+          </a:xfrm>
+        </p:spPr>
+        <p:txBody>
+          <a:bodyPr>
+            <a:normAutofit/>
+          </a:bodyPr>
+          <a:lstStyle/>
+          <a:p>
+            <a:r>
+              <a:rPr lang="en-US" sz="8800" b="1" dirty="0"/>
+              <a:t>TESI: </a:t>
+            </a:r>
+          </a:p>
+        </p:txBody>
+      </p:sp>
+      <p:sp>
+        <p:nvSpPr>
+          <p:cNvPr id="4" name="CasellaDiTesto 3">
+            <a:extLst>
+              <a:ext uri="{FF2B5EF4-FFF2-40B4-BE49-F238E27FC236}">
+                <a16:creationId xmlns:a16="http://schemas.microsoft.com/office/drawing/2014/main" id="{D865A017-A9FF-667F-87D0-7A7B4AD548EF}"/>
+              </a:ext>
+            </a:extLst>
+          </p:cNvPr>
+          <p:cNvSpPr txBox="1"/>
+          <p:nvPr/>
+        </p:nvSpPr>
+        <p:spPr>
+          <a:xfrm>
+            <a:off x="462847" y="3974841"/>
+            <a:ext cx="5194307" cy="1107996"/>
+          </a:xfrm>
+          <a:prstGeom prst="rect">
+            <a:avLst/>
+          </a:prstGeom>
+          <a:noFill/>
+        </p:spPr>
+        <p:txBody>
+          <a:bodyPr wrap="none" rtlCol="0">
+            <a:spAutoFit/>
+          </a:bodyPr>
+          <a:lstStyle/>
+          <a:p>
+            <a:r>
+              <a:rPr lang="en-US" sz="6600" b="1" dirty="0"/>
+              <a:t>ASPETTATIVE</a:t>
+            </a:r>
+          </a:p>
+        </p:txBody>
+      </p:sp>
+      <p:sp>
+        <p:nvSpPr>
+          <p:cNvPr id="5" name="CasellaDiTesto 4">
+            <a:extLst>
+              <a:ext uri="{FF2B5EF4-FFF2-40B4-BE49-F238E27FC236}">
+                <a16:creationId xmlns:a16="http://schemas.microsoft.com/office/drawing/2014/main" id="{22A00A74-0FE7-C99E-BFA1-97D749E750D6}"/>
+              </a:ext>
+            </a:extLst>
+          </p:cNvPr>
+          <p:cNvSpPr txBox="1"/>
+          <p:nvPr/>
+        </p:nvSpPr>
+        <p:spPr>
+          <a:xfrm>
+            <a:off x="7654197" y="3974841"/>
+            <a:ext cx="3051605" cy="1107996"/>
+          </a:xfrm>
+          <a:prstGeom prst="rect">
+            <a:avLst/>
+          </a:prstGeom>
+          <a:noFill/>
+        </p:spPr>
+        <p:txBody>
+          <a:bodyPr wrap="none" rtlCol="0">
+            <a:spAutoFit/>
+          </a:bodyPr>
+          <a:lstStyle/>
+          <a:p>
+            <a:r>
+              <a:rPr lang="en-US" sz="6600" b="1" dirty="0"/>
+              <a:t>REALT</a:t>
+            </a:r>
+            <a:r>
+              <a:rPr lang="en-GB" sz="6600" b="1" i="0" dirty="0">
+                <a:solidFill>
+                  <a:srgbClr val="111111"/>
+                </a:solidFill>
+                <a:effectLst/>
+                <a:latin typeface="-apple-system"/>
+              </a:rPr>
+              <a:t>À</a:t>
+            </a:r>
+            <a:endParaRPr lang="en-US" sz="3600" b="1" dirty="0"/>
+          </a:p>
+        </p:txBody>
+      </p:sp>
+    </p:spTree>
+    <p:extLst>
+      <p:ext uri="{BB962C8B-B14F-4D97-AF65-F5344CB8AC3E}">
+        <p14:creationId xmlns:p14="http://schemas.microsoft.com/office/powerpoint/2010/main" val="22402767"/>
+      </p:ext>
+    </p:extLst>
+  </p:cSld>
+  <p:clrMapOvr>
+    <a:masterClrMapping/>
+  </p:clrMapOvr>
+</p:sld>
+</file>
+
 <file path=ppt/theme/theme1.xml><?xml version="1.0" encoding="utf-8"?>
 <a:theme xmlns:a="http://schemas.openxmlformats.org/drawingml/2006/main" name="Tema di Office">
   <a:themeElements>
-    <a:clrScheme name="Office">
+    <a:clrScheme name="Tema di Office">
       <a:dk1>
         <a:sysClr val="windowText" lastClr="000000"/>
       </a:dk1>
@@ -4241,7 +7806,7 @@
         <a:srgbClr val="96607D"/>
       </a:folHlink>
     </a:clrScheme>
-    <a:fontScheme name="Office">
+    <a:fontScheme name="Tema di Office">
       <a:majorFont>
         <a:latin typeface="Aptos Display" panose="02110004020202020204"/>
         <a:ea typeface=""/>
@@ -4347,7 +7912,7 @@
         <a:font script="Tfng" typeface="Ebrima"/>
       </a:minorFont>
     </a:fontScheme>
-    <a:fmtScheme name="Office">
+    <a:fmtScheme name="Tema di Office">
       <a:fillStyleLst>
         <a:solidFill>
           <a:schemeClr val="phClr"/>
